--- a/licensing.pptx
+++ b/licensing.pptx
@@ -5,10 +5,10 @@
     <p:sldMasterId id="2147483935" r:id="rId4"/>
   </p:sldMasterIdLst>
   <p:notesMasterIdLst>
-    <p:notesMasterId r:id="rId45"/>
+    <p:notesMasterId r:id="rId43"/>
   </p:notesMasterIdLst>
   <p:handoutMasterIdLst>
-    <p:handoutMasterId r:id="rId46"/>
+    <p:handoutMasterId r:id="rId44"/>
   </p:handoutMasterIdLst>
   <p:sldIdLst>
     <p:sldId id="318" r:id="rId5"/>
@@ -49,8 +49,6 @@
     <p:sldId id="324" r:id="rId40"/>
     <p:sldId id="325" r:id="rId41"/>
     <p:sldId id="326" r:id="rId42"/>
-    <p:sldId id="332" r:id="rId43"/>
-    <p:sldId id="333" r:id="rId44"/>
   </p:sldIdLst>
   <p:sldSz cx="12188825" cy="6858000"/>
   <p:notesSz cx="7010400" cy="9296400"/>
@@ -306,7 +304,7 @@
           <a:p>
             <a:fld id="{0B842F42-2CE9-4E35-95C1-410DC08A50B1}" type="datetimeFigureOut">
               <a:rPr lang="en-US" smtClean="0"/>
-              <a:t>11/17/2019</a:t>
+              <a:t>5/21/2021</a:t>
             </a:fld>
             <a:endParaRPr lang="en-US"/>
           </a:p>
@@ -471,7 +469,7 @@
           <a:p>
             <a:fld id="{6F282904-F315-4730-8D91-37D99E141A6F}" type="datetimeFigureOut">
               <a:rPr lang="en-US" smtClean="0"/>
-              <a:t>11/17/2019</a:t>
+              <a:t>5/21/2021</a:t>
             </a:fld>
             <a:endParaRPr lang="en-US"/>
           </a:p>
@@ -10679,1871 +10677,6 @@
 </p:sld>
 </file>
 
-<file path=ppt/slides/slide39.xml><?xml version="1.0" encoding="utf-8"?>
-<p:sld xmlns:a="http://schemas.openxmlformats.org/drawingml/2006/main" xmlns:r="http://schemas.openxmlformats.org/officeDocument/2006/relationships" xmlns:p="http://schemas.openxmlformats.org/presentationml/2006/main">
-  <p:cSld>
-    <p:spTree>
-      <p:nvGrpSpPr>
-        <p:cNvPr id="1" name=""/>
-        <p:cNvGrpSpPr/>
-        <p:nvPr/>
-      </p:nvGrpSpPr>
-      <p:grpSpPr>
-        <a:xfrm>
-          <a:off x="0" y="0"/>
-          <a:ext cx="0" cy="0"/>
-          <a:chOff x="0" y="0"/>
-          <a:chExt cx="0" cy="0"/>
-        </a:xfrm>
-      </p:grpSpPr>
-      <p:sp>
-        <p:nvSpPr>
-          <p:cNvPr id="2" name="Title 1">
-            <a:extLst>
-              <a:ext uri="{FF2B5EF4-FFF2-40B4-BE49-F238E27FC236}">
-                <a16:creationId xmlns:a16="http://schemas.microsoft.com/office/drawing/2014/main" id="{2D652AD8-340F-4E8B-B0C4-7ABAA20B6F6A}"/>
-              </a:ext>
-            </a:extLst>
-          </p:cNvPr>
-          <p:cNvSpPr>
-            <a:spLocks noGrp="1"/>
-          </p:cNvSpPr>
-          <p:nvPr>
-            <p:ph type="title"/>
-          </p:nvPr>
-        </p:nvSpPr>
-        <p:spPr/>
-        <p:txBody>
-          <a:bodyPr/>
-          <a:lstStyle/>
-          <a:p>
-            <a:r>
-              <a:rPr lang="en-US" dirty="0"/>
-              <a:t>Agenda</a:t>
-            </a:r>
-          </a:p>
-        </p:txBody>
-      </p:sp>
-      <p:graphicFrame>
-        <p:nvGraphicFramePr>
-          <p:cNvPr id="4" name="Content Placeholder 3">
-            <a:extLst>
-              <a:ext uri="{FF2B5EF4-FFF2-40B4-BE49-F238E27FC236}">
-                <a16:creationId xmlns:a16="http://schemas.microsoft.com/office/drawing/2014/main" id="{A0943BB2-2F98-4DD2-873B-1E619A0C771D}"/>
-              </a:ext>
-            </a:extLst>
-          </p:cNvPr>
-          <p:cNvGraphicFramePr>
-            <a:graphicFrameLocks noGrp="1"/>
-          </p:cNvGraphicFramePr>
-          <p:nvPr>
-            <p:ph idx="1"/>
-          </p:nvPr>
-        </p:nvGraphicFramePr>
-        <p:xfrm>
-          <a:off x="530679" y="1113288"/>
-          <a:ext cx="11127467" cy="5400040"/>
-        </p:xfrm>
-        <a:graphic>
-          <a:graphicData uri="http://schemas.openxmlformats.org/drawingml/2006/table">
-            <a:tbl>
-              <a:tblPr firstRow="1" bandRow="1">
-                <a:tableStyleId>{5C22544A-7EE6-4342-B048-85BDC9FD1C3A}</a:tableStyleId>
-              </a:tblPr>
-              <a:tblGrid>
-                <a:gridCol w="1856903">
-                  <a:extLst>
-                    <a:ext uri="{9D8B030D-6E8A-4147-A177-3AD203B41FA5}">
-                      <a16:colId xmlns:a16="http://schemas.microsoft.com/office/drawing/2014/main" val="3446576009"/>
-                    </a:ext>
-                  </a:extLst>
-                </a:gridCol>
-                <a:gridCol w="927652">
-                  <a:extLst>
-                    <a:ext uri="{9D8B030D-6E8A-4147-A177-3AD203B41FA5}">
-                      <a16:colId xmlns:a16="http://schemas.microsoft.com/office/drawing/2014/main" val="339314737"/>
-                    </a:ext>
-                  </a:extLst>
-                </a:gridCol>
-                <a:gridCol w="5502418">
-                  <a:extLst>
-                    <a:ext uri="{9D8B030D-6E8A-4147-A177-3AD203B41FA5}">
-                      <a16:colId xmlns:a16="http://schemas.microsoft.com/office/drawing/2014/main" val="1263998808"/>
-                    </a:ext>
-                  </a:extLst>
-                </a:gridCol>
-                <a:gridCol w="2840494">
-                  <a:extLst>
-                    <a:ext uri="{9D8B030D-6E8A-4147-A177-3AD203B41FA5}">
-                      <a16:colId xmlns:a16="http://schemas.microsoft.com/office/drawing/2014/main" val="4097899022"/>
-                    </a:ext>
-                  </a:extLst>
-                </a:gridCol>
-              </a:tblGrid>
-              <a:tr h="370840">
-                <a:tc>
-                  <a:txBody>
-                    <a:bodyPr/>
-                    <a:lstStyle/>
-                    <a:p>
-                      <a:pPr algn="l">
-                        <a:lnSpc>
-                          <a:spcPct val="100000"/>
-                        </a:lnSpc>
-                      </a:pPr>
-                      <a:r>
-                        <a:rPr lang="en-US" sz="1600" dirty="0"/>
-                        <a:t>Time</a:t>
-                      </a:r>
-                    </a:p>
-                  </a:txBody>
-                  <a:tcPr/>
-                </a:tc>
-                <a:tc>
-                  <a:txBody>
-                    <a:bodyPr/>
-                    <a:lstStyle/>
-                    <a:p>
-                      <a:pPr>
-                        <a:lnSpc>
-                          <a:spcPct val="100000"/>
-                        </a:lnSpc>
-                      </a:pPr>
-                      <a:r>
-                        <a:rPr lang="en-US" sz="1600" dirty="0"/>
-                        <a:t>Module</a:t>
-                      </a:r>
-                    </a:p>
-                  </a:txBody>
-                  <a:tcPr/>
-                </a:tc>
-                <a:tc>
-                  <a:txBody>
-                    <a:bodyPr/>
-                    <a:lstStyle/>
-                    <a:p>
-                      <a:pPr>
-                        <a:lnSpc>
-                          <a:spcPct val="100000"/>
-                        </a:lnSpc>
-                      </a:pPr>
-                      <a:r>
-                        <a:rPr lang="en-US" sz="1600" dirty="0"/>
-                        <a:t>Topic</a:t>
-                      </a:r>
-                    </a:p>
-                  </a:txBody>
-                  <a:tcPr/>
-                </a:tc>
-                <a:tc>
-                  <a:txBody>
-                    <a:bodyPr/>
-                    <a:lstStyle/>
-                    <a:p>
-                      <a:pPr>
-                        <a:lnSpc>
-                          <a:spcPct val="100000"/>
-                        </a:lnSpc>
-                      </a:pPr>
-                      <a:r>
-                        <a:rPr lang="en-US" sz="1600" dirty="0"/>
-                        <a:t>Speaker</a:t>
-                      </a:r>
-                    </a:p>
-                  </a:txBody>
-                  <a:tcPr/>
-                </a:tc>
-                <a:extLst>
-                  <a:ext uri="{0D108BD9-81ED-4DB2-BD59-A6C34878D82A}">
-                    <a16:rowId xmlns:a16="http://schemas.microsoft.com/office/drawing/2014/main" val="3602420430"/>
-                  </a:ext>
-                </a:extLst>
-              </a:tr>
-              <a:tr h="370840">
-                <a:tc>
-                  <a:txBody>
-                    <a:bodyPr/>
-                    <a:lstStyle/>
-                    <a:p>
-                      <a:pPr rtl="0" fontAlgn="t">
-                        <a:spcBef>
-                          <a:spcPts val="0"/>
-                        </a:spcBef>
-                        <a:spcAft>
-                          <a:spcPts val="0"/>
-                        </a:spcAft>
-                      </a:pPr>
-                      <a:r>
-                        <a:rPr lang="en-US" sz="1600" b="0" i="0" u="none" strike="noStrike" dirty="0">
-                          <a:solidFill>
-                            <a:srgbClr val="000000"/>
-                          </a:solidFill>
-                          <a:effectLst/>
-                          <a:latin typeface="Arial" panose="020B0604020202020204" pitchFamily="34" charset="0"/>
-                        </a:rPr>
-                        <a:t>8:30am-8:40am</a:t>
-                      </a:r>
-                      <a:endParaRPr lang="en-US" sz="3600" dirty="0">
-                        <a:effectLst/>
-                      </a:endParaRPr>
-                    </a:p>
-                  </a:txBody>
-                  <a:tcPr marL="63500" marR="63500" marT="63500" marB="63500"/>
-                </a:tc>
-                <a:tc>
-                  <a:txBody>
-                    <a:bodyPr/>
-                    <a:lstStyle/>
-                    <a:p>
-                      <a:pPr>
-                        <a:lnSpc>
-                          <a:spcPct val="100000"/>
-                        </a:lnSpc>
-                      </a:pPr>
-                      <a:r>
-                        <a:rPr lang="en-US" sz="1600" dirty="0"/>
-                        <a:t>00</a:t>
-                      </a:r>
-                    </a:p>
-                  </a:txBody>
-                  <a:tcPr/>
-                </a:tc>
-                <a:tc>
-                  <a:txBody>
-                    <a:bodyPr/>
-                    <a:lstStyle/>
-                    <a:p>
-                      <a:pPr>
-                        <a:lnSpc>
-                          <a:spcPct val="100000"/>
-                        </a:lnSpc>
-                      </a:pPr>
-                      <a:r>
-                        <a:rPr lang="en-US" sz="1600" b="0" i="0" u="none" strike="noStrike" kern="1200" dirty="0">
-                          <a:solidFill>
-                            <a:schemeClr val="dk1"/>
-                          </a:solidFill>
-                          <a:effectLst/>
-                          <a:latin typeface="+mn-lt"/>
-                          <a:ea typeface="+mn-ea"/>
-                          <a:cs typeface="+mn-cs"/>
-                        </a:rPr>
-                        <a:t>Introduction and Setup</a:t>
-                      </a:r>
-                      <a:endParaRPr lang="en-US" sz="1600" dirty="0"/>
-                    </a:p>
-                  </a:txBody>
-                  <a:tcPr/>
-                </a:tc>
-                <a:tc>
-                  <a:txBody>
-                    <a:bodyPr/>
-                    <a:lstStyle/>
-                    <a:p>
-                      <a:pPr>
-                        <a:lnSpc>
-                          <a:spcPct val="100000"/>
-                        </a:lnSpc>
-                      </a:pPr>
-                      <a:r>
-                        <a:rPr lang="en-US" sz="1600" dirty="0"/>
-                        <a:t>David E. Bernholdt, ORNL</a:t>
-                      </a:r>
-                    </a:p>
-                  </a:txBody>
-                  <a:tcPr/>
-                </a:tc>
-                <a:extLst>
-                  <a:ext uri="{0D108BD9-81ED-4DB2-BD59-A6C34878D82A}">
-                    <a16:rowId xmlns:a16="http://schemas.microsoft.com/office/drawing/2014/main" val="4236476034"/>
-                  </a:ext>
-                </a:extLst>
-              </a:tr>
-              <a:tr h="370840">
-                <a:tc>
-                  <a:txBody>
-                    <a:bodyPr/>
-                    <a:lstStyle/>
-                    <a:p>
-                      <a:pPr rtl="0" fontAlgn="t">
-                        <a:spcBef>
-                          <a:spcPts val="0"/>
-                        </a:spcBef>
-                        <a:spcAft>
-                          <a:spcPts val="0"/>
-                        </a:spcAft>
-                      </a:pPr>
-                      <a:r>
-                        <a:rPr lang="en-US" sz="1600" b="0" i="0" u="none" strike="noStrike" dirty="0">
-                          <a:solidFill>
-                            <a:srgbClr val="000000"/>
-                          </a:solidFill>
-                          <a:effectLst/>
-                          <a:latin typeface="Arial" panose="020B0604020202020204" pitchFamily="34" charset="0"/>
-                        </a:rPr>
-                        <a:t>8:40am-9:15am</a:t>
-                      </a:r>
-                      <a:endParaRPr lang="en-US" sz="3600" dirty="0">
-                        <a:effectLst/>
-                      </a:endParaRPr>
-                    </a:p>
-                  </a:txBody>
-                  <a:tcPr marL="63500" marR="63500" marT="63500" marB="63500"/>
-                </a:tc>
-                <a:tc>
-                  <a:txBody>
-                    <a:bodyPr/>
-                    <a:lstStyle/>
-                    <a:p>
-                      <a:pPr marL="0" marR="0" lvl="0" indent="0" algn="l" defTabSz="914400" rtl="0" eaLnBrk="1" fontAlgn="auto" latinLnBrk="0" hangingPunct="1">
-                        <a:lnSpc>
-                          <a:spcPct val="100000"/>
-                        </a:lnSpc>
-                        <a:spcBef>
-                          <a:spcPts val="0"/>
-                        </a:spcBef>
-                        <a:spcAft>
-                          <a:spcPts val="0"/>
-                        </a:spcAft>
-                        <a:buClrTx/>
-                        <a:buSzTx/>
-                        <a:buFontTx/>
-                        <a:buNone/>
-                        <a:tabLst/>
-                        <a:defRPr/>
-                      </a:pPr>
-                      <a:r>
-                        <a:rPr lang="en-US" sz="1600" dirty="0"/>
-                        <a:t>01</a:t>
-                      </a:r>
-                    </a:p>
-                  </a:txBody>
-                  <a:tcPr/>
-                </a:tc>
-                <a:tc>
-                  <a:txBody>
-                    <a:bodyPr/>
-                    <a:lstStyle/>
-                    <a:p>
-                      <a:pPr marL="0" marR="0" lvl="0" indent="0" algn="l" defTabSz="914400" rtl="0" eaLnBrk="1" fontAlgn="auto" latinLnBrk="0" hangingPunct="1">
-                        <a:lnSpc>
-                          <a:spcPct val="100000"/>
-                        </a:lnSpc>
-                        <a:spcBef>
-                          <a:spcPts val="0"/>
-                        </a:spcBef>
-                        <a:spcAft>
-                          <a:spcPts val="0"/>
-                        </a:spcAft>
-                        <a:buClrTx/>
-                        <a:buSzTx/>
-                        <a:buFontTx/>
-                        <a:buNone/>
-                        <a:tabLst/>
-                        <a:defRPr/>
-                      </a:pPr>
-                      <a:r>
-                        <a:rPr lang="en-US" sz="1600" b="0" i="0" u="none" strike="noStrike" kern="1200" dirty="0">
-                          <a:solidFill>
-                            <a:schemeClr val="dk1"/>
-                          </a:solidFill>
-                          <a:effectLst/>
-                          <a:latin typeface="+mn-lt"/>
-                          <a:ea typeface="+mn-ea"/>
-                          <a:cs typeface="+mn-cs"/>
-                        </a:rPr>
-                        <a:t>Overview of Best Practices in HPC </a:t>
-                      </a:r>
-                      <a:r>
-                        <a:rPr lang="en-US" sz="1600" b="0" i="0" u="none" strike="noStrike" kern="1200">
-                          <a:solidFill>
-                            <a:schemeClr val="dk1"/>
-                          </a:solidFill>
-                          <a:effectLst/>
-                          <a:latin typeface="+mn-lt"/>
-                          <a:ea typeface="+mn-ea"/>
-                          <a:cs typeface="+mn-cs"/>
-                        </a:rPr>
-                        <a:t>Software Development</a:t>
-                      </a:r>
-                      <a:endParaRPr lang="en-US" sz="1600" dirty="0"/>
-                    </a:p>
-                  </a:txBody>
-                  <a:tcPr/>
-                </a:tc>
-                <a:tc>
-                  <a:txBody>
-                    <a:bodyPr/>
-                    <a:lstStyle/>
-                    <a:p>
-                      <a:pPr marL="0" marR="0" lvl="0" indent="0" algn="l" defTabSz="914400" rtl="0" eaLnBrk="1" fontAlgn="auto" latinLnBrk="0" hangingPunct="1">
-                        <a:lnSpc>
-                          <a:spcPct val="100000"/>
-                        </a:lnSpc>
-                        <a:spcBef>
-                          <a:spcPts val="0"/>
-                        </a:spcBef>
-                        <a:spcAft>
-                          <a:spcPts val="0"/>
-                        </a:spcAft>
-                        <a:buClrTx/>
-                        <a:buSzTx/>
-                        <a:buFontTx/>
-                        <a:buNone/>
-                        <a:tabLst/>
-                        <a:defRPr/>
-                      </a:pPr>
-                      <a:r>
-                        <a:rPr lang="en-US" sz="1600" dirty="0"/>
-                        <a:t>David E. Bernholdt, ORNL</a:t>
-                      </a:r>
-                    </a:p>
-                  </a:txBody>
-                  <a:tcPr/>
-                </a:tc>
-                <a:extLst>
-                  <a:ext uri="{0D108BD9-81ED-4DB2-BD59-A6C34878D82A}">
-                    <a16:rowId xmlns:a16="http://schemas.microsoft.com/office/drawing/2014/main" val="18592124"/>
-                  </a:ext>
-                </a:extLst>
-              </a:tr>
-              <a:tr h="370840">
-                <a:tc>
-                  <a:txBody>
-                    <a:bodyPr/>
-                    <a:lstStyle/>
-                    <a:p>
-                      <a:pPr rtl="0" fontAlgn="t">
-                        <a:spcBef>
-                          <a:spcPts val="0"/>
-                        </a:spcBef>
-                        <a:spcAft>
-                          <a:spcPts val="0"/>
-                        </a:spcAft>
-                      </a:pPr>
-                      <a:r>
-                        <a:rPr lang="en-US" sz="1600" b="0" i="0" u="none" strike="noStrike" dirty="0">
-                          <a:solidFill>
-                            <a:srgbClr val="000000"/>
-                          </a:solidFill>
-                          <a:effectLst/>
-                          <a:latin typeface="Arial" panose="020B0604020202020204" pitchFamily="34" charset="0"/>
-                        </a:rPr>
-                        <a:t>9:15am-10:00am</a:t>
-                      </a:r>
-                      <a:endParaRPr lang="en-US" sz="3600" dirty="0">
-                        <a:effectLst/>
-                      </a:endParaRPr>
-                    </a:p>
-                  </a:txBody>
-                  <a:tcPr marL="63500" marR="63500" marT="63500" marB="63500"/>
-                </a:tc>
-                <a:tc>
-                  <a:txBody>
-                    <a:bodyPr/>
-                    <a:lstStyle/>
-                    <a:p>
-                      <a:pPr>
-                        <a:lnSpc>
-                          <a:spcPct val="100000"/>
-                        </a:lnSpc>
-                      </a:pPr>
-                      <a:r>
-                        <a:rPr lang="en-US" sz="1600" dirty="0"/>
-                        <a:t>02</a:t>
-                      </a:r>
-                    </a:p>
-                  </a:txBody>
-                  <a:tcPr/>
-                </a:tc>
-                <a:tc>
-                  <a:txBody>
-                    <a:bodyPr/>
-                    <a:lstStyle/>
-                    <a:p>
-                      <a:pPr marL="0" marR="0" lvl="0" indent="0" algn="l" defTabSz="914400" rtl="0" eaLnBrk="1" fontAlgn="auto" latinLnBrk="0" hangingPunct="1">
-                        <a:lnSpc>
-                          <a:spcPct val="100000"/>
-                        </a:lnSpc>
-                        <a:spcBef>
-                          <a:spcPts val="0"/>
-                        </a:spcBef>
-                        <a:spcAft>
-                          <a:spcPts val="0"/>
-                        </a:spcAft>
-                        <a:buClrTx/>
-                        <a:buSzTx/>
-                        <a:buFontTx/>
-                        <a:buNone/>
-                        <a:tabLst/>
-                        <a:defRPr/>
-                      </a:pPr>
-                      <a:r>
-                        <a:rPr lang="en-US" sz="1600" i="0" dirty="0"/>
-                        <a:t>An Introduction to Software Licensing</a:t>
-                      </a:r>
-                    </a:p>
-                  </a:txBody>
-                  <a:tcPr/>
-                </a:tc>
-                <a:tc>
-                  <a:txBody>
-                    <a:bodyPr/>
-                    <a:lstStyle/>
-                    <a:p>
-                      <a:pPr marL="0" marR="0" lvl="0" indent="0" algn="l" defTabSz="914400" rtl="0" eaLnBrk="1" fontAlgn="auto" latinLnBrk="0" hangingPunct="1">
-                        <a:lnSpc>
-                          <a:spcPct val="100000"/>
-                        </a:lnSpc>
-                        <a:spcBef>
-                          <a:spcPts val="0"/>
-                        </a:spcBef>
-                        <a:spcAft>
-                          <a:spcPts val="0"/>
-                        </a:spcAft>
-                        <a:buClrTx/>
-                        <a:buSzTx/>
-                        <a:buFontTx/>
-                        <a:buNone/>
-                        <a:tabLst/>
-                        <a:defRPr/>
-                      </a:pPr>
-                      <a:r>
-                        <a:rPr lang="en-US" sz="1600" dirty="0"/>
-                        <a:t>David E. Bernholdt, ORNL</a:t>
-                      </a:r>
-                    </a:p>
-                  </a:txBody>
-                  <a:tcPr/>
-                </a:tc>
-                <a:extLst>
-                  <a:ext uri="{0D108BD9-81ED-4DB2-BD59-A6C34878D82A}">
-                    <a16:rowId xmlns:a16="http://schemas.microsoft.com/office/drawing/2014/main" val="2417511484"/>
-                  </a:ext>
-                </a:extLst>
-              </a:tr>
-              <a:tr h="370840">
-                <a:tc>
-                  <a:txBody>
-                    <a:bodyPr/>
-                    <a:lstStyle/>
-                    <a:p>
-                      <a:pPr rtl="0" fontAlgn="t">
-                        <a:spcBef>
-                          <a:spcPts val="0"/>
-                        </a:spcBef>
-                        <a:spcAft>
-                          <a:spcPts val="0"/>
-                        </a:spcAft>
-                      </a:pPr>
-                      <a:r>
-                        <a:rPr lang="en-US" sz="1600" b="0" i="1" u="none" strike="noStrike" dirty="0">
-                          <a:solidFill>
-                            <a:srgbClr val="266093"/>
-                          </a:solidFill>
-                          <a:effectLst/>
-                          <a:latin typeface="Arial" panose="020B0604020202020204" pitchFamily="34" charset="0"/>
-                        </a:rPr>
-                        <a:t>10:00am-10:30am</a:t>
-                      </a:r>
-                      <a:endParaRPr lang="en-US" sz="3600" dirty="0">
-                        <a:effectLst/>
-                      </a:endParaRPr>
-                    </a:p>
-                  </a:txBody>
-                  <a:tcPr marL="63500" marR="63500" marT="63500" marB="63500"/>
-                </a:tc>
-                <a:tc>
-                  <a:txBody>
-                    <a:bodyPr/>
-                    <a:lstStyle/>
-                    <a:p>
-                      <a:pPr>
-                        <a:lnSpc>
-                          <a:spcPct val="100000"/>
-                        </a:lnSpc>
-                      </a:pPr>
-                      <a:endParaRPr lang="en-US" sz="1600" i="1" dirty="0">
-                        <a:solidFill>
-                          <a:schemeClr val="tx2"/>
-                        </a:solidFill>
-                      </a:endParaRPr>
-                    </a:p>
-                  </a:txBody>
-                  <a:tcPr/>
-                </a:tc>
-                <a:tc>
-                  <a:txBody>
-                    <a:bodyPr/>
-                    <a:lstStyle/>
-                    <a:p>
-                      <a:pPr>
-                        <a:lnSpc>
-                          <a:spcPct val="100000"/>
-                        </a:lnSpc>
-                      </a:pPr>
-                      <a:r>
-                        <a:rPr lang="en-US" sz="1600" b="0" i="1" u="none" strike="noStrike" kern="1200" dirty="0">
-                          <a:solidFill>
-                            <a:schemeClr val="tx2"/>
-                          </a:solidFill>
-                          <a:effectLst/>
-                          <a:latin typeface="+mn-lt"/>
-                          <a:ea typeface="+mn-ea"/>
-                          <a:cs typeface="+mn-cs"/>
-                        </a:rPr>
-                        <a:t>Break</a:t>
-                      </a:r>
-                      <a:endParaRPr lang="en-US" sz="1600" i="1" dirty="0">
-                        <a:solidFill>
-                          <a:schemeClr val="tx2"/>
-                        </a:solidFill>
-                      </a:endParaRPr>
-                    </a:p>
-                  </a:txBody>
-                  <a:tcPr/>
-                </a:tc>
-                <a:tc>
-                  <a:txBody>
-                    <a:bodyPr/>
-                    <a:lstStyle/>
-                    <a:p>
-                      <a:pPr>
-                        <a:lnSpc>
-                          <a:spcPct val="100000"/>
-                        </a:lnSpc>
-                      </a:pPr>
-                      <a:endParaRPr lang="en-US" sz="1600" i="1" dirty="0">
-                        <a:solidFill>
-                          <a:schemeClr val="tx2"/>
-                        </a:solidFill>
-                      </a:endParaRPr>
-                    </a:p>
-                  </a:txBody>
-                  <a:tcPr/>
-                </a:tc>
-                <a:extLst>
-                  <a:ext uri="{0D108BD9-81ED-4DB2-BD59-A6C34878D82A}">
-                    <a16:rowId xmlns:a16="http://schemas.microsoft.com/office/drawing/2014/main" val="1105160419"/>
-                  </a:ext>
-                </a:extLst>
-              </a:tr>
-              <a:tr h="370840">
-                <a:tc>
-                  <a:txBody>
-                    <a:bodyPr/>
-                    <a:lstStyle/>
-                    <a:p>
-                      <a:pPr rtl="0" fontAlgn="t">
-                        <a:spcBef>
-                          <a:spcPts val="0"/>
-                        </a:spcBef>
-                        <a:spcAft>
-                          <a:spcPts val="0"/>
-                        </a:spcAft>
-                      </a:pPr>
-                      <a:r>
-                        <a:rPr lang="en-US" sz="1600" b="0" i="0" u="none" strike="noStrike" dirty="0">
-                          <a:solidFill>
-                            <a:srgbClr val="000000"/>
-                          </a:solidFill>
-                          <a:effectLst/>
-                          <a:latin typeface="Arial" panose="020B0604020202020204" pitchFamily="34" charset="0"/>
-                        </a:rPr>
-                        <a:t>10:30am-11:30am</a:t>
-                      </a:r>
-                      <a:endParaRPr lang="en-US" sz="3600" dirty="0">
-                        <a:effectLst/>
-                      </a:endParaRPr>
-                    </a:p>
-                  </a:txBody>
-                  <a:tcPr marL="63500" marR="63500" marT="63500" marB="63500"/>
-                </a:tc>
-                <a:tc>
-                  <a:txBody>
-                    <a:bodyPr/>
-                    <a:lstStyle/>
-                    <a:p>
-                      <a:pPr>
-                        <a:lnSpc>
-                          <a:spcPct val="100000"/>
-                        </a:lnSpc>
-                      </a:pPr>
-                      <a:r>
-                        <a:rPr lang="en-US" sz="1600" dirty="0"/>
-                        <a:t>03</a:t>
-                      </a:r>
-                    </a:p>
-                  </a:txBody>
-                  <a:tcPr/>
-                </a:tc>
-                <a:tc>
-                  <a:txBody>
-                    <a:bodyPr/>
-                    <a:lstStyle/>
-                    <a:p>
-                      <a:pPr>
-                        <a:lnSpc>
-                          <a:spcPct val="100000"/>
-                        </a:lnSpc>
-                      </a:pPr>
-                      <a:r>
-                        <a:rPr lang="en-US" sz="1600" dirty="0"/>
-                        <a:t>Agile Methodologies and Useful GitHub Tools</a:t>
-                      </a:r>
-                    </a:p>
-                  </a:txBody>
-                  <a:tcPr/>
-                </a:tc>
-                <a:tc>
-                  <a:txBody>
-                    <a:bodyPr/>
-                    <a:lstStyle/>
-                    <a:p>
-                      <a:pPr>
-                        <a:lnSpc>
-                          <a:spcPct val="100000"/>
-                        </a:lnSpc>
-                      </a:pPr>
-                      <a:r>
-                        <a:rPr lang="en-US" sz="1600" dirty="0"/>
-                        <a:t>Michael A. </a:t>
-                      </a:r>
-                      <a:r>
-                        <a:rPr lang="en-US" sz="1600" dirty="0" err="1"/>
-                        <a:t>Heroux</a:t>
-                      </a:r>
-                      <a:r>
-                        <a:rPr lang="en-US" sz="1600" dirty="0"/>
-                        <a:t>, SNL</a:t>
-                      </a:r>
-                    </a:p>
-                  </a:txBody>
-                  <a:tcPr/>
-                </a:tc>
-                <a:extLst>
-                  <a:ext uri="{0D108BD9-81ED-4DB2-BD59-A6C34878D82A}">
-                    <a16:rowId xmlns:a16="http://schemas.microsoft.com/office/drawing/2014/main" val="3991164013"/>
-                  </a:ext>
-                </a:extLst>
-              </a:tr>
-              <a:tr h="370840">
-                <a:tc>
-                  <a:txBody>
-                    <a:bodyPr/>
-                    <a:lstStyle/>
-                    <a:p>
-                      <a:pPr rtl="0" fontAlgn="t">
-                        <a:spcBef>
-                          <a:spcPts val="0"/>
-                        </a:spcBef>
-                        <a:spcAft>
-                          <a:spcPts val="0"/>
-                        </a:spcAft>
-                      </a:pPr>
-                      <a:r>
-                        <a:rPr lang="en-US" sz="1600" b="0" i="0" u="none" strike="noStrike" dirty="0">
-                          <a:solidFill>
-                            <a:srgbClr val="000000"/>
-                          </a:solidFill>
-                          <a:effectLst/>
-                          <a:latin typeface="Arial" panose="020B0604020202020204" pitchFamily="34" charset="0"/>
-                        </a:rPr>
-                        <a:t>11:30am-12:00pm</a:t>
-                      </a:r>
-                      <a:endParaRPr lang="en-US" sz="3600" dirty="0">
-                        <a:effectLst/>
-                      </a:endParaRPr>
-                    </a:p>
-                  </a:txBody>
-                  <a:tcPr marL="63500" marR="63500" marT="63500" marB="63500"/>
-                </a:tc>
-                <a:tc>
-                  <a:txBody>
-                    <a:bodyPr/>
-                    <a:lstStyle/>
-                    <a:p>
-                      <a:pPr>
-                        <a:lnSpc>
-                          <a:spcPct val="100000"/>
-                        </a:lnSpc>
-                      </a:pPr>
-                      <a:r>
-                        <a:rPr lang="en-US" sz="1600" dirty="0"/>
-                        <a:t>04</a:t>
-                      </a:r>
-                    </a:p>
-                  </a:txBody>
-                  <a:tcPr/>
-                </a:tc>
-                <a:tc>
-                  <a:txBody>
-                    <a:bodyPr/>
-                    <a:lstStyle/>
-                    <a:p>
-                      <a:pPr>
-                        <a:lnSpc>
-                          <a:spcPct val="100000"/>
-                        </a:lnSpc>
-                      </a:pPr>
-                      <a:r>
-                        <a:rPr lang="en-US" sz="1600" b="0" i="0" u="none" strike="noStrike" kern="1200" dirty="0">
-                          <a:solidFill>
-                            <a:schemeClr val="dk1"/>
-                          </a:solidFill>
-                          <a:effectLst/>
-                          <a:latin typeface="+mn-lt"/>
-                          <a:ea typeface="+mn-ea"/>
-                          <a:cs typeface="+mn-cs"/>
-                        </a:rPr>
-                        <a:t>Improving Reproducibility through Better Software Practices</a:t>
-                      </a:r>
-                      <a:endParaRPr lang="en-US" sz="1600" dirty="0"/>
-                    </a:p>
-                  </a:txBody>
-                  <a:tcPr/>
-                </a:tc>
-                <a:tc>
-                  <a:txBody>
-                    <a:bodyPr/>
-                    <a:lstStyle/>
-                    <a:p>
-                      <a:pPr>
-                        <a:lnSpc>
-                          <a:spcPct val="100000"/>
-                        </a:lnSpc>
-                      </a:pPr>
-                      <a:r>
-                        <a:rPr lang="en-US" sz="1600" dirty="0"/>
-                        <a:t>Michael A. </a:t>
-                      </a:r>
-                      <a:r>
-                        <a:rPr lang="en-US" sz="1600" dirty="0" err="1"/>
-                        <a:t>Heroux</a:t>
-                      </a:r>
-                      <a:r>
-                        <a:rPr lang="en-US" sz="1600" dirty="0"/>
-                        <a:t>, SNL</a:t>
-                      </a:r>
-                    </a:p>
-                  </a:txBody>
-                  <a:tcPr/>
-                </a:tc>
-                <a:extLst>
-                  <a:ext uri="{0D108BD9-81ED-4DB2-BD59-A6C34878D82A}">
-                    <a16:rowId xmlns:a16="http://schemas.microsoft.com/office/drawing/2014/main" val="910718610"/>
-                  </a:ext>
-                </a:extLst>
-              </a:tr>
-              <a:tr h="370840">
-                <a:tc>
-                  <a:txBody>
-                    <a:bodyPr/>
-                    <a:lstStyle/>
-                    <a:p>
-                      <a:pPr rtl="0" fontAlgn="t">
-                        <a:spcBef>
-                          <a:spcPts val="0"/>
-                        </a:spcBef>
-                        <a:spcAft>
-                          <a:spcPts val="0"/>
-                        </a:spcAft>
-                      </a:pPr>
-                      <a:r>
-                        <a:rPr lang="en-US" sz="1600" b="0" i="1" u="none" strike="noStrike">
-                          <a:solidFill>
-                            <a:srgbClr val="266093"/>
-                          </a:solidFill>
-                          <a:effectLst/>
-                          <a:latin typeface="Arial" panose="020B0604020202020204" pitchFamily="34" charset="0"/>
-                        </a:rPr>
-                        <a:t>12:00pm-1:30pm</a:t>
-                      </a:r>
-                      <a:endParaRPr lang="en-US" sz="3600">
-                        <a:effectLst/>
-                      </a:endParaRPr>
-                    </a:p>
-                  </a:txBody>
-                  <a:tcPr marL="63500" marR="63500" marT="63500" marB="63500"/>
-                </a:tc>
-                <a:tc>
-                  <a:txBody>
-                    <a:bodyPr/>
-                    <a:lstStyle/>
-                    <a:p>
-                      <a:pPr>
-                        <a:lnSpc>
-                          <a:spcPct val="100000"/>
-                        </a:lnSpc>
-                      </a:pPr>
-                      <a:endParaRPr lang="en-US" sz="1600" i="1" dirty="0">
-                        <a:solidFill>
-                          <a:schemeClr val="tx2"/>
-                        </a:solidFill>
-                      </a:endParaRPr>
-                    </a:p>
-                  </a:txBody>
-                  <a:tcPr/>
-                </a:tc>
-                <a:tc>
-                  <a:txBody>
-                    <a:bodyPr/>
-                    <a:lstStyle/>
-                    <a:p>
-                      <a:pPr>
-                        <a:lnSpc>
-                          <a:spcPct val="100000"/>
-                        </a:lnSpc>
-                      </a:pPr>
-                      <a:r>
-                        <a:rPr lang="en-US" sz="1600" i="1">
-                          <a:solidFill>
-                            <a:schemeClr val="tx2"/>
-                          </a:solidFill>
-                        </a:rPr>
-                        <a:t>Lunch</a:t>
-                      </a:r>
-                      <a:endParaRPr lang="en-US" sz="1600" i="1" dirty="0">
-                        <a:solidFill>
-                          <a:schemeClr val="tx2"/>
-                        </a:solidFill>
-                      </a:endParaRPr>
-                    </a:p>
-                  </a:txBody>
-                  <a:tcPr/>
-                </a:tc>
-                <a:tc>
-                  <a:txBody>
-                    <a:bodyPr/>
-                    <a:lstStyle/>
-                    <a:p>
-                      <a:pPr>
-                        <a:lnSpc>
-                          <a:spcPct val="100000"/>
-                        </a:lnSpc>
-                      </a:pPr>
-                      <a:endParaRPr lang="en-US" sz="1600" dirty="0">
-                        <a:solidFill>
-                          <a:schemeClr val="tx2"/>
-                        </a:solidFill>
-                      </a:endParaRPr>
-                    </a:p>
-                  </a:txBody>
-                  <a:tcPr/>
-                </a:tc>
-                <a:extLst>
-                  <a:ext uri="{0D108BD9-81ED-4DB2-BD59-A6C34878D82A}">
-                    <a16:rowId xmlns:a16="http://schemas.microsoft.com/office/drawing/2014/main" val="3795300342"/>
-                  </a:ext>
-                </a:extLst>
-              </a:tr>
-              <a:tr h="370840">
-                <a:tc>
-                  <a:txBody>
-                    <a:bodyPr/>
-                    <a:lstStyle/>
-                    <a:p>
-                      <a:pPr rtl="0" fontAlgn="t">
-                        <a:spcBef>
-                          <a:spcPts val="0"/>
-                        </a:spcBef>
-                        <a:spcAft>
-                          <a:spcPts val="0"/>
-                        </a:spcAft>
-                      </a:pPr>
-                      <a:r>
-                        <a:rPr lang="en-US" sz="1600" b="0" i="0" u="none" strike="noStrike">
-                          <a:solidFill>
-                            <a:srgbClr val="000000"/>
-                          </a:solidFill>
-                          <a:effectLst/>
-                          <a:latin typeface="Arial" panose="020B0604020202020204" pitchFamily="34" charset="0"/>
-                        </a:rPr>
-                        <a:t>1:30pm-2:15pm</a:t>
-                      </a:r>
-                      <a:endParaRPr lang="en-US" sz="3600">
-                        <a:effectLst/>
-                      </a:endParaRPr>
-                    </a:p>
-                  </a:txBody>
-                  <a:tcPr marL="63500" marR="63500" marT="63500" marB="63500"/>
-                </a:tc>
-                <a:tc>
-                  <a:txBody>
-                    <a:bodyPr/>
-                    <a:lstStyle/>
-                    <a:p>
-                      <a:pPr>
-                        <a:lnSpc>
-                          <a:spcPct val="100000"/>
-                        </a:lnSpc>
-                      </a:pPr>
-                      <a:r>
-                        <a:rPr lang="en-US" sz="1600" i="0" dirty="0"/>
-                        <a:t>05</a:t>
-                      </a:r>
-                    </a:p>
-                  </a:txBody>
-                  <a:tcPr/>
-                </a:tc>
-                <a:tc>
-                  <a:txBody>
-                    <a:bodyPr/>
-                    <a:lstStyle/>
-                    <a:p>
-                      <a:pPr>
-                        <a:lnSpc>
-                          <a:spcPct val="100000"/>
-                        </a:lnSpc>
-                      </a:pPr>
-                      <a:r>
-                        <a:rPr lang="en-US" sz="1600" i="0" dirty="0"/>
-                        <a:t>Software Design and Testing</a:t>
-                      </a:r>
-                    </a:p>
-                  </a:txBody>
-                  <a:tcPr/>
-                </a:tc>
-                <a:tc>
-                  <a:txBody>
-                    <a:bodyPr/>
-                    <a:lstStyle/>
-                    <a:p>
-                      <a:pPr>
-                        <a:lnSpc>
-                          <a:spcPct val="100000"/>
-                        </a:lnSpc>
-                      </a:pPr>
-                      <a:r>
-                        <a:rPr lang="en-US" sz="1600" i="0" dirty="0" err="1"/>
-                        <a:t>Anshu</a:t>
-                      </a:r>
-                      <a:r>
-                        <a:rPr lang="en-US" sz="1600" i="0" dirty="0"/>
-                        <a:t> Dubey, ANL</a:t>
-                      </a:r>
-                    </a:p>
-                  </a:txBody>
-                  <a:tcPr/>
-                </a:tc>
-                <a:extLst>
-                  <a:ext uri="{0D108BD9-81ED-4DB2-BD59-A6C34878D82A}">
-                    <a16:rowId xmlns:a16="http://schemas.microsoft.com/office/drawing/2014/main" val="4193880066"/>
-                  </a:ext>
-                </a:extLst>
-              </a:tr>
-              <a:tr h="370840">
-                <a:tc>
-                  <a:txBody>
-                    <a:bodyPr/>
-                    <a:lstStyle/>
-                    <a:p>
-                      <a:pPr rtl="0" fontAlgn="t">
-                        <a:spcBef>
-                          <a:spcPts val="0"/>
-                        </a:spcBef>
-                        <a:spcAft>
-                          <a:spcPts val="0"/>
-                        </a:spcAft>
-                      </a:pPr>
-                      <a:r>
-                        <a:rPr lang="en-US" sz="1600" b="0" i="0" u="none" strike="noStrike" dirty="0">
-                          <a:solidFill>
-                            <a:srgbClr val="000000"/>
-                          </a:solidFill>
-                          <a:effectLst/>
-                          <a:latin typeface="Arial" panose="020B0604020202020204" pitchFamily="34" charset="0"/>
-                        </a:rPr>
-                        <a:t>2:15pm-2:45pm</a:t>
-                      </a:r>
-                      <a:endParaRPr lang="en-US" sz="3600" dirty="0">
-                        <a:effectLst/>
-                      </a:endParaRPr>
-                    </a:p>
-                  </a:txBody>
-                  <a:tcPr marL="63500" marR="63500" marT="63500" marB="63500"/>
-                </a:tc>
-                <a:tc>
-                  <a:txBody>
-                    <a:bodyPr/>
-                    <a:lstStyle/>
-                    <a:p>
-                      <a:pPr>
-                        <a:lnSpc>
-                          <a:spcPct val="100000"/>
-                        </a:lnSpc>
-                      </a:pPr>
-                      <a:r>
-                        <a:rPr lang="en-US" sz="1600" i="0" dirty="0"/>
-                        <a:t>06</a:t>
-                      </a:r>
-                    </a:p>
-                  </a:txBody>
-                  <a:tcPr/>
-                </a:tc>
-                <a:tc>
-                  <a:txBody>
-                    <a:bodyPr/>
-                    <a:lstStyle/>
-                    <a:p>
-                      <a:pPr>
-                        <a:lnSpc>
-                          <a:spcPct val="100000"/>
-                        </a:lnSpc>
-                      </a:pPr>
-                      <a:r>
-                        <a:rPr lang="en-US" sz="1600" i="0" dirty="0"/>
-                        <a:t>Git Workflows</a:t>
-                      </a:r>
-                    </a:p>
-                  </a:txBody>
-                  <a:tcPr/>
-                </a:tc>
-                <a:tc>
-                  <a:txBody>
-                    <a:bodyPr/>
-                    <a:lstStyle/>
-                    <a:p>
-                      <a:pPr>
-                        <a:lnSpc>
-                          <a:spcPct val="100000"/>
-                        </a:lnSpc>
-                      </a:pPr>
-                      <a:r>
-                        <a:rPr lang="en-US" sz="1600" i="0" dirty="0"/>
-                        <a:t>Jared O’Neal, ANL</a:t>
-                      </a:r>
-                    </a:p>
-                  </a:txBody>
-                  <a:tcPr/>
-                </a:tc>
-                <a:extLst>
-                  <a:ext uri="{0D108BD9-81ED-4DB2-BD59-A6C34878D82A}">
-                    <a16:rowId xmlns:a16="http://schemas.microsoft.com/office/drawing/2014/main" val="1451415273"/>
-                  </a:ext>
-                </a:extLst>
-              </a:tr>
-              <a:tr h="370840">
-                <a:tc>
-                  <a:txBody>
-                    <a:bodyPr/>
-                    <a:lstStyle/>
-                    <a:p>
-                      <a:pPr rtl="0" fontAlgn="t">
-                        <a:spcBef>
-                          <a:spcPts val="0"/>
-                        </a:spcBef>
-                        <a:spcAft>
-                          <a:spcPts val="0"/>
-                        </a:spcAft>
-                      </a:pPr>
-                      <a:r>
-                        <a:rPr lang="en-US" sz="1600" b="0" i="0" u="none" strike="noStrike" dirty="0">
-                          <a:solidFill>
-                            <a:srgbClr val="000000"/>
-                          </a:solidFill>
-                          <a:effectLst/>
-                          <a:latin typeface="Arial" panose="020B0604020202020204" pitchFamily="34" charset="0"/>
-                        </a:rPr>
-                        <a:t>2:45pm-3:00pm</a:t>
-                      </a:r>
-                      <a:endParaRPr lang="en-US" sz="3600" dirty="0">
-                        <a:effectLst/>
-                      </a:endParaRPr>
-                    </a:p>
-                  </a:txBody>
-                  <a:tcPr marL="63500" marR="63500" marT="63500" marB="63500"/>
-                </a:tc>
-                <a:tc>
-                  <a:txBody>
-                    <a:bodyPr/>
-                    <a:lstStyle/>
-                    <a:p>
-                      <a:pPr>
-                        <a:lnSpc>
-                          <a:spcPct val="100000"/>
-                        </a:lnSpc>
-                      </a:pPr>
-                      <a:r>
-                        <a:rPr lang="en-US" sz="1600" i="0" dirty="0"/>
-                        <a:t>07</a:t>
-                      </a:r>
-                    </a:p>
-                  </a:txBody>
-                  <a:tcPr/>
-                </a:tc>
-                <a:tc>
-                  <a:txBody>
-                    <a:bodyPr/>
-                    <a:lstStyle/>
-                    <a:p>
-                      <a:pPr>
-                        <a:lnSpc>
-                          <a:spcPct val="100000"/>
-                        </a:lnSpc>
-                      </a:pPr>
-                      <a:r>
-                        <a:rPr lang="en-US" sz="1600" i="0" dirty="0"/>
-                        <a:t>Code Coverage </a:t>
-                      </a:r>
-                      <a:r>
-                        <a:rPr lang="en-US" sz="1600" i="0" dirty="0">
-                          <a:solidFill>
-                            <a:schemeClr val="bg1">
-                              <a:lumMod val="50000"/>
-                            </a:schemeClr>
-                          </a:solidFill>
-                        </a:rPr>
-                        <a:t>and Continuous Integration</a:t>
-                      </a:r>
-                    </a:p>
-                  </a:txBody>
-                  <a:tcPr/>
-                </a:tc>
-                <a:tc>
-                  <a:txBody>
-                    <a:bodyPr/>
-                    <a:lstStyle/>
-                    <a:p>
-                      <a:pPr>
-                        <a:lnSpc>
-                          <a:spcPct val="100000"/>
-                        </a:lnSpc>
-                      </a:pPr>
-                      <a:r>
-                        <a:rPr lang="en-US" sz="1600" i="0" dirty="0"/>
-                        <a:t>Jared O’Neal, ANL</a:t>
-                      </a:r>
-                    </a:p>
-                  </a:txBody>
-                  <a:tcPr/>
-                </a:tc>
-                <a:extLst>
-                  <a:ext uri="{0D108BD9-81ED-4DB2-BD59-A6C34878D82A}">
-                    <a16:rowId xmlns:a16="http://schemas.microsoft.com/office/drawing/2014/main" val="4127890560"/>
-                  </a:ext>
-                </a:extLst>
-              </a:tr>
-              <a:tr h="370840">
-                <a:tc>
-                  <a:txBody>
-                    <a:bodyPr/>
-                    <a:lstStyle/>
-                    <a:p>
-                      <a:pPr rtl="0" fontAlgn="t">
-                        <a:spcBef>
-                          <a:spcPts val="0"/>
-                        </a:spcBef>
-                        <a:spcAft>
-                          <a:spcPts val="0"/>
-                        </a:spcAft>
-                      </a:pPr>
-                      <a:r>
-                        <a:rPr lang="en-US" sz="1600" b="0" i="1" u="none" strike="noStrike" dirty="0">
-                          <a:solidFill>
-                            <a:srgbClr val="266093"/>
-                          </a:solidFill>
-                          <a:effectLst/>
-                          <a:latin typeface="Arial" panose="020B0604020202020204" pitchFamily="34" charset="0"/>
-                        </a:rPr>
-                        <a:t>3:00-3:30pm</a:t>
-                      </a:r>
-                      <a:endParaRPr lang="en-US" sz="3600" dirty="0">
-                        <a:effectLst/>
-                      </a:endParaRPr>
-                    </a:p>
-                  </a:txBody>
-                  <a:tcPr marL="63500" marR="63500" marT="63500" marB="63500"/>
-                </a:tc>
-                <a:tc>
-                  <a:txBody>
-                    <a:bodyPr/>
-                    <a:lstStyle/>
-                    <a:p>
-                      <a:pPr>
-                        <a:lnSpc>
-                          <a:spcPct val="100000"/>
-                        </a:lnSpc>
-                      </a:pPr>
-                      <a:endParaRPr lang="en-US" sz="1600" i="1" dirty="0">
-                        <a:solidFill>
-                          <a:schemeClr val="tx2"/>
-                        </a:solidFill>
-                      </a:endParaRPr>
-                    </a:p>
-                  </a:txBody>
-                  <a:tcPr/>
-                </a:tc>
-                <a:tc>
-                  <a:txBody>
-                    <a:bodyPr/>
-                    <a:lstStyle/>
-                    <a:p>
-                      <a:pPr>
-                        <a:lnSpc>
-                          <a:spcPct val="100000"/>
-                        </a:lnSpc>
-                      </a:pPr>
-                      <a:r>
-                        <a:rPr lang="en-US" sz="1600" i="1" dirty="0">
-                          <a:solidFill>
-                            <a:schemeClr val="tx2"/>
-                          </a:solidFill>
-                        </a:rPr>
-                        <a:t>Break</a:t>
-                      </a:r>
-                    </a:p>
-                  </a:txBody>
-                  <a:tcPr/>
-                </a:tc>
-                <a:tc>
-                  <a:txBody>
-                    <a:bodyPr/>
-                    <a:lstStyle/>
-                    <a:p>
-                      <a:pPr>
-                        <a:lnSpc>
-                          <a:spcPct val="100000"/>
-                        </a:lnSpc>
-                      </a:pPr>
-                      <a:endParaRPr lang="en-US" sz="1600" dirty="0">
-                        <a:solidFill>
-                          <a:schemeClr val="tx2"/>
-                        </a:solidFill>
-                      </a:endParaRPr>
-                    </a:p>
-                  </a:txBody>
-                  <a:tcPr/>
-                </a:tc>
-                <a:extLst>
-                  <a:ext uri="{0D108BD9-81ED-4DB2-BD59-A6C34878D82A}">
-                    <a16:rowId xmlns:a16="http://schemas.microsoft.com/office/drawing/2014/main" val="2555228086"/>
-                  </a:ext>
-                </a:extLst>
-              </a:tr>
-              <a:tr h="370840">
-                <a:tc>
-                  <a:txBody>
-                    <a:bodyPr/>
-                    <a:lstStyle/>
-                    <a:p>
-                      <a:pPr rtl="0" fontAlgn="t">
-                        <a:spcBef>
-                          <a:spcPts val="0"/>
-                        </a:spcBef>
-                        <a:spcAft>
-                          <a:spcPts val="0"/>
-                        </a:spcAft>
-                      </a:pPr>
-                      <a:r>
-                        <a:rPr lang="en-US" sz="1600" b="0" i="0" u="none" strike="noStrike" dirty="0">
-                          <a:solidFill>
-                            <a:srgbClr val="000000"/>
-                          </a:solidFill>
-                          <a:effectLst/>
-                          <a:latin typeface="Arial" panose="020B0604020202020204" pitchFamily="34" charset="0"/>
-                        </a:rPr>
-                        <a:t>3:30pm-3:50pm</a:t>
-                      </a:r>
-                      <a:endParaRPr lang="en-US" sz="3600" dirty="0">
-                        <a:effectLst/>
-                      </a:endParaRPr>
-                    </a:p>
-                  </a:txBody>
-                  <a:tcPr marL="63500" marR="63500" marT="63500" marB="63500"/>
-                </a:tc>
-                <a:tc>
-                  <a:txBody>
-                    <a:bodyPr/>
-                    <a:lstStyle/>
-                    <a:p>
-                      <a:pPr>
-                        <a:lnSpc>
-                          <a:spcPct val="100000"/>
-                        </a:lnSpc>
-                      </a:pPr>
-                      <a:r>
-                        <a:rPr lang="en-US" sz="1600" i="0" dirty="0"/>
-                        <a:t>07</a:t>
-                      </a:r>
-                    </a:p>
-                  </a:txBody>
-                  <a:tcPr/>
-                </a:tc>
-                <a:tc>
-                  <a:txBody>
-                    <a:bodyPr/>
-                    <a:lstStyle/>
-                    <a:p>
-                      <a:pPr>
-                        <a:lnSpc>
-                          <a:spcPct val="100000"/>
-                        </a:lnSpc>
-                      </a:pPr>
-                      <a:r>
-                        <a:rPr lang="en-US" sz="1600" i="0" dirty="0">
-                          <a:solidFill>
-                            <a:schemeClr val="bg1">
-                              <a:lumMod val="50000"/>
-                            </a:schemeClr>
-                          </a:solidFill>
-                        </a:rPr>
-                        <a:t>Code Coverage and </a:t>
-                      </a:r>
-                      <a:r>
-                        <a:rPr lang="en-US" sz="1600" i="0" dirty="0"/>
-                        <a:t>Continuous Integration (continued)</a:t>
-                      </a:r>
-                    </a:p>
-                  </a:txBody>
-                  <a:tcPr/>
-                </a:tc>
-                <a:tc>
-                  <a:txBody>
-                    <a:bodyPr/>
-                    <a:lstStyle/>
-                    <a:p>
-                      <a:pPr>
-                        <a:lnSpc>
-                          <a:spcPct val="100000"/>
-                        </a:lnSpc>
-                      </a:pPr>
-                      <a:r>
-                        <a:rPr lang="en-US" sz="1600" i="0" dirty="0"/>
-                        <a:t>Jared O’Neal, ANL</a:t>
-                      </a:r>
-                    </a:p>
-                  </a:txBody>
-                  <a:tcPr/>
-                </a:tc>
-                <a:extLst>
-                  <a:ext uri="{0D108BD9-81ED-4DB2-BD59-A6C34878D82A}">
-                    <a16:rowId xmlns:a16="http://schemas.microsoft.com/office/drawing/2014/main" val="2444169840"/>
-                  </a:ext>
-                </a:extLst>
-              </a:tr>
-              <a:tr h="370840">
-                <a:tc>
-                  <a:txBody>
-                    <a:bodyPr/>
-                    <a:lstStyle/>
-                    <a:p>
-                      <a:pPr rtl="0" fontAlgn="t">
-                        <a:spcBef>
-                          <a:spcPts val="0"/>
-                        </a:spcBef>
-                        <a:spcAft>
-                          <a:spcPts val="0"/>
-                        </a:spcAft>
-                      </a:pPr>
-                      <a:r>
-                        <a:rPr lang="en-US" sz="1600" b="0" i="0" u="none" strike="noStrike" dirty="0">
-                          <a:solidFill>
-                            <a:srgbClr val="000000"/>
-                          </a:solidFill>
-                          <a:effectLst/>
-                          <a:latin typeface="Arial" panose="020B0604020202020204" pitchFamily="34" charset="0"/>
-                        </a:rPr>
-                        <a:t>3:50pm-5:00pm</a:t>
-                      </a:r>
-                      <a:endParaRPr lang="en-US" sz="3600" dirty="0">
-                        <a:effectLst/>
-                      </a:endParaRPr>
-                    </a:p>
-                  </a:txBody>
-                  <a:tcPr marL="63500" marR="63500" marT="63500" marB="63500"/>
-                </a:tc>
-                <a:tc>
-                  <a:txBody>
-                    <a:bodyPr/>
-                    <a:lstStyle/>
-                    <a:p>
-                      <a:pPr>
-                        <a:lnSpc>
-                          <a:spcPct val="100000"/>
-                        </a:lnSpc>
-                      </a:pPr>
-                      <a:r>
-                        <a:rPr lang="en-US" sz="1600" i="0" dirty="0"/>
-                        <a:t>08</a:t>
-                      </a:r>
-                    </a:p>
-                  </a:txBody>
-                  <a:tcPr/>
-                </a:tc>
-                <a:tc>
-                  <a:txBody>
-                    <a:bodyPr/>
-                    <a:lstStyle/>
-                    <a:p>
-                      <a:pPr>
-                        <a:lnSpc>
-                          <a:spcPct val="100000"/>
-                        </a:lnSpc>
-                      </a:pPr>
-                      <a:r>
-                        <a:rPr lang="en-US" sz="1600" i="0" dirty="0"/>
-                        <a:t>Hands-on Activities and Additional Q&amp;A</a:t>
-                      </a:r>
-                    </a:p>
-                  </a:txBody>
-                  <a:tcPr/>
-                </a:tc>
-                <a:tc>
-                  <a:txBody>
-                    <a:bodyPr/>
-                    <a:lstStyle/>
-                    <a:p>
-                      <a:pPr>
-                        <a:lnSpc>
-                          <a:spcPct val="100000"/>
-                        </a:lnSpc>
-                      </a:pPr>
-                      <a:r>
-                        <a:rPr lang="en-US" sz="1600" i="0" dirty="0"/>
-                        <a:t>All</a:t>
-                      </a:r>
-                    </a:p>
-                  </a:txBody>
-                  <a:tcPr/>
-                </a:tc>
-                <a:extLst>
-                  <a:ext uri="{0D108BD9-81ED-4DB2-BD59-A6C34878D82A}">
-                    <a16:rowId xmlns:a16="http://schemas.microsoft.com/office/drawing/2014/main" val="3049042265"/>
-                  </a:ext>
-                </a:extLst>
-              </a:tr>
-            </a:tbl>
-          </a:graphicData>
-        </a:graphic>
-      </p:graphicFrame>
-      <p:grpSp>
-        <p:nvGrpSpPr>
-          <p:cNvPr id="5" name="Group 4">
-            <a:extLst>
-              <a:ext uri="{FF2B5EF4-FFF2-40B4-BE49-F238E27FC236}">
-                <a16:creationId xmlns:a16="http://schemas.microsoft.com/office/drawing/2014/main" id="{24E89F8E-A105-44A8-9FC7-B4C6208F8FB9}"/>
-              </a:ext>
-            </a:extLst>
-          </p:cNvPr>
-          <p:cNvGrpSpPr/>
-          <p:nvPr/>
-        </p:nvGrpSpPr>
-        <p:grpSpPr>
-          <a:xfrm>
-            <a:off x="79513" y="2387845"/>
-            <a:ext cx="12029799" cy="390939"/>
-            <a:chOff x="79513" y="1653208"/>
-            <a:chExt cx="12029799" cy="390939"/>
-          </a:xfrm>
-        </p:grpSpPr>
-        <p:cxnSp>
-          <p:nvCxnSpPr>
-            <p:cNvPr id="6" name="Straight Connector 5">
-              <a:extLst>
-                <a:ext uri="{FF2B5EF4-FFF2-40B4-BE49-F238E27FC236}">
-                  <a16:creationId xmlns:a16="http://schemas.microsoft.com/office/drawing/2014/main" id="{414D2C0B-2CA0-4F74-84F9-1EA6BB7AEB76}"/>
-                </a:ext>
-              </a:extLst>
-            </p:cNvPr>
-            <p:cNvCxnSpPr/>
-            <p:nvPr/>
-          </p:nvCxnSpPr>
-          <p:spPr>
-            <a:xfrm>
-              <a:off x="530679" y="1848678"/>
-              <a:ext cx="11127467" cy="0"/>
-            </a:xfrm>
-            <a:prstGeom prst="line">
-              <a:avLst/>
-            </a:prstGeom>
-            <a:ln w="76200">
-              <a:solidFill>
-                <a:srgbClr val="FF0000"/>
-              </a:solidFill>
-            </a:ln>
-          </p:spPr>
-          <p:style>
-            <a:lnRef idx="1">
-              <a:schemeClr val="accent1"/>
-            </a:lnRef>
-            <a:fillRef idx="0">
-              <a:schemeClr val="accent1"/>
-            </a:fillRef>
-            <a:effectRef idx="0">
-              <a:schemeClr val="accent1"/>
-            </a:effectRef>
-            <a:fontRef idx="minor">
-              <a:schemeClr val="tx1"/>
-            </a:fontRef>
-          </p:style>
-        </p:cxnSp>
-        <p:sp>
-          <p:nvSpPr>
-            <p:cNvPr id="7" name="Arrow: Right 7">
-              <a:extLst>
-                <a:ext uri="{FF2B5EF4-FFF2-40B4-BE49-F238E27FC236}">
-                  <a16:creationId xmlns:a16="http://schemas.microsoft.com/office/drawing/2014/main" id="{3EF334E4-38E1-4E3E-9449-4CB644B06536}"/>
-                </a:ext>
-              </a:extLst>
-            </p:cNvPr>
-            <p:cNvSpPr/>
-            <p:nvPr/>
-          </p:nvSpPr>
-          <p:spPr>
-            <a:xfrm>
-              <a:off x="79513" y="1653208"/>
-              <a:ext cx="451166" cy="390939"/>
-            </a:xfrm>
-            <a:prstGeom prst="rightArrow">
-              <a:avLst/>
-            </a:prstGeom>
-            <a:solidFill>
-              <a:srgbClr val="FF0000"/>
-            </a:solidFill>
-            <a:ln>
-              <a:solidFill>
-                <a:srgbClr val="FF0000"/>
-              </a:solidFill>
-            </a:ln>
-            <a:effectLst/>
-            <a:scene3d>
-              <a:camera prst="orthographicFront">
-                <a:rot lat="0" lon="0" rev="0"/>
-              </a:camera>
-              <a:lightRig rig="threePt" dir="t">
-                <a:rot lat="0" lon="0" rev="1200000"/>
-              </a:lightRig>
-            </a:scene3d>
-            <a:sp3d/>
-          </p:spPr>
-          <p:style>
-            <a:lnRef idx="0">
-              <a:schemeClr val="accent1"/>
-            </a:lnRef>
-            <a:fillRef idx="3">
-              <a:schemeClr val="accent1"/>
-            </a:fillRef>
-            <a:effectRef idx="3">
-              <a:schemeClr val="accent1"/>
-            </a:effectRef>
-            <a:fontRef idx="minor">
-              <a:schemeClr val="lt1"/>
-            </a:fontRef>
-          </p:style>
-          <p:txBody>
-            <a:bodyPr rot="0" spcFirstLastPara="0" vertOverflow="overflow" horzOverflow="overflow" vert="horz" wrap="square" lIns="45720" tIns="45720" rIns="45720" bIns="45720" numCol="1" spcCol="0" rtlCol="0" fromWordArt="0" anchor="ctr" anchorCtr="0" forceAA="0" compatLnSpc="1">
-              <a:prstTxWarp prst="textNoShape">
-                <a:avLst/>
-              </a:prstTxWarp>
-              <a:noAutofit/>
-            </a:bodyPr>
-            <a:lstStyle/>
-            <a:p>
-              <a:pPr algn="ctr">
-                <a:lnSpc>
-                  <a:spcPct val="90000"/>
-                </a:lnSpc>
-              </a:pPr>
-              <a:endParaRPr lang="en-US" dirty="0">
-                <a:solidFill>
-                  <a:schemeClr val="tx1"/>
-                </a:solidFill>
-              </a:endParaRPr>
-            </a:p>
-          </p:txBody>
-        </p:sp>
-        <p:sp>
-          <p:nvSpPr>
-            <p:cNvPr id="8" name="Arrow: Right 8">
-              <a:extLst>
-                <a:ext uri="{FF2B5EF4-FFF2-40B4-BE49-F238E27FC236}">
-                  <a16:creationId xmlns:a16="http://schemas.microsoft.com/office/drawing/2014/main" id="{3E45CD5D-4E1C-4572-8BFC-E50D9614E094}"/>
-                </a:ext>
-              </a:extLst>
-            </p:cNvPr>
-            <p:cNvSpPr/>
-            <p:nvPr/>
-          </p:nvSpPr>
-          <p:spPr>
-            <a:xfrm rot="10800000">
-              <a:off x="11658146" y="1653208"/>
-              <a:ext cx="451166" cy="390939"/>
-            </a:xfrm>
-            <a:prstGeom prst="rightArrow">
-              <a:avLst/>
-            </a:prstGeom>
-            <a:solidFill>
-              <a:srgbClr val="FF0000"/>
-            </a:solidFill>
-            <a:ln>
-              <a:solidFill>
-                <a:srgbClr val="FF0000"/>
-              </a:solidFill>
-            </a:ln>
-            <a:effectLst/>
-            <a:scene3d>
-              <a:camera prst="orthographicFront">
-                <a:rot lat="0" lon="0" rev="0"/>
-              </a:camera>
-              <a:lightRig rig="threePt" dir="t">
-                <a:rot lat="0" lon="0" rev="1200000"/>
-              </a:lightRig>
-            </a:scene3d>
-            <a:sp3d/>
-          </p:spPr>
-          <p:style>
-            <a:lnRef idx="0">
-              <a:schemeClr val="accent1"/>
-            </a:lnRef>
-            <a:fillRef idx="3">
-              <a:schemeClr val="accent1"/>
-            </a:fillRef>
-            <a:effectRef idx="3">
-              <a:schemeClr val="accent1"/>
-            </a:effectRef>
-            <a:fontRef idx="minor">
-              <a:schemeClr val="lt1"/>
-            </a:fontRef>
-          </p:style>
-          <p:txBody>
-            <a:bodyPr rot="0" spcFirstLastPara="0" vertOverflow="overflow" horzOverflow="overflow" vert="horz" wrap="square" lIns="45720" tIns="45720" rIns="45720" bIns="45720" numCol="1" spcCol="0" rtlCol="0" fromWordArt="0" anchor="ctr" anchorCtr="0" forceAA="0" compatLnSpc="1">
-              <a:prstTxWarp prst="textNoShape">
-                <a:avLst/>
-              </a:prstTxWarp>
-              <a:noAutofit/>
-            </a:bodyPr>
-            <a:lstStyle/>
-            <a:p>
-              <a:pPr algn="ctr">
-                <a:lnSpc>
-                  <a:spcPct val="90000"/>
-                </a:lnSpc>
-              </a:pPr>
-              <a:endParaRPr lang="en-US" dirty="0">
-                <a:solidFill>
-                  <a:schemeClr val="tx1"/>
-                </a:solidFill>
-              </a:endParaRPr>
-            </a:p>
-          </p:txBody>
-        </p:sp>
-      </p:grpSp>
-      <p:grpSp>
-        <p:nvGrpSpPr>
-          <p:cNvPr id="9" name="Group 8">
-            <a:extLst>
-              <a:ext uri="{FF2B5EF4-FFF2-40B4-BE49-F238E27FC236}">
-                <a16:creationId xmlns:a16="http://schemas.microsoft.com/office/drawing/2014/main" id="{BF27DFF6-99A6-4512-AAC9-2E0CF68B6149}"/>
-              </a:ext>
-            </a:extLst>
-          </p:cNvPr>
-          <p:cNvGrpSpPr/>
-          <p:nvPr/>
-        </p:nvGrpSpPr>
-        <p:grpSpPr>
-          <a:xfrm>
-            <a:off x="7422600" y="0"/>
-            <a:ext cx="4698516" cy="1509823"/>
-            <a:chOff x="7422600" y="0"/>
-            <a:chExt cx="4698516" cy="1509823"/>
-          </a:xfrm>
-        </p:grpSpPr>
-        <p:pic>
-          <p:nvPicPr>
-            <p:cNvPr id="10" name="Picture 9" descr="A picture containing object, piece&#10;&#10;Description automatically generated">
-              <a:extLst>
-                <a:ext uri="{FF2B5EF4-FFF2-40B4-BE49-F238E27FC236}">
-                  <a16:creationId xmlns:a16="http://schemas.microsoft.com/office/drawing/2014/main" id="{47BD164F-07E6-425E-92E4-0331226CE3FF}"/>
-                </a:ext>
-              </a:extLst>
-            </p:cNvPr>
-            <p:cNvPicPr>
-              <a:picLocks noChangeAspect="1"/>
-            </p:cNvPicPr>
-            <p:nvPr/>
-          </p:nvPicPr>
-          <p:blipFill>
-            <a:blip r:embed="rId2" cstate="print">
-              <a:extLst>
-                <a:ext uri="{28A0092B-C50C-407E-A947-70E740481C1C}">
-                  <a14:useLocalDpi xmlns:a14="http://schemas.microsoft.com/office/drawing/2010/main" val="0"/>
-                </a:ext>
-              </a:extLst>
-            </a:blip>
-            <a:stretch>
-              <a:fillRect/>
-            </a:stretch>
-          </p:blipFill>
-          <p:spPr>
-            <a:xfrm>
-              <a:off x="10611293" y="0"/>
-              <a:ext cx="1509823" cy="1509823"/>
-            </a:xfrm>
-            <a:prstGeom prst="rect">
-              <a:avLst/>
-            </a:prstGeom>
-          </p:spPr>
-        </p:pic>
-        <p:sp>
-          <p:nvSpPr>
-            <p:cNvPr id="11" name="Rectangle 10">
-              <a:extLst>
-                <a:ext uri="{FF2B5EF4-FFF2-40B4-BE49-F238E27FC236}">
-                  <a16:creationId xmlns:a16="http://schemas.microsoft.com/office/drawing/2014/main" id="{00C7660A-A747-470B-8960-3845FDFEBA62}"/>
-                </a:ext>
-              </a:extLst>
-            </p:cNvPr>
-            <p:cNvSpPr/>
-            <p:nvPr/>
-          </p:nvSpPr>
-          <p:spPr>
-            <a:xfrm>
-              <a:off x="7422600" y="400968"/>
-              <a:ext cx="3188693" cy="707886"/>
-            </a:xfrm>
-            <a:prstGeom prst="rect">
-              <a:avLst/>
-            </a:prstGeom>
-          </p:spPr>
-          <p:txBody>
-            <a:bodyPr wrap="none">
-              <a:spAutoFit/>
-            </a:bodyPr>
-            <a:lstStyle/>
-            <a:p>
-              <a:pPr algn="r"/>
-              <a:r>
-                <a:rPr lang="en-US" sz="2000" dirty="0"/>
-                <a:t>Tutorial evaluation</a:t>
-              </a:r>
-              <a:br>
-                <a:rPr lang="en-US" sz="2000" dirty="0"/>
-              </a:br>
-              <a:r>
-                <a:rPr lang="en-US" sz="2000" dirty="0">
-                  <a:hlinkClick r:id="rId3"/>
-                </a:rPr>
-                <a:t>http://bit.ly/sc19-bssw-eval</a:t>
-              </a:r>
-              <a:endParaRPr lang="en-US" sz="2000" dirty="0"/>
-            </a:p>
-          </p:txBody>
-        </p:sp>
-      </p:grpSp>
-    </p:spTree>
-    <p:extLst>
-      <p:ext uri="{BB962C8B-B14F-4D97-AF65-F5344CB8AC3E}">
-        <p14:creationId xmlns:p14="http://schemas.microsoft.com/office/powerpoint/2010/main" val="2424761326"/>
-      </p:ext>
-    </p:extLst>
-  </p:cSld>
-  <p:clrMapOvr>
-    <a:masterClrMapping/>
-  </p:clrMapOvr>
-</p:sld>
-</file>
-
 <file path=ppt/slides/slide4.xml><?xml version="1.0" encoding="utf-8"?>
 <p:sld xmlns:a="http://schemas.openxmlformats.org/drawingml/2006/main" xmlns:r="http://schemas.openxmlformats.org/officeDocument/2006/relationships" xmlns:p="http://schemas.openxmlformats.org/presentationml/2006/main">
   <p:cSld>
@@ -12593,1092 +10726,6 @@
     <p:extLst>
       <p:ext uri="{BB962C8B-B14F-4D97-AF65-F5344CB8AC3E}">
         <p14:creationId xmlns:p14="http://schemas.microsoft.com/office/powerpoint/2010/main" val="4236370178"/>
-      </p:ext>
-    </p:extLst>
-  </p:cSld>
-  <p:clrMapOvr>
-    <a:masterClrMapping/>
-  </p:clrMapOvr>
-</p:sld>
-</file>
-
-<file path=ppt/slides/slide40.xml><?xml version="1.0" encoding="utf-8"?>
-<p:sld xmlns:a="http://schemas.openxmlformats.org/drawingml/2006/main" xmlns:r="http://schemas.openxmlformats.org/officeDocument/2006/relationships" xmlns:p="http://schemas.openxmlformats.org/presentationml/2006/main">
-  <p:cSld>
-    <p:spTree>
-      <p:nvGrpSpPr>
-        <p:cNvPr id="1" name=""/>
-        <p:cNvGrpSpPr/>
-        <p:nvPr/>
-      </p:nvGrpSpPr>
-      <p:grpSpPr>
-        <a:xfrm>
-          <a:off x="0" y="0"/>
-          <a:ext cx="0" cy="0"/>
-          <a:chOff x="0" y="0"/>
-          <a:chExt cx="0" cy="0"/>
-        </a:xfrm>
-      </p:grpSpPr>
-      <p:sp>
-        <p:nvSpPr>
-          <p:cNvPr id="2" name="Title 1">
-            <a:extLst>
-              <a:ext uri="{FF2B5EF4-FFF2-40B4-BE49-F238E27FC236}">
-                <a16:creationId xmlns:a16="http://schemas.microsoft.com/office/drawing/2014/main" id="{CEA61473-AC73-45E8-97F0-CAB263A9C1D2}"/>
-              </a:ext>
-            </a:extLst>
-          </p:cNvPr>
-          <p:cNvSpPr>
-            <a:spLocks noGrp="1"/>
-          </p:cNvSpPr>
-          <p:nvPr>
-            <p:ph type="title"/>
-          </p:nvPr>
-        </p:nvSpPr>
-        <p:spPr/>
-        <p:txBody>
-          <a:bodyPr/>
-          <a:lstStyle/>
-          <a:p>
-            <a:r>
-              <a:rPr lang="en-US" dirty="0"/>
-              <a:t>Additional Software-Related Events at SC19</a:t>
-            </a:r>
-          </a:p>
-        </p:txBody>
-      </p:sp>
-      <p:graphicFrame>
-        <p:nvGraphicFramePr>
-          <p:cNvPr id="6" name="Table 6">
-            <a:extLst>
-              <a:ext uri="{FF2B5EF4-FFF2-40B4-BE49-F238E27FC236}">
-                <a16:creationId xmlns:a16="http://schemas.microsoft.com/office/drawing/2014/main" id="{18082CBB-36D1-4AE5-8DA9-9A3E663267CC}"/>
-              </a:ext>
-            </a:extLst>
-          </p:cNvPr>
-          <p:cNvGraphicFramePr>
-            <a:graphicFrameLocks noGrp="1"/>
-          </p:cNvGraphicFramePr>
-          <p:nvPr>
-            <p:ph idx="1"/>
-          </p:nvPr>
-        </p:nvGraphicFramePr>
-        <p:xfrm>
-          <a:off x="0" y="833120"/>
-          <a:ext cx="12188825" cy="6024880"/>
-        </p:xfrm>
-        <a:graphic>
-          <a:graphicData uri="http://schemas.openxmlformats.org/drawingml/2006/table">
-            <a:tbl>
-              <a:tblPr firstRow="1" bandRow="1">
-                <a:tableStyleId>{5C22544A-7EE6-4342-B048-85BDC9FD1C3A}</a:tableStyleId>
-              </a:tblPr>
-              <a:tblGrid>
-                <a:gridCol w="1353945">
-                  <a:extLst>
-                    <a:ext uri="{9D8B030D-6E8A-4147-A177-3AD203B41FA5}">
-                      <a16:colId xmlns:a16="http://schemas.microsoft.com/office/drawing/2014/main" val="2400528709"/>
-                    </a:ext>
-                  </a:extLst>
-                </a:gridCol>
-                <a:gridCol w="1625830">
-                  <a:extLst>
-                    <a:ext uri="{9D8B030D-6E8A-4147-A177-3AD203B41FA5}">
-                      <a16:colId xmlns:a16="http://schemas.microsoft.com/office/drawing/2014/main" val="3353846813"/>
-                    </a:ext>
-                  </a:extLst>
-                </a:gridCol>
-                <a:gridCol w="9209050">
-                  <a:extLst>
-                    <a:ext uri="{9D8B030D-6E8A-4147-A177-3AD203B41FA5}">
-                      <a16:colId xmlns:a16="http://schemas.microsoft.com/office/drawing/2014/main" val="1000032210"/>
-                    </a:ext>
-                  </a:extLst>
-                </a:gridCol>
-              </a:tblGrid>
-              <a:tr h="370840">
-                <a:tc>
-                  <a:txBody>
-                    <a:bodyPr/>
-                    <a:lstStyle/>
-                    <a:p>
-                      <a:r>
-                        <a:rPr lang="en-US" sz="1600" dirty="0"/>
-                        <a:t>Day/Time</a:t>
-                      </a:r>
-                    </a:p>
-                  </a:txBody>
-                  <a:tcPr/>
-                </a:tc>
-                <a:tc>
-                  <a:txBody>
-                    <a:bodyPr/>
-                    <a:lstStyle/>
-                    <a:p>
-                      <a:r>
-                        <a:rPr lang="en-US" sz="1600" dirty="0"/>
-                        <a:t>Event Type</a:t>
-                      </a:r>
-                    </a:p>
-                  </a:txBody>
-                  <a:tcPr/>
-                </a:tc>
-                <a:tc>
-                  <a:txBody>
-                    <a:bodyPr/>
-                    <a:lstStyle/>
-                    <a:p>
-                      <a:r>
-                        <a:rPr lang="en-US" sz="1600" dirty="0"/>
-                        <a:t>Event Title</a:t>
-                      </a:r>
-                    </a:p>
-                  </a:txBody>
-                  <a:tcPr/>
-                </a:tc>
-                <a:extLst>
-                  <a:ext uri="{0D108BD9-81ED-4DB2-BD59-A6C34878D82A}">
-                    <a16:rowId xmlns:a16="http://schemas.microsoft.com/office/drawing/2014/main" val="2152878691"/>
-                  </a:ext>
-                </a:extLst>
-              </a:tr>
-              <a:tr h="370840">
-                <a:tc>
-                  <a:txBody>
-                    <a:bodyPr/>
-                    <a:lstStyle/>
-                    <a:p>
-                      <a:pPr algn="l" fontAlgn="t"/>
-                      <a:r>
-                        <a:rPr lang="en-US" sz="1600" dirty="0">
-                          <a:effectLst/>
-                        </a:rPr>
-                        <a:t>Sunday</a:t>
-                      </a:r>
-                    </a:p>
-                  </a:txBody>
-                  <a:tcPr marL="95250" marR="95250"/>
-                </a:tc>
-                <a:tc>
-                  <a:txBody>
-                    <a:bodyPr/>
-                    <a:lstStyle/>
-                    <a:p>
-                      <a:pPr algn="l" fontAlgn="t"/>
-                      <a:r>
-                        <a:rPr lang="en-US" sz="1600">
-                          <a:effectLst/>
-                        </a:rPr>
-                        <a:t>Tutorial</a:t>
-                      </a:r>
-                    </a:p>
-                  </a:txBody>
-                  <a:tcPr marL="95250" marR="95250"/>
-                </a:tc>
-                <a:tc>
-                  <a:txBody>
-                    <a:bodyPr/>
-                    <a:lstStyle/>
-                    <a:p>
-                      <a:pPr fontAlgn="t"/>
-                      <a:r>
-                        <a:rPr lang="en-US" sz="1600" u="none" strike="noStrike">
-                          <a:solidFill>
-                            <a:srgbClr val="329FFF"/>
-                          </a:solidFill>
-                          <a:effectLst/>
-                          <a:latin typeface="Roboto"/>
-                          <a:hlinkClick r:id="rId2"/>
-                        </a:rPr>
-                        <a:t>Floating-Point Analysis and Reproducibility Tools for Scientific Software</a:t>
-                      </a:r>
-                      <a:endParaRPr lang="en-US" sz="1600">
-                        <a:effectLst/>
-                      </a:endParaRPr>
-                    </a:p>
-                  </a:txBody>
-                  <a:tcPr marL="95250" marR="95250"/>
-                </a:tc>
-                <a:extLst>
-                  <a:ext uri="{0D108BD9-81ED-4DB2-BD59-A6C34878D82A}">
-                    <a16:rowId xmlns:a16="http://schemas.microsoft.com/office/drawing/2014/main" val="912854918"/>
-                  </a:ext>
-                </a:extLst>
-              </a:tr>
-              <a:tr h="370840">
-                <a:tc>
-                  <a:txBody>
-                    <a:bodyPr/>
-                    <a:lstStyle/>
-                    <a:p>
-                      <a:pPr algn="l" fontAlgn="t"/>
-                      <a:r>
-                        <a:rPr lang="en-US" sz="1600" b="1" dirty="0">
-                          <a:effectLst/>
-                        </a:rPr>
-                        <a:t>Sunday</a:t>
-                      </a:r>
-                    </a:p>
-                  </a:txBody>
-                  <a:tcPr marL="95250" marR="95250"/>
-                </a:tc>
-                <a:tc>
-                  <a:txBody>
-                    <a:bodyPr/>
-                    <a:lstStyle/>
-                    <a:p>
-                      <a:pPr algn="l" fontAlgn="t"/>
-                      <a:r>
-                        <a:rPr lang="en-US" sz="1600" b="1">
-                          <a:effectLst/>
-                        </a:rPr>
-                        <a:t>Workshop</a:t>
-                      </a:r>
-                    </a:p>
-                  </a:txBody>
-                  <a:tcPr marL="95250" marR="95250"/>
-                </a:tc>
-                <a:tc>
-                  <a:txBody>
-                    <a:bodyPr/>
-                    <a:lstStyle/>
-                    <a:p>
-                      <a:pPr fontAlgn="t"/>
-                      <a:r>
-                        <a:rPr lang="en-US" sz="1600" b="1" u="none" strike="noStrike" dirty="0">
-                          <a:solidFill>
-                            <a:srgbClr val="329FFF"/>
-                          </a:solidFill>
-                          <a:effectLst/>
-                          <a:latin typeface="Roboto"/>
-                          <a:hlinkClick r:id="rId3"/>
-                        </a:rPr>
-                        <a:t>The 2019 International Workshop on Software Engineering for HPC-Enabled Research (SE-HER 2019)</a:t>
-                      </a:r>
-                      <a:endParaRPr lang="en-US" sz="1600" b="1" dirty="0">
-                        <a:effectLst/>
-                      </a:endParaRPr>
-                    </a:p>
-                  </a:txBody>
-                  <a:tcPr marL="95250" marR="95250"/>
-                </a:tc>
-                <a:extLst>
-                  <a:ext uri="{0D108BD9-81ED-4DB2-BD59-A6C34878D82A}">
-                    <a16:rowId xmlns:a16="http://schemas.microsoft.com/office/drawing/2014/main" val="680207508"/>
-                  </a:ext>
-                </a:extLst>
-              </a:tr>
-              <a:tr h="370840">
-                <a:tc>
-                  <a:txBody>
-                    <a:bodyPr/>
-                    <a:lstStyle/>
-                    <a:p>
-                      <a:pPr algn="l" fontAlgn="t"/>
-                      <a:r>
-                        <a:rPr lang="en-US" sz="1600" b="1" dirty="0">
-                          <a:effectLst/>
-                        </a:rPr>
-                        <a:t>Monday</a:t>
-                      </a:r>
-                    </a:p>
-                  </a:txBody>
-                  <a:tcPr marL="95250" marR="95250"/>
-                </a:tc>
-                <a:tc>
-                  <a:txBody>
-                    <a:bodyPr/>
-                    <a:lstStyle/>
-                    <a:p>
-                      <a:pPr algn="l" fontAlgn="t"/>
-                      <a:r>
-                        <a:rPr lang="en-US" sz="1600" b="1">
-                          <a:effectLst/>
-                        </a:rPr>
-                        <a:t>Tutorial</a:t>
-                      </a:r>
-                    </a:p>
-                  </a:txBody>
-                  <a:tcPr marL="95250" marR="95250"/>
-                </a:tc>
-                <a:tc>
-                  <a:txBody>
-                    <a:bodyPr/>
-                    <a:lstStyle/>
-                    <a:p>
-                      <a:pPr fontAlgn="t"/>
-                      <a:r>
-                        <a:rPr lang="en-US" sz="1600" b="1" u="none" strike="noStrike" dirty="0">
-                          <a:solidFill>
-                            <a:srgbClr val="329FFF"/>
-                          </a:solidFill>
-                          <a:effectLst/>
-                          <a:latin typeface="Roboto"/>
-                          <a:hlinkClick r:id="rId4"/>
-                        </a:rPr>
-                        <a:t>Better Scientific Software</a:t>
-                      </a:r>
-                      <a:endParaRPr lang="en-US" sz="1600" b="1" dirty="0">
-                        <a:effectLst/>
-                      </a:endParaRPr>
-                    </a:p>
-                  </a:txBody>
-                  <a:tcPr marL="95250" marR="95250"/>
-                </a:tc>
-                <a:extLst>
-                  <a:ext uri="{0D108BD9-81ED-4DB2-BD59-A6C34878D82A}">
-                    <a16:rowId xmlns:a16="http://schemas.microsoft.com/office/drawing/2014/main" val="3743335020"/>
-                  </a:ext>
-                </a:extLst>
-              </a:tr>
-              <a:tr h="370840">
-                <a:tc>
-                  <a:txBody>
-                    <a:bodyPr/>
-                    <a:lstStyle/>
-                    <a:p>
-                      <a:pPr algn="l" fontAlgn="t"/>
-                      <a:r>
-                        <a:rPr lang="en-US" sz="1600" b="1" dirty="0">
-                          <a:effectLst/>
-                        </a:rPr>
-                        <a:t>Monday</a:t>
-                      </a:r>
-                    </a:p>
-                  </a:txBody>
-                  <a:tcPr marL="95250" marR="95250"/>
-                </a:tc>
-                <a:tc>
-                  <a:txBody>
-                    <a:bodyPr/>
-                    <a:lstStyle/>
-                    <a:p>
-                      <a:pPr algn="l" fontAlgn="t"/>
-                      <a:r>
-                        <a:rPr lang="en-US" sz="1600" b="1">
-                          <a:effectLst/>
-                        </a:rPr>
-                        <a:t>Tutorial</a:t>
-                      </a:r>
-                    </a:p>
-                  </a:txBody>
-                  <a:tcPr marL="95250" marR="95250"/>
-                </a:tc>
-                <a:tc>
-                  <a:txBody>
-                    <a:bodyPr/>
-                    <a:lstStyle/>
-                    <a:p>
-                      <a:pPr fontAlgn="t"/>
-                      <a:r>
-                        <a:rPr lang="en-US" sz="1600" b="1" u="none" strike="noStrike" dirty="0">
-                          <a:solidFill>
-                            <a:srgbClr val="329FFF"/>
-                          </a:solidFill>
-                          <a:effectLst/>
-                          <a:latin typeface="Roboto"/>
-                          <a:hlinkClick r:id="rId5"/>
-                        </a:rPr>
-                        <a:t>Managing HPC Software Complexity with </a:t>
-                      </a:r>
-                      <a:r>
-                        <a:rPr lang="en-US" sz="1600" b="1" u="none" strike="noStrike" dirty="0" err="1">
-                          <a:solidFill>
-                            <a:srgbClr val="329FFF"/>
-                          </a:solidFill>
-                          <a:effectLst/>
-                          <a:latin typeface="Roboto"/>
-                          <a:hlinkClick r:id="rId5"/>
-                        </a:rPr>
-                        <a:t>Spack</a:t>
-                      </a:r>
-                      <a:endParaRPr lang="en-US" sz="1600" b="1" dirty="0">
-                        <a:effectLst/>
-                      </a:endParaRPr>
-                    </a:p>
-                  </a:txBody>
-                  <a:tcPr marL="95250" marR="95250"/>
-                </a:tc>
-                <a:extLst>
-                  <a:ext uri="{0D108BD9-81ED-4DB2-BD59-A6C34878D82A}">
-                    <a16:rowId xmlns:a16="http://schemas.microsoft.com/office/drawing/2014/main" val="1013681500"/>
-                  </a:ext>
-                </a:extLst>
-              </a:tr>
-              <a:tr h="370840">
-                <a:tc>
-                  <a:txBody>
-                    <a:bodyPr/>
-                    <a:lstStyle/>
-                    <a:p>
-                      <a:pPr algn="l" fontAlgn="t"/>
-                      <a:r>
-                        <a:rPr lang="en-US" sz="1600" dirty="0">
-                          <a:effectLst/>
-                        </a:rPr>
-                        <a:t>Monday</a:t>
-                      </a:r>
-                    </a:p>
-                  </a:txBody>
-                  <a:tcPr marL="95250" marR="95250"/>
-                </a:tc>
-                <a:tc>
-                  <a:txBody>
-                    <a:bodyPr/>
-                    <a:lstStyle/>
-                    <a:p>
-                      <a:pPr algn="l" fontAlgn="t"/>
-                      <a:r>
-                        <a:rPr lang="en-US" sz="1600">
-                          <a:effectLst/>
-                        </a:rPr>
-                        <a:t>Workshop</a:t>
-                      </a:r>
-                    </a:p>
-                  </a:txBody>
-                  <a:tcPr marL="95250" marR="95250"/>
-                </a:tc>
-                <a:tc>
-                  <a:txBody>
-                    <a:bodyPr/>
-                    <a:lstStyle/>
-                    <a:p>
-                      <a:pPr fontAlgn="t"/>
-                      <a:r>
-                        <a:rPr lang="en-US" sz="1600" u="none" strike="noStrike">
-                          <a:solidFill>
-                            <a:srgbClr val="329FFF"/>
-                          </a:solidFill>
-                          <a:effectLst/>
-                          <a:latin typeface="Roboto"/>
-                          <a:hlinkClick r:id="rId6"/>
-                        </a:rPr>
-                        <a:t>3nd International Workshop on Software Correctness for HPC Applications (Correctness 2019)</a:t>
-                      </a:r>
-                      <a:endParaRPr lang="en-US" sz="1600">
-                        <a:effectLst/>
-                      </a:endParaRPr>
-                    </a:p>
-                  </a:txBody>
-                  <a:tcPr marL="95250" marR="95250"/>
-                </a:tc>
-                <a:extLst>
-                  <a:ext uri="{0D108BD9-81ED-4DB2-BD59-A6C34878D82A}">
-                    <a16:rowId xmlns:a16="http://schemas.microsoft.com/office/drawing/2014/main" val="2886034451"/>
-                  </a:ext>
-                </a:extLst>
-              </a:tr>
-              <a:tr h="370840">
-                <a:tc>
-                  <a:txBody>
-                    <a:bodyPr/>
-                    <a:lstStyle/>
-                    <a:p>
-                      <a:pPr algn="l" fontAlgn="t"/>
-                      <a:r>
-                        <a:rPr lang="en-US" sz="1600" b="1" dirty="0">
-                          <a:effectLst/>
-                        </a:rPr>
-                        <a:t>Monday</a:t>
-                      </a:r>
-                    </a:p>
-                  </a:txBody>
-                  <a:tcPr marL="95250" marR="95250"/>
-                </a:tc>
-                <a:tc>
-                  <a:txBody>
-                    <a:bodyPr/>
-                    <a:lstStyle/>
-                    <a:p>
-                      <a:pPr algn="l" fontAlgn="t"/>
-                      <a:r>
-                        <a:rPr lang="en-US" sz="1600" b="1">
-                          <a:effectLst/>
-                        </a:rPr>
-                        <a:t>Students@SC</a:t>
-                      </a:r>
-                    </a:p>
-                  </a:txBody>
-                  <a:tcPr marL="95250" marR="95250"/>
-                </a:tc>
-                <a:tc>
-                  <a:txBody>
-                    <a:bodyPr/>
-                    <a:lstStyle/>
-                    <a:p>
-                      <a:pPr fontAlgn="t"/>
-                      <a:r>
-                        <a:rPr lang="en-US" sz="1600" b="1" u="none" strike="noStrike" dirty="0" err="1">
-                          <a:solidFill>
-                            <a:srgbClr val="329FFF"/>
-                          </a:solidFill>
-                          <a:effectLst/>
-                          <a:latin typeface="Roboto"/>
-                          <a:hlinkClick r:id="rId7"/>
-                        </a:rPr>
-                        <a:t>Students@SC</a:t>
-                      </a:r>
-                      <a:r>
-                        <a:rPr lang="en-US" sz="1600" b="1" u="none" strike="noStrike" dirty="0">
-                          <a:solidFill>
-                            <a:srgbClr val="329FFF"/>
-                          </a:solidFill>
-                          <a:effectLst/>
-                          <a:latin typeface="Roboto"/>
-                          <a:hlinkClick r:id="rId7"/>
-                        </a:rPr>
-                        <a:t>: Modern Software Design, Tools, and Practices</a:t>
-                      </a:r>
-                      <a:endParaRPr lang="en-US" sz="1600" b="1" dirty="0">
-                        <a:effectLst/>
-                      </a:endParaRPr>
-                    </a:p>
-                  </a:txBody>
-                  <a:tcPr marL="95250" marR="95250"/>
-                </a:tc>
-                <a:extLst>
-                  <a:ext uri="{0D108BD9-81ED-4DB2-BD59-A6C34878D82A}">
-                    <a16:rowId xmlns:a16="http://schemas.microsoft.com/office/drawing/2014/main" val="3449860890"/>
-                  </a:ext>
-                </a:extLst>
-              </a:tr>
-              <a:tr h="370840">
-                <a:tc>
-                  <a:txBody>
-                    <a:bodyPr/>
-                    <a:lstStyle/>
-                    <a:p>
-                      <a:pPr algn="l" fontAlgn="t"/>
-                      <a:r>
-                        <a:rPr lang="en-US" sz="1600" dirty="0">
-                          <a:effectLst/>
-                        </a:rPr>
-                        <a:t>Tuesday</a:t>
-                      </a:r>
-                    </a:p>
-                  </a:txBody>
-                  <a:tcPr marL="95250" marR="95250"/>
-                </a:tc>
-                <a:tc>
-                  <a:txBody>
-                    <a:bodyPr/>
-                    <a:lstStyle/>
-                    <a:p>
-                      <a:pPr algn="l" fontAlgn="t"/>
-                      <a:r>
-                        <a:rPr lang="en-US" sz="1600">
-                          <a:effectLst/>
-                        </a:rPr>
-                        <a:t>BoF</a:t>
-                      </a:r>
-                    </a:p>
-                  </a:txBody>
-                  <a:tcPr marL="95250" marR="95250"/>
-                </a:tc>
-                <a:tc>
-                  <a:txBody>
-                    <a:bodyPr/>
-                    <a:lstStyle/>
-                    <a:p>
-                      <a:pPr fontAlgn="t"/>
-                      <a:r>
-                        <a:rPr lang="en-US" sz="1600" u="none" strike="noStrike">
-                          <a:solidFill>
-                            <a:srgbClr val="329FFF"/>
-                          </a:solidFill>
-                          <a:effectLst/>
-                          <a:latin typeface="Roboto"/>
-                          <a:hlinkClick r:id="rId8"/>
-                        </a:rPr>
-                        <a:t>Extreme-Scale Scientific Software Stack (E4S)</a:t>
-                      </a:r>
-                      <a:endParaRPr lang="en-US" sz="1600">
-                        <a:effectLst/>
-                      </a:endParaRPr>
-                    </a:p>
-                  </a:txBody>
-                  <a:tcPr marL="95250" marR="95250"/>
-                </a:tc>
-                <a:extLst>
-                  <a:ext uri="{0D108BD9-81ED-4DB2-BD59-A6C34878D82A}">
-                    <a16:rowId xmlns:a16="http://schemas.microsoft.com/office/drawing/2014/main" val="2768213053"/>
-                  </a:ext>
-                </a:extLst>
-              </a:tr>
-              <a:tr h="370840">
-                <a:tc>
-                  <a:txBody>
-                    <a:bodyPr/>
-                    <a:lstStyle/>
-                    <a:p>
-                      <a:pPr algn="l" fontAlgn="t"/>
-                      <a:r>
-                        <a:rPr lang="en-US" sz="1600" dirty="0">
-                          <a:effectLst/>
-                        </a:rPr>
-                        <a:t>Tuesday</a:t>
-                      </a:r>
-                    </a:p>
-                  </a:txBody>
-                  <a:tcPr marL="95250" marR="95250"/>
-                </a:tc>
-                <a:tc>
-                  <a:txBody>
-                    <a:bodyPr/>
-                    <a:lstStyle/>
-                    <a:p>
-                      <a:pPr algn="l" fontAlgn="t"/>
-                      <a:r>
-                        <a:rPr lang="en-US" sz="1600">
-                          <a:effectLst/>
-                        </a:rPr>
-                        <a:t>BoF</a:t>
-                      </a:r>
-                    </a:p>
-                  </a:txBody>
-                  <a:tcPr marL="95250" marR="95250"/>
-                </a:tc>
-                <a:tc>
-                  <a:txBody>
-                    <a:bodyPr/>
-                    <a:lstStyle/>
-                    <a:p>
-                      <a:pPr fontAlgn="t"/>
-                      <a:r>
-                        <a:rPr lang="en-US" sz="1600" u="none" strike="noStrike">
-                          <a:solidFill>
-                            <a:srgbClr val="329FFF"/>
-                          </a:solidFill>
-                          <a:effectLst/>
-                          <a:latin typeface="Roboto"/>
-                          <a:hlinkClick r:id="rId9"/>
-                        </a:rPr>
-                        <a:t>Exchanging Best Practices in Supporting Computational and Data-Intensive Research</a:t>
-                      </a:r>
-                      <a:endParaRPr lang="en-US" sz="1600">
-                        <a:effectLst/>
-                      </a:endParaRPr>
-                    </a:p>
-                  </a:txBody>
-                  <a:tcPr marL="95250" marR="95250"/>
-                </a:tc>
-                <a:extLst>
-                  <a:ext uri="{0D108BD9-81ED-4DB2-BD59-A6C34878D82A}">
-                    <a16:rowId xmlns:a16="http://schemas.microsoft.com/office/drawing/2014/main" val="401866433"/>
-                  </a:ext>
-                </a:extLst>
-              </a:tr>
-              <a:tr h="370840">
-                <a:tc>
-                  <a:txBody>
-                    <a:bodyPr/>
-                    <a:lstStyle/>
-                    <a:p>
-                      <a:pPr algn="l" fontAlgn="t"/>
-                      <a:r>
-                        <a:rPr lang="en-US" sz="1600" dirty="0">
-                          <a:effectLst/>
-                        </a:rPr>
-                        <a:t>Tuesday</a:t>
-                      </a:r>
-                    </a:p>
-                  </a:txBody>
-                  <a:tcPr marL="95250" marR="95250"/>
-                </a:tc>
-                <a:tc>
-                  <a:txBody>
-                    <a:bodyPr/>
-                    <a:lstStyle/>
-                    <a:p>
-                      <a:pPr algn="l" fontAlgn="t"/>
-                      <a:r>
-                        <a:rPr lang="en-US" sz="1600">
-                          <a:effectLst/>
-                        </a:rPr>
-                        <a:t>Panel</a:t>
-                      </a:r>
-                    </a:p>
-                  </a:txBody>
-                  <a:tcPr marL="95250" marR="95250"/>
-                </a:tc>
-                <a:tc>
-                  <a:txBody>
-                    <a:bodyPr/>
-                    <a:lstStyle/>
-                    <a:p>
-                      <a:pPr fontAlgn="t"/>
-                      <a:r>
-                        <a:rPr lang="en-US" sz="1600" u="none" strike="noStrike">
-                          <a:solidFill>
-                            <a:srgbClr val="329FFF"/>
-                          </a:solidFill>
-                          <a:effectLst/>
-                          <a:latin typeface="Roboto"/>
-                          <a:hlinkClick r:id="rId10"/>
-                        </a:rPr>
-                        <a:t>Developing and Managing Research Software in Universities and National Labs</a:t>
-                      </a:r>
-                      <a:endParaRPr lang="en-US" sz="1600">
-                        <a:effectLst/>
-                      </a:endParaRPr>
-                    </a:p>
-                  </a:txBody>
-                  <a:tcPr marL="95250" marR="95250"/>
-                </a:tc>
-                <a:extLst>
-                  <a:ext uri="{0D108BD9-81ED-4DB2-BD59-A6C34878D82A}">
-                    <a16:rowId xmlns:a16="http://schemas.microsoft.com/office/drawing/2014/main" val="3977931301"/>
-                  </a:ext>
-                </a:extLst>
-              </a:tr>
-              <a:tr h="370840">
-                <a:tc>
-                  <a:txBody>
-                    <a:bodyPr/>
-                    <a:lstStyle/>
-                    <a:p>
-                      <a:pPr algn="l" fontAlgn="t"/>
-                      <a:r>
-                        <a:rPr lang="en-US" sz="1600" b="1" dirty="0">
-                          <a:effectLst/>
-                        </a:rPr>
-                        <a:t>Wednesday</a:t>
-                      </a:r>
-                    </a:p>
-                  </a:txBody>
-                  <a:tcPr marL="95250" marR="95250"/>
-                </a:tc>
-                <a:tc>
-                  <a:txBody>
-                    <a:bodyPr/>
-                    <a:lstStyle/>
-                    <a:p>
-                      <a:pPr algn="l" fontAlgn="t"/>
-                      <a:r>
-                        <a:rPr lang="en-US" sz="1600" b="1">
-                          <a:effectLst/>
-                        </a:rPr>
-                        <a:t>BoF</a:t>
-                      </a:r>
-                    </a:p>
-                  </a:txBody>
-                  <a:tcPr marL="95250" marR="95250"/>
-                </a:tc>
-                <a:tc>
-                  <a:txBody>
-                    <a:bodyPr/>
-                    <a:lstStyle/>
-                    <a:p>
-                      <a:pPr fontAlgn="t"/>
-                      <a:r>
-                        <a:rPr lang="en-US" sz="1600" b="1" u="none" strike="noStrike" dirty="0">
-                          <a:solidFill>
-                            <a:srgbClr val="329FFF"/>
-                          </a:solidFill>
-                          <a:effectLst/>
-                          <a:latin typeface="Roboto"/>
-                          <a:hlinkClick r:id="rId11"/>
-                        </a:rPr>
-                        <a:t>Software Engineering and Reuse in Modeling, Simulation, and Data Analytics for Science and Engineering</a:t>
-                      </a:r>
-                      <a:endParaRPr lang="en-US" sz="1600" b="1" dirty="0">
-                        <a:effectLst/>
-                      </a:endParaRPr>
-                    </a:p>
-                  </a:txBody>
-                  <a:tcPr marL="95250" marR="95250"/>
-                </a:tc>
-                <a:extLst>
-                  <a:ext uri="{0D108BD9-81ED-4DB2-BD59-A6C34878D82A}">
-                    <a16:rowId xmlns:a16="http://schemas.microsoft.com/office/drawing/2014/main" val="3589820892"/>
-                  </a:ext>
-                </a:extLst>
-              </a:tr>
-              <a:tr h="370840">
-                <a:tc>
-                  <a:txBody>
-                    <a:bodyPr/>
-                    <a:lstStyle/>
-                    <a:p>
-                      <a:pPr algn="l" fontAlgn="t"/>
-                      <a:r>
-                        <a:rPr lang="en-US" sz="1600" dirty="0">
-                          <a:effectLst/>
-                        </a:rPr>
-                        <a:t>Thursday</a:t>
-                      </a:r>
-                    </a:p>
-                  </a:txBody>
-                  <a:tcPr marL="95250" marR="95250"/>
-                </a:tc>
-                <a:tc>
-                  <a:txBody>
-                    <a:bodyPr/>
-                    <a:lstStyle/>
-                    <a:p>
-                      <a:pPr algn="l" fontAlgn="t"/>
-                      <a:r>
-                        <a:rPr lang="en-US" sz="1600">
-                          <a:effectLst/>
-                        </a:rPr>
-                        <a:t>BoF</a:t>
-                      </a:r>
-                    </a:p>
-                  </a:txBody>
-                  <a:tcPr marL="95250" marR="95250"/>
-                </a:tc>
-                <a:tc>
-                  <a:txBody>
-                    <a:bodyPr/>
-                    <a:lstStyle/>
-                    <a:p>
-                      <a:pPr fontAlgn="t"/>
-                      <a:r>
-                        <a:rPr lang="en-US" sz="1600" u="none" strike="noStrike">
-                          <a:solidFill>
-                            <a:srgbClr val="329FFF"/>
-                          </a:solidFill>
-                          <a:effectLst/>
-                          <a:latin typeface="Roboto"/>
-                          <a:hlinkClick r:id="rId12"/>
-                        </a:rPr>
-                        <a:t>Quality Assurance and Coding Standards for Parallel Software</a:t>
-                      </a:r>
-                      <a:endParaRPr lang="en-US" sz="1600">
-                        <a:effectLst/>
-                      </a:endParaRPr>
-                    </a:p>
-                  </a:txBody>
-                  <a:tcPr marL="95250" marR="95250"/>
-                </a:tc>
-                <a:extLst>
-                  <a:ext uri="{0D108BD9-81ED-4DB2-BD59-A6C34878D82A}">
-                    <a16:rowId xmlns:a16="http://schemas.microsoft.com/office/drawing/2014/main" val="159779016"/>
-                  </a:ext>
-                </a:extLst>
-              </a:tr>
-              <a:tr h="370840">
-                <a:tc>
-                  <a:txBody>
-                    <a:bodyPr/>
-                    <a:lstStyle/>
-                    <a:p>
-                      <a:pPr algn="l" fontAlgn="t"/>
-                      <a:r>
-                        <a:rPr lang="en-US" sz="1600" dirty="0">
-                          <a:effectLst/>
-                        </a:rPr>
-                        <a:t>Thursday</a:t>
-                      </a:r>
-                    </a:p>
-                  </a:txBody>
-                  <a:tcPr marL="95250" marR="95250"/>
-                </a:tc>
-                <a:tc>
-                  <a:txBody>
-                    <a:bodyPr/>
-                    <a:lstStyle/>
-                    <a:p>
-                      <a:pPr algn="l" fontAlgn="t"/>
-                      <a:r>
-                        <a:rPr lang="en-US" sz="1600">
-                          <a:effectLst/>
-                        </a:rPr>
-                        <a:t>Panel</a:t>
-                      </a:r>
-                    </a:p>
-                  </a:txBody>
-                  <a:tcPr marL="95250" marR="95250"/>
-                </a:tc>
-                <a:tc>
-                  <a:txBody>
-                    <a:bodyPr/>
-                    <a:lstStyle/>
-                    <a:p>
-                      <a:pPr fontAlgn="t"/>
-                      <a:r>
-                        <a:rPr lang="en-US" sz="1600" u="none" strike="noStrike">
-                          <a:solidFill>
-                            <a:srgbClr val="329FFF"/>
-                          </a:solidFill>
-                          <a:effectLst/>
-                          <a:latin typeface="Roboto"/>
-                          <a:hlinkClick r:id="rId13"/>
-                        </a:rPr>
-                        <a:t>Sustainability of HPC Research Computing: Fostering Career Paths for Facilitators, Research Software Engineers, and Gateway Creators</a:t>
-                      </a:r>
-                      <a:endParaRPr lang="en-US" sz="1600">
-                        <a:effectLst/>
-                      </a:endParaRPr>
-                    </a:p>
-                  </a:txBody>
-                  <a:tcPr marL="95250" marR="95250"/>
-                </a:tc>
-                <a:extLst>
-                  <a:ext uri="{0D108BD9-81ED-4DB2-BD59-A6C34878D82A}">
-                    <a16:rowId xmlns:a16="http://schemas.microsoft.com/office/drawing/2014/main" val="412070707"/>
-                  </a:ext>
-                </a:extLst>
-              </a:tr>
-              <a:tr h="370840">
-                <a:tc>
-                  <a:txBody>
-                    <a:bodyPr/>
-                    <a:lstStyle/>
-                    <a:p>
-                      <a:pPr algn="l" fontAlgn="t"/>
-                      <a:r>
-                        <a:rPr lang="en-US" sz="1600" dirty="0">
-                          <a:effectLst/>
-                        </a:rPr>
-                        <a:t>Friday</a:t>
-                      </a:r>
-                    </a:p>
-                  </a:txBody>
-                  <a:tcPr marL="95250" marR="95250"/>
-                </a:tc>
-                <a:tc>
-                  <a:txBody>
-                    <a:bodyPr/>
-                    <a:lstStyle/>
-                    <a:p>
-                      <a:pPr algn="l" fontAlgn="t"/>
-                      <a:r>
-                        <a:rPr lang="en-US" sz="1600">
-                          <a:effectLst/>
-                        </a:rPr>
-                        <a:t>Panel</a:t>
-                      </a:r>
-                    </a:p>
-                  </a:txBody>
-                  <a:tcPr marL="95250" marR="95250"/>
-                </a:tc>
-                <a:tc>
-                  <a:txBody>
-                    <a:bodyPr/>
-                    <a:lstStyle/>
-                    <a:p>
-                      <a:pPr fontAlgn="t"/>
-                      <a:r>
-                        <a:rPr lang="en-US" sz="1600" u="none" strike="noStrike" dirty="0">
-                          <a:solidFill>
-                            <a:srgbClr val="329FFF"/>
-                          </a:solidFill>
-                          <a:effectLst/>
-                          <a:latin typeface="Roboto"/>
-                          <a:hlinkClick r:id="rId14"/>
-                        </a:rPr>
-                        <a:t>The Road to </a:t>
-                      </a:r>
-                      <a:r>
-                        <a:rPr lang="en-US" sz="1600" u="none" strike="noStrike" dirty="0" err="1">
-                          <a:solidFill>
-                            <a:srgbClr val="329FFF"/>
-                          </a:solidFill>
-                          <a:effectLst/>
-                          <a:latin typeface="Roboto"/>
-                          <a:hlinkClick r:id="rId14"/>
-                        </a:rPr>
-                        <a:t>Exascale</a:t>
-                      </a:r>
-                      <a:r>
-                        <a:rPr lang="en-US" sz="1600" u="none" strike="noStrike" dirty="0">
-                          <a:solidFill>
-                            <a:srgbClr val="329FFF"/>
-                          </a:solidFill>
-                          <a:effectLst/>
-                          <a:latin typeface="Roboto"/>
-                          <a:hlinkClick r:id="rId14"/>
-                        </a:rPr>
-                        <a:t> and Beyond is Paved by Software: How Algorithms, Libraries and Tools Will Make </a:t>
-                      </a:r>
-                      <a:r>
-                        <a:rPr lang="en-US" sz="1600" u="none" strike="noStrike" dirty="0" err="1">
-                          <a:solidFill>
-                            <a:srgbClr val="329FFF"/>
-                          </a:solidFill>
-                          <a:effectLst/>
-                          <a:latin typeface="Roboto"/>
-                          <a:hlinkClick r:id="rId14"/>
-                        </a:rPr>
-                        <a:t>Exascale</a:t>
-                      </a:r>
-                      <a:r>
-                        <a:rPr lang="en-US" sz="1600" u="none" strike="noStrike" dirty="0">
-                          <a:solidFill>
-                            <a:srgbClr val="329FFF"/>
-                          </a:solidFill>
-                          <a:effectLst/>
-                          <a:latin typeface="Roboto"/>
-                          <a:hlinkClick r:id="rId14"/>
-                        </a:rPr>
-                        <a:t> Performance Real</a:t>
-                      </a:r>
-                      <a:endParaRPr lang="en-US" sz="1600" dirty="0">
-                        <a:effectLst/>
-                      </a:endParaRPr>
-                    </a:p>
-                  </a:txBody>
-                  <a:tcPr marL="95250" marR="95250"/>
-                </a:tc>
-                <a:extLst>
-                  <a:ext uri="{0D108BD9-81ED-4DB2-BD59-A6C34878D82A}">
-                    <a16:rowId xmlns:a16="http://schemas.microsoft.com/office/drawing/2014/main" val="3355140686"/>
-                  </a:ext>
-                </a:extLst>
-              </a:tr>
-            </a:tbl>
-          </a:graphicData>
-        </a:graphic>
-      </p:graphicFrame>
-      <p:sp>
-        <p:nvSpPr>
-          <p:cNvPr id="8" name="TextBox 7">
-            <a:extLst>
-              <a:ext uri="{FF2B5EF4-FFF2-40B4-BE49-F238E27FC236}">
-                <a16:creationId xmlns:a16="http://schemas.microsoft.com/office/drawing/2014/main" id="{9FE7AE0F-A21D-4237-AC0F-AEDD3843A41A}"/>
-              </a:ext>
-            </a:extLst>
-          </p:cNvPr>
-          <p:cNvSpPr txBox="1"/>
-          <p:nvPr/>
-        </p:nvSpPr>
-        <p:spPr>
-          <a:xfrm>
-            <a:off x="8467491" y="448565"/>
-            <a:ext cx="3683316" cy="406265"/>
-          </a:xfrm>
-          <a:prstGeom prst="rect">
-            <a:avLst/>
-          </a:prstGeom>
-          <a:noFill/>
-        </p:spPr>
-        <p:txBody>
-          <a:bodyPr wrap="none" lIns="118872" tIns="91440" rIns="118872" bIns="91440" rtlCol="0" anchor="ctr" anchorCtr="0">
-            <a:spAutoFit/>
-          </a:bodyPr>
-          <a:lstStyle/>
-          <a:p>
-            <a:pPr algn="l">
-              <a:lnSpc>
-                <a:spcPct val="90000"/>
-              </a:lnSpc>
-            </a:pPr>
-            <a:r>
-              <a:rPr lang="en-US" sz="1600" b="1" dirty="0"/>
-              <a:t>Bold</a:t>
-            </a:r>
-            <a:r>
-              <a:rPr lang="en-US" sz="1600" dirty="0"/>
-              <a:t> events (co-)organized by IDEAS</a:t>
-            </a:r>
-          </a:p>
-        </p:txBody>
-      </p:sp>
-    </p:spTree>
-    <p:extLst>
-      <p:ext uri="{BB962C8B-B14F-4D97-AF65-F5344CB8AC3E}">
-        <p14:creationId xmlns:p14="http://schemas.microsoft.com/office/powerpoint/2010/main" val="480404041"/>
       </p:ext>
     </p:extLst>
   </p:cSld>
@@ -15996,6 +13043,21 @@
 </file>
 
 <file path=customXml/item1.xml><?xml version="1.0" encoding="utf-8"?>
+<?mso-contentType ?>
+<FormTemplates xmlns="http://schemas.microsoft.com/sharepoint/v3/contenttype/forms">
+  <Display>DocumentLibraryForm</Display>
+  <Edit>DocumentLibraryForm</Edit>
+  <New>DocumentLibraryForm</New>
+</FormTemplates>
+</file>
+
+<file path=customXml/item2.xml><?xml version="1.0" encoding="utf-8"?>
+<p:properties xmlns:p="http://schemas.microsoft.com/office/2006/metadata/properties" xmlns:xsi="http://www.w3.org/2001/XMLSchema-instance" xmlns:pc="http://schemas.microsoft.com/office/infopath/2007/PartnerControls">
+  <documentManagement/>
+</p:properties>
+</file>
+
+<file path=customXml/item3.xml><?xml version="1.0" encoding="utf-8"?>
 <ct:contentTypeSchema xmlns:ct="http://schemas.microsoft.com/office/2006/metadata/contentType" xmlns:ma="http://schemas.microsoft.com/office/2006/metadata/properties/metaAttributes" ct:_="" ma:_="" ma:contentTypeName="Document" ma:contentTypeID="0x010100565464437F680748A68B85EB6594EA7D" ma:contentTypeVersion="0" ma:contentTypeDescription="Create a new document." ma:contentTypeScope="" ma:versionID="fe3f4dd58d5914c51cfc6deaa8ad845c">
   <xsd:schema xmlns:xsd="http://www.w3.org/2001/XMLSchema" xmlns:p="http://schemas.microsoft.com/office/2006/metadata/properties" targetNamespace="http://schemas.microsoft.com/office/2006/metadata/properties" ma:root="true" ma:fieldsID="4aeb20c0e3442673af7ee10786458764">
     <xsd:element name="properties">
@@ -16044,32 +13106,10 @@
 </ct:contentTypeSchema>
 </file>
 
-<file path=customXml/item2.xml><?xml version="1.0" encoding="utf-8"?>
-<p:properties xmlns:p="http://schemas.microsoft.com/office/2006/metadata/properties" xmlns:xsi="http://www.w3.org/2001/XMLSchema-instance" xmlns:pc="http://schemas.microsoft.com/office/infopath/2007/PartnerControls">
-  <documentManagement/>
-</p:properties>
-</file>
-
-<file path=customXml/item3.xml><?xml version="1.0" encoding="utf-8"?>
-<?mso-contentType ?>
-<FormTemplates xmlns="http://schemas.microsoft.com/sharepoint/v3/contenttype/forms">
-  <Display>DocumentLibraryForm</Display>
-  <Edit>DocumentLibraryForm</Edit>
-  <New>DocumentLibraryForm</New>
-</FormTemplates>
-</file>
-
 <file path=customXml/itemProps1.xml><?xml version="1.0" encoding="utf-8"?>
-<ds:datastoreItem xmlns:ds="http://schemas.openxmlformats.org/officeDocument/2006/customXml" ds:itemID="{E8DB7DEB-074E-4EE8-9B6E-FD277323109C}">
+<ds:datastoreItem xmlns:ds="http://schemas.openxmlformats.org/officeDocument/2006/customXml" ds:itemID="{19E20559-B232-4371-8690-E3D8007EDB82}">
   <ds:schemaRefs>
-    <ds:schemaRef ds:uri="http://schemas.microsoft.com/office/2006/metadata/contentType"/>
-    <ds:schemaRef ds:uri="http://schemas.microsoft.com/office/2006/metadata/properties/metaAttributes"/>
-    <ds:schemaRef ds:uri="http://www.w3.org/2001/XMLSchema"/>
-    <ds:schemaRef ds:uri="http://schemas.microsoft.com/office/2006/metadata/properties"/>
-    <ds:schemaRef ds:uri="http://schemas.openxmlformats.org/package/2006/metadata/core-properties"/>
-    <ds:schemaRef ds:uri="http://purl.org/dc/elements/1.1/"/>
-    <ds:schemaRef ds:uri="http://purl.org/dc/terms/"/>
-    <ds:schemaRef ds:uri="http://schemas.microsoft.com/office/internal/2005/internalDocumentation"/>
+    <ds:schemaRef ds:uri="http://schemas.microsoft.com/sharepoint/v3/contenttype/forms"/>
   </ds:schemaRefs>
 </ds:datastoreItem>
 </file>
@@ -16090,9 +13130,16 @@
 </file>
 
 <file path=customXml/itemProps3.xml><?xml version="1.0" encoding="utf-8"?>
-<ds:datastoreItem xmlns:ds="http://schemas.openxmlformats.org/officeDocument/2006/customXml" ds:itemID="{19E20559-B232-4371-8690-E3D8007EDB82}">
+<ds:datastoreItem xmlns:ds="http://schemas.openxmlformats.org/officeDocument/2006/customXml" ds:itemID="{E8DB7DEB-074E-4EE8-9B6E-FD277323109C}">
   <ds:schemaRefs>
-    <ds:schemaRef ds:uri="http://schemas.microsoft.com/sharepoint/v3/contenttype/forms"/>
+    <ds:schemaRef ds:uri="http://schemas.microsoft.com/office/2006/metadata/contentType"/>
+    <ds:schemaRef ds:uri="http://schemas.microsoft.com/office/2006/metadata/properties/metaAttributes"/>
+    <ds:schemaRef ds:uri="http://www.w3.org/2001/XMLSchema"/>
+    <ds:schemaRef ds:uri="http://schemas.microsoft.com/office/2006/metadata/properties"/>
+    <ds:schemaRef ds:uri="http://schemas.openxmlformats.org/package/2006/metadata/core-properties"/>
+    <ds:schemaRef ds:uri="http://purl.org/dc/elements/1.1/"/>
+    <ds:schemaRef ds:uri="http://purl.org/dc/terms/"/>
+    <ds:schemaRef ds:uri="http://schemas.microsoft.com/office/internal/2005/internalDocumentation"/>
   </ds:schemaRefs>
 </ds:datastoreItem>
 </file>
--- a/licensing.pptx
+++ b/licensing.pptx
@@ -210,18 +210,6 @@
 </p:presentation>
 </file>
 
-<file path=ppt/commentAuthors.xml><?xml version="1.0" encoding="utf-8"?>
-<p:cmAuthorLst xmlns:a="http://schemas.openxmlformats.org/drawingml/2006/main" xmlns:r="http://schemas.openxmlformats.org/officeDocument/2006/relationships" xmlns:p="http://schemas.openxmlformats.org/presentationml/2006/main">
-  <p:cmAuthor id="1" name="Microsoft Office User" initials="MOU" lastIdx="2" clrIdx="0">
-    <p:extLst>
-      <p:ext uri="{19B8F6BF-5375-455C-9EA6-DF929625EA0E}">
-        <p15:presenceInfo xmlns:p15="http://schemas.microsoft.com/office/powerpoint/2012/main" userId="Microsoft Office User" providerId="None"/>
-      </p:ext>
-    </p:extLst>
-  </p:cmAuthor>
-</p:cmAuthorLst>
-</file>
-
 <file path=ppt/handoutMasters/handoutMaster1.xml><?xml version="1.0" encoding="utf-8"?>
 <p:handoutMaster xmlns:a="http://schemas.openxmlformats.org/drawingml/2006/main" xmlns:r="http://schemas.openxmlformats.org/officeDocument/2006/relationships" xmlns:p="http://schemas.openxmlformats.org/presentationml/2006/main">
   <p:cSld>
@@ -1077,7 +1065,7 @@
         </p:blipFill>
         <p:spPr>
           <a:xfrm>
-            <a:off x="360640" y="483164"/>
+            <a:off x="360639" y="483164"/>
             <a:ext cx="2050840" cy="935496"/>
           </a:xfrm>
           <a:prstGeom prst="rect">
@@ -1164,45 +1152,10 @@
       </p:pic>
       <p:pic>
         <p:nvPicPr>
-          <p:cNvPr id="11" name="Picture 10">
+          <p:cNvPr id="8" name="Picture 7" descr="A picture containing shape&#10;&#10;Description automatically generated">
             <a:extLst>
               <a:ext uri="{FF2B5EF4-FFF2-40B4-BE49-F238E27FC236}">
-                <a16:creationId xmlns:a16="http://schemas.microsoft.com/office/drawing/2014/main" id="{FEB516F4-C09A-4E83-A0F1-168C638F25AA}"/>
-              </a:ext>
-            </a:extLst>
-          </p:cNvPr>
-          <p:cNvPicPr>
-            <a:picLocks noChangeAspect="1"/>
-          </p:cNvPicPr>
-          <p:nvPr userDrawn="1"/>
-        </p:nvPicPr>
-        <p:blipFill rotWithShape="1">
-          <a:blip r:embed="rId7">
-            <a:extLst>
-              <a:ext uri="{28A0092B-C50C-407E-A947-70E740481C1C}">
-                <a14:useLocalDpi xmlns:a14="http://schemas.microsoft.com/office/drawing/2010/main" val="0"/>
-              </a:ext>
-            </a:extLst>
-          </a:blip>
-          <a:srcRect r="58932" b="1495"/>
-          <a:stretch/>
-        </p:blipFill>
-        <p:spPr>
-          <a:xfrm rot="10800000">
-            <a:off x="-1" y="1572767"/>
-            <a:ext cx="2852965" cy="4078297"/>
-          </a:xfrm>
-          <a:prstGeom prst="rect">
-            <a:avLst/>
-          </a:prstGeom>
-        </p:spPr>
-      </p:pic>
-      <p:pic>
-        <p:nvPicPr>
-          <p:cNvPr id="10" name="Picture 9" descr="IDEAS_logo.png">
-            <a:extLst>
-              <a:ext uri="{FF2B5EF4-FFF2-40B4-BE49-F238E27FC236}">
-                <a16:creationId xmlns:a16="http://schemas.microsoft.com/office/drawing/2014/main" id="{9DE86E9C-D24A-4552-A542-495444B5B047}"/>
+                <a16:creationId xmlns:a16="http://schemas.microsoft.com/office/drawing/2014/main" id="{C432A180-7341-4E28-8C2B-73F9AB53D13F}"/>
               </a:ext>
             </a:extLst>
           </p:cNvPr>
@@ -1212,10 +1165,10 @@
           <p:nvPr userDrawn="1"/>
         </p:nvPicPr>
         <p:blipFill>
-          <a:blip r:embed="rId8" cstate="print">
+          <a:blip r:embed="rId7">
             <a:extLst>
               <a:ext uri="{28A0092B-C50C-407E-A947-70E740481C1C}">
-                <a14:useLocalDpi xmlns:a14="http://schemas.microsoft.com/office/drawing/2010/main"/>
+                <a14:useLocalDpi xmlns:a14="http://schemas.microsoft.com/office/drawing/2010/main" val="0"/>
               </a:ext>
             </a:extLst>
           </a:blip>
@@ -1225,8 +1178,8 @@
         </p:blipFill>
         <p:spPr>
           <a:xfrm>
-            <a:off x="211056" y="1848659"/>
-            <a:ext cx="2350008" cy="815135"/>
+            <a:off x="331810" y="1848659"/>
+            <a:ext cx="2108499" cy="914400"/>
           </a:xfrm>
           <a:prstGeom prst="rect">
             <a:avLst/>
@@ -1247,6 +1200,604 @@
 </file>
 
 <file path=ppt/slideLayouts/slideLayout2.xml><?xml version="1.0" encoding="utf-8"?>
+<p:sldLayout xmlns:a="http://schemas.openxmlformats.org/drawingml/2006/main" xmlns:r="http://schemas.openxmlformats.org/officeDocument/2006/relationships" xmlns:p="http://schemas.openxmlformats.org/presentationml/2006/main" showMasterSp="0" preserve="1" userDrawn="1">
+  <p:cSld name="8_Title Slide">
+    <p:spTree>
+      <p:nvGrpSpPr>
+        <p:cNvPr id="1" name=""/>
+        <p:cNvGrpSpPr/>
+        <p:nvPr/>
+      </p:nvGrpSpPr>
+      <p:grpSpPr>
+        <a:xfrm>
+          <a:off x="0" y="0"/>
+          <a:ext cx="0" cy="0"/>
+          <a:chOff x="0" y="0"/>
+          <a:chExt cx="0" cy="0"/>
+        </a:xfrm>
+      </p:grpSpPr>
+      <p:sp>
+        <p:nvSpPr>
+          <p:cNvPr id="4" name="Rectangle 3">
+            <a:extLst>
+              <a:ext uri="{FF2B5EF4-FFF2-40B4-BE49-F238E27FC236}">
+                <a16:creationId xmlns:a16="http://schemas.microsoft.com/office/drawing/2014/main" id="{2E2177C6-060C-4445-8C10-ADA6D3CE5F74}"/>
+              </a:ext>
+            </a:extLst>
+          </p:cNvPr>
+          <p:cNvSpPr/>
+          <p:nvPr userDrawn="1"/>
+        </p:nvSpPr>
+        <p:spPr>
+          <a:xfrm>
+            <a:off x="0" y="6186396"/>
+            <a:ext cx="12188825" cy="671604"/>
+          </a:xfrm>
+          <a:prstGeom prst="rect">
+            <a:avLst/>
+          </a:prstGeom>
+          <a:solidFill>
+            <a:schemeClr val="accent1">
+              <a:lumMod val="75000"/>
+            </a:schemeClr>
+          </a:solidFill>
+          <a:ln>
+            <a:noFill/>
+          </a:ln>
+          <a:effectLst/>
+          <a:scene3d>
+            <a:camera prst="orthographicFront">
+              <a:rot lat="0" lon="0" rev="0"/>
+            </a:camera>
+            <a:lightRig rig="threePt" dir="t">
+              <a:rot lat="0" lon="0" rev="1200000"/>
+            </a:lightRig>
+          </a:scene3d>
+          <a:sp3d/>
+        </p:spPr>
+        <p:style>
+          <a:lnRef idx="0">
+            <a:schemeClr val="accent1"/>
+          </a:lnRef>
+          <a:fillRef idx="3">
+            <a:schemeClr val="accent1"/>
+          </a:fillRef>
+          <a:effectRef idx="3">
+            <a:schemeClr val="accent1"/>
+          </a:effectRef>
+          <a:fontRef idx="minor">
+            <a:schemeClr val="lt1"/>
+          </a:fontRef>
+        </p:style>
+        <p:txBody>
+          <a:bodyPr rot="0" spcFirstLastPara="0" vertOverflow="overflow" horzOverflow="overflow" vert="horz" wrap="square" lIns="548640" tIns="45720" rIns="45720" bIns="45720" numCol="1" spcCol="0" rtlCol="0" fromWordArt="0" anchor="ctr" anchorCtr="0" forceAA="0" compatLnSpc="1">
+            <a:prstTxWarp prst="textNoShape">
+              <a:avLst/>
+            </a:prstTxWarp>
+            <a:noAutofit/>
+          </a:bodyPr>
+          <a:lstStyle/>
+          <a:p>
+            <a:pPr algn="l">
+              <a:lnSpc>
+                <a:spcPct val="90000"/>
+              </a:lnSpc>
+            </a:pPr>
+            <a:r>
+              <a:rPr lang="en-US" sz="1600" dirty="0">
+                <a:ln>
+                  <a:noFill/>
+                </a:ln>
+                <a:solidFill>
+                  <a:schemeClr val="bg1"/>
+                </a:solidFill>
+              </a:rPr>
+              <a:t>exascaleproject.org</a:t>
+            </a:r>
+          </a:p>
+        </p:txBody>
+      </p:sp>
+      <p:sp>
+        <p:nvSpPr>
+          <p:cNvPr id="22" name="Rectangle 21"/>
+          <p:cNvSpPr/>
+          <p:nvPr userDrawn="1"/>
+        </p:nvSpPr>
+        <p:spPr>
+          <a:xfrm>
+            <a:off x="8305800" y="5921829"/>
+            <a:ext cx="3883025" cy="936171"/>
+          </a:xfrm>
+          <a:prstGeom prst="rect">
+            <a:avLst/>
+          </a:prstGeom>
+          <a:noFill/>
+          <a:ln>
+            <a:noFill/>
+          </a:ln>
+          <a:effectLst/>
+          <a:scene3d>
+            <a:camera prst="orthographicFront">
+              <a:rot lat="0" lon="0" rev="0"/>
+            </a:camera>
+            <a:lightRig rig="threePt" dir="t">
+              <a:rot lat="0" lon="0" rev="1200000"/>
+            </a:lightRig>
+          </a:scene3d>
+          <a:sp3d/>
+        </p:spPr>
+        <p:style>
+          <a:lnRef idx="0">
+            <a:schemeClr val="accent1"/>
+          </a:lnRef>
+          <a:fillRef idx="3">
+            <a:schemeClr val="accent1"/>
+          </a:fillRef>
+          <a:effectRef idx="3">
+            <a:schemeClr val="accent1"/>
+          </a:effectRef>
+          <a:fontRef idx="minor">
+            <a:schemeClr val="lt1"/>
+          </a:fontRef>
+        </p:style>
+        <p:txBody>
+          <a:bodyPr rot="0" spcFirstLastPara="0" vertOverflow="overflow" horzOverflow="overflow" vert="horz" wrap="square" lIns="45720" tIns="45720" rIns="45720" bIns="45720" numCol="1" spcCol="0" rtlCol="0" fromWordArt="0" anchor="ctr" anchorCtr="0" forceAA="0" compatLnSpc="1">
+            <a:prstTxWarp prst="textNoShape">
+              <a:avLst/>
+            </a:prstTxWarp>
+            <a:noAutofit/>
+          </a:bodyPr>
+          <a:lstStyle/>
+          <a:p>
+            <a:pPr algn="ctr">
+              <a:lnSpc>
+                <a:spcPct val="90000"/>
+              </a:lnSpc>
+            </a:pPr>
+            <a:endParaRPr lang="en-US" dirty="0">
+              <a:solidFill>
+                <a:schemeClr val="tx1"/>
+              </a:solidFill>
+            </a:endParaRPr>
+          </a:p>
+        </p:txBody>
+      </p:sp>
+      <p:sp>
+        <p:nvSpPr>
+          <p:cNvPr id="2" name="Title 1"/>
+          <p:cNvSpPr>
+            <a:spLocks noGrp="1"/>
+          </p:cNvSpPr>
+          <p:nvPr userDrawn="1">
+            <p:ph type="ctrTitle"/>
+          </p:nvPr>
+        </p:nvSpPr>
+        <p:spPr>
+          <a:xfrm>
+            <a:off x="3177633" y="503144"/>
+            <a:ext cx="8292316" cy="1030930"/>
+          </a:xfrm>
+        </p:spPr>
+        <p:txBody>
+          <a:bodyPr anchor="b"/>
+          <a:lstStyle>
+            <a:lvl1pPr algn="l">
+              <a:defRPr sz="3200" b="1">
+                <a:solidFill>
+                  <a:schemeClr val="tx1"/>
+                </a:solidFill>
+                <a:latin typeface="+mn-lt"/>
+              </a:defRPr>
+            </a:lvl1pPr>
+          </a:lstStyle>
+          <a:p>
+            <a:r>
+              <a:rPr lang="en-US"/>
+              <a:t>Click to edit Master title style</a:t>
+            </a:r>
+            <a:endParaRPr lang="en-US" dirty="0"/>
+          </a:p>
+        </p:txBody>
+      </p:sp>
+      <p:sp>
+        <p:nvSpPr>
+          <p:cNvPr id="3" name="Subtitle 2"/>
+          <p:cNvSpPr>
+            <a:spLocks noGrp="1"/>
+          </p:cNvSpPr>
+          <p:nvPr userDrawn="1">
+            <p:ph type="subTitle" idx="1"/>
+          </p:nvPr>
+        </p:nvSpPr>
+        <p:spPr>
+          <a:xfrm>
+            <a:off x="3177632" y="2085962"/>
+            <a:ext cx="8292317" cy="2855300"/>
+          </a:xfrm>
+        </p:spPr>
+        <p:txBody>
+          <a:bodyPr lIns="109728"/>
+          <a:lstStyle>
+            <a:lvl1pPr marL="0" indent="0" algn="l">
+              <a:buNone/>
+              <a:defRPr sz="2400">
+                <a:solidFill>
+                  <a:schemeClr val="tx1"/>
+                </a:solidFill>
+                <a:latin typeface="Arial" panose="020B0604020202020204" pitchFamily="34" charset="0"/>
+                <a:cs typeface="Arial" panose="020B0604020202020204" pitchFamily="34" charset="0"/>
+              </a:defRPr>
+            </a:lvl1pPr>
+            <a:lvl2pPr marL="457200" indent="0" algn="ctr">
+              <a:buNone/>
+              <a:defRPr>
+                <a:solidFill>
+                  <a:schemeClr val="tx1">
+                    <a:tint val="75000"/>
+                  </a:schemeClr>
+                </a:solidFill>
+              </a:defRPr>
+            </a:lvl2pPr>
+            <a:lvl3pPr marL="914400" indent="0" algn="ctr">
+              <a:buNone/>
+              <a:defRPr>
+                <a:solidFill>
+                  <a:schemeClr val="tx1">
+                    <a:tint val="75000"/>
+                  </a:schemeClr>
+                </a:solidFill>
+              </a:defRPr>
+            </a:lvl3pPr>
+            <a:lvl4pPr marL="1371600" indent="0" algn="ctr">
+              <a:buNone/>
+              <a:defRPr>
+                <a:solidFill>
+                  <a:schemeClr val="tx1">
+                    <a:tint val="75000"/>
+                  </a:schemeClr>
+                </a:solidFill>
+              </a:defRPr>
+            </a:lvl4pPr>
+            <a:lvl5pPr marL="1828800" indent="0" algn="ctr">
+              <a:buNone/>
+              <a:defRPr>
+                <a:solidFill>
+                  <a:schemeClr val="tx1">
+                    <a:tint val="75000"/>
+                  </a:schemeClr>
+                </a:solidFill>
+              </a:defRPr>
+            </a:lvl5pPr>
+            <a:lvl6pPr marL="2286000" indent="0" algn="ctr">
+              <a:buNone/>
+              <a:defRPr>
+                <a:solidFill>
+                  <a:schemeClr val="tx1">
+                    <a:tint val="75000"/>
+                  </a:schemeClr>
+                </a:solidFill>
+              </a:defRPr>
+            </a:lvl6pPr>
+            <a:lvl7pPr marL="2743200" indent="0" algn="ctr">
+              <a:buNone/>
+              <a:defRPr>
+                <a:solidFill>
+                  <a:schemeClr val="tx1">
+                    <a:tint val="75000"/>
+                  </a:schemeClr>
+                </a:solidFill>
+              </a:defRPr>
+            </a:lvl7pPr>
+            <a:lvl8pPr marL="3200400" indent="0" algn="ctr">
+              <a:buNone/>
+              <a:defRPr>
+                <a:solidFill>
+                  <a:schemeClr val="tx1">
+                    <a:tint val="75000"/>
+                  </a:schemeClr>
+                </a:solidFill>
+              </a:defRPr>
+            </a:lvl8pPr>
+            <a:lvl9pPr marL="3657600" indent="0" algn="ctr">
+              <a:buNone/>
+              <a:defRPr>
+                <a:solidFill>
+                  <a:schemeClr val="tx1">
+                    <a:tint val="75000"/>
+                  </a:schemeClr>
+                </a:solidFill>
+              </a:defRPr>
+            </a:lvl9pPr>
+          </a:lstStyle>
+          <a:p>
+            <a:r>
+              <a:rPr lang="en-US"/>
+              <a:t>Click to edit Master subtitle style</a:t>
+            </a:r>
+            <a:endParaRPr lang="en-US" dirty="0"/>
+          </a:p>
+        </p:txBody>
+      </p:sp>
+      <p:pic>
+        <p:nvPicPr>
+          <p:cNvPr id="12" name="Picture 11"/>
+          <p:cNvPicPr>
+            <a:picLocks noChangeAspect="1"/>
+          </p:cNvPicPr>
+          <p:nvPr userDrawn="1"/>
+        </p:nvPicPr>
+        <p:blipFill>
+          <a:blip r:embed="rId2" cstate="print">
+            <a:extLst>
+              <a:ext uri="{28A0092B-C50C-407E-A947-70E740481C1C}">
+                <a14:useLocalDpi xmlns:a14="http://schemas.microsoft.com/office/drawing/2010/main" val="0"/>
+              </a:ext>
+            </a:extLst>
+          </a:blip>
+          <a:stretch>
+            <a:fillRect/>
+          </a:stretch>
+        </p:blipFill>
+        <p:spPr>
+          <a:xfrm>
+            <a:off x="362749" y="483164"/>
+            <a:ext cx="2050840" cy="935496"/>
+          </a:xfrm>
+          <a:prstGeom prst="rect">
+            <a:avLst/>
+          </a:prstGeom>
+        </p:spPr>
+      </p:pic>
+      <p:pic>
+        <p:nvPicPr>
+          <p:cNvPr id="16" name="Picture 15"/>
+          <p:cNvPicPr>
+            <a:picLocks noChangeAspect="1"/>
+          </p:cNvPicPr>
+          <p:nvPr userDrawn="1"/>
+        </p:nvPicPr>
+        <p:blipFill>
+          <a:blip r:embed="rId3" cstate="print">
+            <a:extLst>
+              <a:ext uri="{BEBA8EAE-BF5A-486C-A8C5-ECC9F3942E4B}">
+                <a14:imgProps xmlns:a14="http://schemas.microsoft.com/office/drawing/2010/main">
+                  <a14:imgLayer r:embed="rId4">
+                    <a14:imgEffect>
+                      <a14:brightnessContrast bright="100000"/>
+                    </a14:imgEffect>
+                  </a14:imgLayer>
+                </a14:imgProps>
+              </a:ext>
+              <a:ext uri="{28A0092B-C50C-407E-A947-70E740481C1C}">
+                <a14:useLocalDpi xmlns:a14="http://schemas.microsoft.com/office/drawing/2010/main" val="0"/>
+              </a:ext>
+            </a:extLst>
+          </a:blip>
+          <a:stretch>
+            <a:fillRect/>
+          </a:stretch>
+        </p:blipFill>
+        <p:spPr>
+          <a:xfrm>
+            <a:off x="7289921" y="6322747"/>
+            <a:ext cx="2409477" cy="401008"/>
+          </a:xfrm>
+          <a:prstGeom prst="rect">
+            <a:avLst/>
+          </a:prstGeom>
+        </p:spPr>
+      </p:pic>
+      <p:pic>
+        <p:nvPicPr>
+          <p:cNvPr id="17" name="Picture 16"/>
+          <p:cNvPicPr>
+            <a:picLocks noChangeAspect="1"/>
+          </p:cNvPicPr>
+          <p:nvPr userDrawn="1"/>
+        </p:nvPicPr>
+        <p:blipFill rotWithShape="1">
+          <a:blip r:embed="rId5" cstate="print">
+            <a:extLst>
+              <a:ext uri="{BEBA8EAE-BF5A-486C-A8C5-ECC9F3942E4B}">
+                <a14:imgProps xmlns:a14="http://schemas.microsoft.com/office/drawing/2010/main">
+                  <a14:imgLayer r:embed="rId6">
+                    <a14:imgEffect>
+                      <a14:brightnessContrast bright="100000"/>
+                    </a14:imgEffect>
+                  </a14:imgLayer>
+                </a14:imgProps>
+              </a:ext>
+              <a:ext uri="{28A0092B-C50C-407E-A947-70E740481C1C}">
+                <a14:useLocalDpi xmlns:a14="http://schemas.microsoft.com/office/drawing/2010/main" val="0"/>
+              </a:ext>
+            </a:extLst>
+          </a:blip>
+          <a:srcRect b="70693"/>
+          <a:stretch/>
+        </p:blipFill>
+        <p:spPr>
+          <a:xfrm>
+            <a:off x="10204521" y="6307740"/>
+            <a:ext cx="1367541" cy="428915"/>
+          </a:xfrm>
+          <a:prstGeom prst="rect">
+            <a:avLst/>
+          </a:prstGeom>
+        </p:spPr>
+      </p:pic>
+      <p:pic>
+        <p:nvPicPr>
+          <p:cNvPr id="8" name="Picture 7" descr="A picture containing shape&#10;&#10;Description automatically generated">
+            <a:extLst>
+              <a:ext uri="{FF2B5EF4-FFF2-40B4-BE49-F238E27FC236}">
+                <a16:creationId xmlns:a16="http://schemas.microsoft.com/office/drawing/2014/main" id="{C432A180-7341-4E28-8C2B-73F9AB53D13F}"/>
+              </a:ext>
+            </a:extLst>
+          </p:cNvPr>
+          <p:cNvPicPr>
+            <a:picLocks noChangeAspect="1"/>
+          </p:cNvPicPr>
+          <p:nvPr userDrawn="1"/>
+        </p:nvPicPr>
+        <p:blipFill>
+          <a:blip r:embed="rId7">
+            <a:extLst>
+              <a:ext uri="{28A0092B-C50C-407E-A947-70E740481C1C}">
+                <a14:useLocalDpi xmlns:a14="http://schemas.microsoft.com/office/drawing/2010/main" val="0"/>
+              </a:ext>
+            </a:extLst>
+          </a:blip>
+          <a:stretch>
+            <a:fillRect/>
+          </a:stretch>
+        </p:blipFill>
+        <p:spPr>
+          <a:xfrm>
+            <a:off x="333920" y="1848659"/>
+            <a:ext cx="2108499" cy="914400"/>
+          </a:xfrm>
+          <a:prstGeom prst="rect">
+            <a:avLst/>
+          </a:prstGeom>
+        </p:spPr>
+      </p:pic>
+      <p:pic>
+        <p:nvPicPr>
+          <p:cNvPr id="13" name="Picture 2" descr="https://licensebuttons.net/l/by/4.0/88x31.png">
+            <a:extLst>
+              <a:ext uri="{FF2B5EF4-FFF2-40B4-BE49-F238E27FC236}">
+                <a16:creationId xmlns:a16="http://schemas.microsoft.com/office/drawing/2014/main" id="{FAFD7D99-41CA-4FD0-9396-9C5659F22045}"/>
+              </a:ext>
+            </a:extLst>
+          </p:cNvPr>
+          <p:cNvPicPr>
+            <a:picLocks noChangeAspect="1" noChangeArrowheads="1"/>
+          </p:cNvPicPr>
+          <p:nvPr userDrawn="1"/>
+        </p:nvPicPr>
+        <p:blipFill>
+          <a:blip r:embed="rId8">
+            <a:extLst>
+              <a:ext uri="{28A0092B-C50C-407E-A947-70E740481C1C}">
+                <a14:useLocalDpi xmlns:a14="http://schemas.microsoft.com/office/drawing/2010/main" val="0"/>
+              </a:ext>
+            </a:extLst>
+          </a:blip>
+          <a:srcRect/>
+          <a:stretch>
+            <a:fillRect/>
+          </a:stretch>
+        </p:blipFill>
+        <p:spPr bwMode="auto">
+          <a:xfrm>
+            <a:off x="969069" y="5841262"/>
+            <a:ext cx="838200" cy="295275"/>
+          </a:xfrm>
+          <a:prstGeom prst="rect">
+            <a:avLst/>
+          </a:prstGeom>
+          <a:noFill/>
+          <a:extLst>
+            <a:ext uri="{909E8E84-426E-40DD-AFC4-6F175D3DCCD1}">
+              <a14:hiddenFill xmlns:a14="http://schemas.microsoft.com/office/drawing/2010/main">
+                <a:solidFill>
+                  <a:srgbClr val="FFFFFF"/>
+                </a:solidFill>
+              </a14:hiddenFill>
+            </a:ext>
+          </a:extLst>
+        </p:spPr>
+      </p:pic>
+      <p:sp>
+        <p:nvSpPr>
+          <p:cNvPr id="14" name="TextBox 13">
+            <a:extLst>
+              <a:ext uri="{FF2B5EF4-FFF2-40B4-BE49-F238E27FC236}">
+                <a16:creationId xmlns:a16="http://schemas.microsoft.com/office/drawing/2014/main" id="{9D022D1C-99FF-490C-8690-D8081D33C0AF}"/>
+              </a:ext>
+            </a:extLst>
+          </p:cNvPr>
+          <p:cNvSpPr txBox="1"/>
+          <p:nvPr userDrawn="1"/>
+        </p:nvSpPr>
+        <p:spPr>
+          <a:xfrm>
+            <a:off x="1810964" y="5776533"/>
+            <a:ext cx="1171114" cy="424732"/>
+          </a:xfrm>
+          <a:prstGeom prst="rect">
+            <a:avLst/>
+          </a:prstGeom>
+          <a:noFill/>
+        </p:spPr>
+        <p:txBody>
+          <a:bodyPr wrap="square" rtlCol="0">
+            <a:spAutoFit/>
+          </a:bodyPr>
+          <a:lstStyle/>
+          <a:p>
+            <a:pPr algn="ctr">
+              <a:lnSpc>
+                <a:spcPct val="90000"/>
+              </a:lnSpc>
+            </a:pPr>
+            <a:r>
+              <a:rPr lang="en-US" sz="1200" dirty="0"/>
+              <a:t>See slide 2 for license details</a:t>
+            </a:r>
+          </a:p>
+        </p:txBody>
+      </p:sp>
+      <p:pic>
+        <p:nvPicPr>
+          <p:cNvPr id="15" name="Picture 14">
+            <a:extLst>
+              <a:ext uri="{FF2B5EF4-FFF2-40B4-BE49-F238E27FC236}">
+                <a16:creationId xmlns:a16="http://schemas.microsoft.com/office/drawing/2014/main" id="{C554CDC7-44CF-4751-9869-0265C8E01840}"/>
+              </a:ext>
+            </a:extLst>
+          </p:cNvPr>
+          <p:cNvPicPr>
+            <a:picLocks noChangeAspect="1"/>
+          </p:cNvPicPr>
+          <p:nvPr userDrawn="1"/>
+        </p:nvPicPr>
+        <p:blipFill>
+          <a:blip r:embed="rId9" cstate="print">
+            <a:extLst>
+              <a:ext uri="{28A0092B-C50C-407E-A947-70E740481C1C}">
+                <a14:useLocalDpi xmlns:a14="http://schemas.microsoft.com/office/drawing/2010/main" val="0"/>
+              </a:ext>
+            </a:extLst>
+          </a:blip>
+          <a:stretch>
+            <a:fillRect/>
+          </a:stretch>
+        </p:blipFill>
+        <p:spPr>
+          <a:xfrm>
+            <a:off x="333211" y="3189686"/>
+            <a:ext cx="2109916" cy="905256"/>
+          </a:xfrm>
+          <a:prstGeom prst="rect">
+            <a:avLst/>
+          </a:prstGeom>
+        </p:spPr>
+      </p:pic>
+    </p:spTree>
+    <p:extLst>
+      <p:ext uri="{BB962C8B-B14F-4D97-AF65-F5344CB8AC3E}">
+        <p14:creationId xmlns:p14="http://schemas.microsoft.com/office/powerpoint/2010/main" val="451228200"/>
+      </p:ext>
+    </p:extLst>
+  </p:cSld>
+  <p:clrMapOvr>
+    <a:masterClrMapping/>
+  </p:clrMapOvr>
+</p:sldLayout>
+</file>
+
+<file path=ppt/slideLayouts/slideLayout3.xml><?xml version="1.0" encoding="utf-8"?>
 <p:sldLayout xmlns:a="http://schemas.openxmlformats.org/drawingml/2006/main" xmlns:r="http://schemas.openxmlformats.org/officeDocument/2006/relationships" xmlns:p="http://schemas.openxmlformats.org/presentationml/2006/main" type="obj" preserve="1">
   <p:cSld name="Title and Content">
     <p:bg>
@@ -1401,7 +1952,7 @@
 </p:sldLayout>
 </file>
 
-<file path=ppt/slideLayouts/slideLayout3.xml><?xml version="1.0" encoding="utf-8"?>
+<file path=ppt/slideLayouts/slideLayout4.xml><?xml version="1.0" encoding="utf-8"?>
 <p:sldLayout xmlns:a="http://schemas.openxmlformats.org/drawingml/2006/main" xmlns:r="http://schemas.openxmlformats.org/officeDocument/2006/relationships" xmlns:p="http://schemas.openxmlformats.org/presentationml/2006/main" type="twoTxTwoObj" preserve="1">
   <p:cSld name="Comparison">
     <p:spTree>
@@ -1872,7 +2423,7 @@
 </p:sldLayout>
 </file>
 
-<file path=ppt/slideLayouts/slideLayout4.xml><?xml version="1.0" encoding="utf-8"?>
+<file path=ppt/slideLayouts/slideLayout5.xml><?xml version="1.0" encoding="utf-8"?>
 <p:sldLayout xmlns:a="http://schemas.openxmlformats.org/drawingml/2006/main" xmlns:r="http://schemas.openxmlformats.org/officeDocument/2006/relationships" xmlns:p="http://schemas.openxmlformats.org/presentationml/2006/main" preserve="1" userDrawn="1">
   <p:cSld name="quad chart">
     <p:spTree>
@@ -2635,7 +3186,7 @@
 </p:sldLayout>
 </file>
 
-<file path=ppt/slideLayouts/slideLayout5.xml><?xml version="1.0" encoding="utf-8"?>
+<file path=ppt/slideLayouts/slideLayout6.xml><?xml version="1.0" encoding="utf-8"?>
 <p:sldLayout xmlns:a="http://schemas.openxmlformats.org/drawingml/2006/main" xmlns:r="http://schemas.openxmlformats.org/officeDocument/2006/relationships" xmlns:p="http://schemas.openxmlformats.org/presentationml/2006/main" preserve="1" userDrawn="1">
   <p:cSld name="Section divider">
     <p:spTree>
@@ -2693,7 +3244,7 @@
 </p:sldLayout>
 </file>
 
-<file path=ppt/slideLayouts/slideLayout6.xml><?xml version="1.0" encoding="utf-8"?>
+<file path=ppt/slideLayouts/slideLayout7.xml><?xml version="1.0" encoding="utf-8"?>
 <p:sldLayout xmlns:a="http://schemas.openxmlformats.org/drawingml/2006/main" xmlns:r="http://schemas.openxmlformats.org/officeDocument/2006/relationships" xmlns:p="http://schemas.openxmlformats.org/presentationml/2006/main" type="titleOnly" preserve="1">
   <p:cSld name="Title Only">
     <p:spTree>
@@ -2776,48 +3327,6 @@
           <a:chExt cx="0" cy="0"/>
         </a:xfrm>
       </p:grpSpPr>
-      <p:pic>
-        <p:nvPicPr>
-          <p:cNvPr id="14" name="Picture 13">
-            <a:extLst>
-              <a:ext uri="{FF2B5EF4-FFF2-40B4-BE49-F238E27FC236}">
-                <a16:creationId xmlns:a16="http://schemas.microsoft.com/office/drawing/2014/main" id="{ED1C1369-A08C-454A-B0B5-0955BB31B118}"/>
-              </a:ext>
-            </a:extLst>
-          </p:cNvPr>
-          <p:cNvPicPr>
-            <a:picLocks noChangeAspect="1"/>
-          </p:cNvPicPr>
-          <p:nvPr userDrawn="1"/>
-        </p:nvPicPr>
-        <p:blipFill rotWithShape="1">
-          <a:blip r:embed="rId8">
-            <a:extLst>
-              <a:ext uri="{28A0092B-C50C-407E-A947-70E740481C1C}">
-                <a14:useLocalDpi xmlns:a14="http://schemas.microsoft.com/office/drawing/2010/main" val="0"/>
-              </a:ext>
-            </a:extLst>
-          </a:blip>
-          <a:srcRect r="58932" b="1495"/>
-          <a:stretch/>
-        </p:blipFill>
-        <p:spPr>
-          <a:xfrm>
-            <a:off x="9335860" y="0"/>
-            <a:ext cx="2852965" cy="4078297"/>
-          </a:xfrm>
-          <a:prstGeom prst="rect">
-            <a:avLst/>
-          </a:prstGeom>
-          <a:effectLst>
-            <a:outerShdw blurRad="50800" dist="50800" dir="5400000" algn="ctr" rotWithShape="0">
-              <a:srgbClr val="000000">
-                <a:alpha val="0"/>
-              </a:srgbClr>
-            </a:outerShdw>
-          </a:effectLst>
-        </p:spPr>
-      </p:pic>
       <p:sp>
         <p:nvSpPr>
           <p:cNvPr id="1026" name="Title Placeholder 1"/>
@@ -2956,7 +3465,7 @@
         </p:blipFill>
         <p:spPr>
           <a:xfrm>
-            <a:off x="9741160" y="6183517"/>
+            <a:off x="9741160" y="6185919"/>
             <a:ext cx="1971212" cy="533060"/>
           </a:xfrm>
           <a:prstGeom prst="rect">
@@ -3069,10 +3578,10 @@
       </p:sp>
       <p:pic>
         <p:nvPicPr>
-          <p:cNvPr id="10" name="Picture 9" descr="IDEAS_logo.png">
+          <p:cNvPr id="3" name="Picture 2" descr="A picture containing shape&#10;&#10;Description automatically generated">
             <a:extLst>
               <a:ext uri="{FF2B5EF4-FFF2-40B4-BE49-F238E27FC236}">
-                <a16:creationId xmlns:a16="http://schemas.microsoft.com/office/drawing/2014/main" id="{B8E2FEED-84DC-4438-B439-E3DA7A28736A}"/>
+                <a16:creationId xmlns:a16="http://schemas.microsoft.com/office/drawing/2014/main" id="{2A4943B8-0F89-4A94-B130-A128F45E57C4}"/>
               </a:ext>
             </a:extLst>
           </p:cNvPr>
@@ -3082,10 +3591,10 @@
           <p:nvPr userDrawn="1"/>
         </p:nvPicPr>
         <p:blipFill>
-          <a:blip r:embed="rId10" cstate="print">
+          <a:blip r:embed="rId10">
             <a:extLst>
               <a:ext uri="{28A0092B-C50C-407E-A947-70E740481C1C}">
-                <a14:useLocalDpi xmlns:a14="http://schemas.microsoft.com/office/drawing/2010/main"/>
+                <a14:useLocalDpi xmlns:a14="http://schemas.microsoft.com/office/drawing/2010/main" val="0"/>
               </a:ext>
             </a:extLst>
           </a:blip>
@@ -3095,8 +3604,8 @@
         </p:blipFill>
         <p:spPr>
           <a:xfrm>
-            <a:off x="7663530" y="6156960"/>
-            <a:ext cx="1845330" cy="640080"/>
+            <a:off x="7806050" y="6114121"/>
+            <a:ext cx="1560289" cy="676656"/>
           </a:xfrm>
           <a:prstGeom prst="rect">
             <a:avLst/>
@@ -3113,11 +3622,12 @@
   <p:clrMap bg1="lt1" tx1="dk1" bg2="lt2" tx2="dk2" accent1="accent1" accent2="accent2" accent3="accent3" accent4="accent4" accent5="accent5" accent6="accent6" hlink="hlink" folHlink="folHlink"/>
   <p:sldLayoutIdLst>
     <p:sldLayoutId id="2147483949" r:id="rId1"/>
-    <p:sldLayoutId id="2147483937" r:id="rId2"/>
-    <p:sldLayoutId id="2147483939" r:id="rId3"/>
-    <p:sldLayoutId id="2147483950" r:id="rId4"/>
-    <p:sldLayoutId id="2147483940" r:id="rId5"/>
-    <p:sldLayoutId id="2147483941" r:id="rId6"/>
+    <p:sldLayoutId id="2147483951" r:id="rId2"/>
+    <p:sldLayoutId id="2147483937" r:id="rId3"/>
+    <p:sldLayoutId id="2147483939" r:id="rId4"/>
+    <p:sldLayoutId id="2147483950" r:id="rId5"/>
+    <p:sldLayoutId id="2147483940" r:id="rId6"/>
+    <p:sldLayoutId id="2147483941" r:id="rId7"/>
   </p:sldLayoutIdLst>
   <p:hf hdr="0" ftr="0" dt="0"/>
   <p:txStyles>
@@ -3678,129 +4188,6 @@
           </a:p>
         </p:txBody>
       </p:sp>
-      <p:pic>
-        <p:nvPicPr>
-          <p:cNvPr id="6" name="Picture 2" descr="https://licensebuttons.net/l/by/4.0/88x31.png">
-            <a:extLst>
-              <a:ext uri="{FF2B5EF4-FFF2-40B4-BE49-F238E27FC236}">
-                <a16:creationId xmlns:a16="http://schemas.microsoft.com/office/drawing/2014/main" id="{24EAF368-FA38-4254-8E55-6E4D872226E6}"/>
-              </a:ext>
-            </a:extLst>
-          </p:cNvPr>
-          <p:cNvPicPr>
-            <a:picLocks noChangeAspect="1" noChangeArrowheads="1"/>
-          </p:cNvPicPr>
-          <p:nvPr/>
-        </p:nvPicPr>
-        <p:blipFill>
-          <a:blip r:embed="rId2">
-            <a:extLst>
-              <a:ext uri="{28A0092B-C50C-407E-A947-70E740481C1C}">
-                <a14:useLocalDpi xmlns:a14="http://schemas.microsoft.com/office/drawing/2010/main" val="0"/>
-              </a:ext>
-            </a:extLst>
-          </a:blip>
-          <a:srcRect/>
-          <a:stretch>
-            <a:fillRect/>
-          </a:stretch>
-        </p:blipFill>
-        <p:spPr bwMode="auto">
-          <a:xfrm>
-            <a:off x="365760" y="5539716"/>
-            <a:ext cx="1661258" cy="585216"/>
-          </a:xfrm>
-          <a:prstGeom prst="rect">
-            <a:avLst/>
-          </a:prstGeom>
-          <a:noFill/>
-          <a:extLst>
-            <a:ext uri="{909E8E84-426E-40DD-AFC4-6F175D3DCCD1}">
-              <a14:hiddenFill xmlns:a14="http://schemas.microsoft.com/office/drawing/2010/main">
-                <a:solidFill>
-                  <a:srgbClr val="FFFFFF"/>
-                </a:solidFill>
-              </a14:hiddenFill>
-            </a:ext>
-          </a:extLst>
-        </p:spPr>
-      </p:pic>
-      <p:sp>
-        <p:nvSpPr>
-          <p:cNvPr id="7" name="TextBox 6">
-            <a:extLst>
-              <a:ext uri="{FF2B5EF4-FFF2-40B4-BE49-F238E27FC236}">
-                <a16:creationId xmlns:a16="http://schemas.microsoft.com/office/drawing/2014/main" id="{306FBB1C-6D6D-47D4-86AC-DD5BECCBEE38}"/>
-              </a:ext>
-            </a:extLst>
-          </p:cNvPr>
-          <p:cNvSpPr txBox="1"/>
-          <p:nvPr/>
-        </p:nvSpPr>
-        <p:spPr>
-          <a:xfrm>
-            <a:off x="2036432" y="5619958"/>
-            <a:ext cx="1171114" cy="424732"/>
-          </a:xfrm>
-          <a:prstGeom prst="rect">
-            <a:avLst/>
-          </a:prstGeom>
-          <a:noFill/>
-        </p:spPr>
-        <p:txBody>
-          <a:bodyPr wrap="square" rtlCol="0">
-            <a:spAutoFit/>
-          </a:bodyPr>
-          <a:lstStyle/>
-          <a:p>
-            <a:pPr algn="ctr">
-              <a:lnSpc>
-                <a:spcPct val="90000"/>
-              </a:lnSpc>
-            </a:pPr>
-            <a:r>
-              <a:rPr lang="en-US" sz="1200" dirty="0"/>
-              <a:t>See slide 2 for license details</a:t>
-            </a:r>
-          </a:p>
-        </p:txBody>
-      </p:sp>
-      <p:pic>
-        <p:nvPicPr>
-          <p:cNvPr id="8" name="Picture 7">
-            <a:extLst>
-              <a:ext uri="{FF2B5EF4-FFF2-40B4-BE49-F238E27FC236}">
-                <a16:creationId xmlns:a16="http://schemas.microsoft.com/office/drawing/2014/main" id="{1E5B7BA7-7025-48B4-B7A6-D86FA6AFB6B2}"/>
-              </a:ext>
-            </a:extLst>
-          </p:cNvPr>
-          <p:cNvPicPr>
-            <a:picLocks noChangeAspect="1"/>
-          </p:cNvPicPr>
-          <p:nvPr/>
-        </p:nvPicPr>
-        <p:blipFill>
-          <a:blip r:embed="rId3" cstate="print">
-            <a:extLst>
-              <a:ext uri="{28A0092B-C50C-407E-A947-70E740481C1C}">
-                <a14:useLocalDpi xmlns:a14="http://schemas.microsoft.com/office/drawing/2010/main" val="0"/>
-              </a:ext>
-            </a:extLst>
-          </a:blip>
-          <a:stretch>
-            <a:fillRect/>
-          </a:stretch>
-        </p:blipFill>
-        <p:spPr>
-          <a:xfrm>
-            <a:off x="271981" y="2924866"/>
-            <a:ext cx="2350008" cy="1008267"/>
-          </a:xfrm>
-          <a:prstGeom prst="rect">
-            <a:avLst/>
-          </a:prstGeom>
-        </p:spPr>
-      </p:pic>
     </p:spTree>
     <p:extLst>
       <p:ext uri="{BB962C8B-B14F-4D97-AF65-F5344CB8AC3E}">
@@ -4707,11 +5094,6 @@
           </p:cNvGraphicFramePr>
           <p:nvPr>
             <p:ph sz="quarter" idx="1"/>
-            <p:extLst>
-              <p:ext uri="{D42A27DB-BD31-4B8C-83A1-F6EECF244321}">
-                <p14:modId xmlns:p14="http://schemas.microsoft.com/office/powerpoint/2010/main" val="411141604"/>
-              </p:ext>
-            </p:extLst>
           </p:nvPr>
         </p:nvGraphicFramePr>
         <p:xfrm>
@@ -5750,11 +6132,6 @@
           </p:cNvGraphicFramePr>
           <p:nvPr>
             <p:ph sz="quarter" idx="1"/>
-            <p:extLst>
-              <p:ext uri="{D42A27DB-BD31-4B8C-83A1-F6EECF244321}">
-                <p14:modId xmlns:p14="http://schemas.microsoft.com/office/powerpoint/2010/main" val="4188103622"/>
-              </p:ext>
-            </p:extLst>
           </p:nvPr>
         </p:nvGraphicFramePr>
         <p:xfrm>
@@ -13052,12 +13429,6 @@
 </file>
 
 <file path=customXml/item2.xml><?xml version="1.0" encoding="utf-8"?>
-<p:properties xmlns:p="http://schemas.microsoft.com/office/2006/metadata/properties" xmlns:xsi="http://www.w3.org/2001/XMLSchema-instance" xmlns:pc="http://schemas.microsoft.com/office/infopath/2007/PartnerControls">
-  <documentManagement/>
-</p:properties>
-</file>
-
-<file path=customXml/item3.xml><?xml version="1.0" encoding="utf-8"?>
 <ct:contentTypeSchema xmlns:ct="http://schemas.microsoft.com/office/2006/metadata/contentType" xmlns:ma="http://schemas.microsoft.com/office/2006/metadata/properties/metaAttributes" ct:_="" ma:_="" ma:contentTypeName="Document" ma:contentTypeID="0x010100565464437F680748A68B85EB6594EA7D" ma:contentTypeVersion="0" ma:contentTypeDescription="Create a new document." ma:contentTypeScope="" ma:versionID="fe3f4dd58d5914c51cfc6deaa8ad845c">
   <xsd:schema xmlns:xsd="http://www.w3.org/2001/XMLSchema" xmlns:p="http://schemas.microsoft.com/office/2006/metadata/properties" targetNamespace="http://schemas.microsoft.com/office/2006/metadata/properties" ma:root="true" ma:fieldsID="4aeb20c0e3442673af7ee10786458764">
     <xsd:element name="properties">
@@ -13106,6 +13477,12 @@
 </ct:contentTypeSchema>
 </file>
 
+<file path=customXml/item3.xml><?xml version="1.0" encoding="utf-8"?>
+<p:properties xmlns:p="http://schemas.microsoft.com/office/2006/metadata/properties" xmlns:xsi="http://www.w3.org/2001/XMLSchema-instance" xmlns:pc="http://schemas.microsoft.com/office/infopath/2007/PartnerControls">
+  <documentManagement/>
+</p:properties>
+</file>
+
 <file path=customXml/itemProps1.xml><?xml version="1.0" encoding="utf-8"?>
 <ds:datastoreItem xmlns:ds="http://schemas.openxmlformats.org/officeDocument/2006/customXml" ds:itemID="{19E20559-B232-4371-8690-E3D8007EDB82}">
   <ds:schemaRefs>
@@ -13115,21 +13492,6 @@
 </file>
 
 <file path=customXml/itemProps2.xml><?xml version="1.0" encoding="utf-8"?>
-<ds:datastoreItem xmlns:ds="http://schemas.openxmlformats.org/officeDocument/2006/customXml" ds:itemID="{A50EC660-24D0-43A0-AE5E-E274115E726B}">
-  <ds:schemaRefs>
-    <ds:schemaRef ds:uri="http://purl.org/dc/terms/"/>
-    <ds:schemaRef ds:uri="http://schemas.openxmlformats.org/package/2006/metadata/core-properties"/>
-    <ds:schemaRef ds:uri="http://schemas.microsoft.com/office/2006/documentManagement/types"/>
-    <ds:schemaRef ds:uri="http://purl.org/dc/elements/1.1/"/>
-    <ds:schemaRef ds:uri="http://schemas.microsoft.com/office/2006/metadata/properties"/>
-    <ds:schemaRef ds:uri="http://www.w3.org/XML/1998/namespace"/>
-    <ds:schemaRef ds:uri="http://purl.org/dc/dcmitype/"/>
-    <ds:schemaRef ds:uri="http://schemas.microsoft.com/office/infopath/2007/PartnerControls"/>
-  </ds:schemaRefs>
-</ds:datastoreItem>
-</file>
-
-<file path=customXml/itemProps3.xml><?xml version="1.0" encoding="utf-8"?>
 <ds:datastoreItem xmlns:ds="http://schemas.openxmlformats.org/officeDocument/2006/customXml" ds:itemID="{E8DB7DEB-074E-4EE8-9B6E-FD277323109C}">
   <ds:schemaRefs>
     <ds:schemaRef ds:uri="http://schemas.microsoft.com/office/2006/metadata/contentType"/>
@@ -13142,4 +13504,19 @@
     <ds:schemaRef ds:uri="http://schemas.microsoft.com/office/internal/2005/internalDocumentation"/>
   </ds:schemaRefs>
 </ds:datastoreItem>
+</file>
+
+<file path=customXml/itemProps3.xml><?xml version="1.0" encoding="utf-8"?>
+<ds:datastoreItem xmlns:ds="http://schemas.openxmlformats.org/officeDocument/2006/customXml" ds:itemID="{A50EC660-24D0-43A0-AE5E-E274115E726B}">
+  <ds:schemaRefs>
+    <ds:schemaRef ds:uri="http://purl.org/dc/elements/1.1/"/>
+    <ds:schemaRef ds:uri="http://schemas.microsoft.com/office/2006/metadata/properties"/>
+    <ds:schemaRef ds:uri="http://purl.org/dc/terms/"/>
+    <ds:schemaRef ds:uri="http://schemas.openxmlformats.org/package/2006/metadata/core-properties"/>
+    <ds:schemaRef ds:uri="http://schemas.microsoft.com/office/2006/documentManagement/types"/>
+    <ds:schemaRef ds:uri="http://www.w3.org/XML/1998/namespace"/>
+    <ds:schemaRef ds:uri="http://purl.org/dc/dcmitype/"/>
+    <ds:schemaRef ds:uri="http://schemas.microsoft.com/office/infopath/2007/PartnerControls"/>
+  </ds:schemaRefs>
+</ds:datastoreItem>
 </file>
--- a/licensing.pptx
+++ b/licensing.pptx
@@ -11,7 +11,7 @@
     <p:handoutMasterId r:id="rId44"/>
   </p:handoutMasterIdLst>
   <p:sldIdLst>
-    <p:sldId id="318" r:id="rId5"/>
+    <p:sldId id="256" r:id="rId5"/>
     <p:sldId id="330" r:id="rId6"/>
     <p:sldId id="285" r:id="rId7"/>
     <p:sldId id="280" r:id="rId8"/>
@@ -292,7 +292,7 @@
           <a:p>
             <a:fld id="{0B842F42-2CE9-4E35-95C1-410DC08A50B1}" type="datetimeFigureOut">
               <a:rPr lang="en-US" smtClean="0"/>
-              <a:t>5/21/2021</a:t>
+              <a:t>7/26/2022</a:t>
             </a:fld>
             <a:endParaRPr lang="en-US"/>
           </a:p>
@@ -457,7 +457,7 @@
           <a:p>
             <a:fld id="{6F282904-F315-4730-8D91-37D99E141A6F}" type="datetimeFigureOut">
               <a:rPr lang="en-US" smtClean="0"/>
-              <a:t>5/21/2021</a:t>
+              <a:t>7/26/2022</a:t>
             </a:fld>
             <a:endParaRPr lang="en-US"/>
           </a:p>
@@ -726,7 +726,7 @@
 
 <file path=ppt/slideLayouts/slideLayout1.xml><?xml version="1.0" encoding="utf-8"?>
 <p:sldLayout xmlns:a="http://schemas.openxmlformats.org/drawingml/2006/main" xmlns:r="http://schemas.openxmlformats.org/officeDocument/2006/relationships" xmlns:p="http://schemas.openxmlformats.org/presentationml/2006/main" showMasterSp="0" preserve="1" userDrawn="1">
-  <p:cSld name="7_Title Slide">
+  <p:cSld name="9_Title Slide">
     <p:spTree>
       <p:nvGrpSpPr>
         <p:cNvPr id="1" name=""/>
@@ -917,604 +917,9 @@
           </a:lstStyle>
           <a:p>
             <a:r>
-              <a:rPr lang="en-US"/>
+              <a:rPr lang="en-US" dirty="0"/>
               <a:t>Click to edit Master title style</a:t>
             </a:r>
-            <a:endParaRPr lang="en-US" dirty="0"/>
-          </a:p>
-        </p:txBody>
-      </p:sp>
-      <p:sp>
-        <p:nvSpPr>
-          <p:cNvPr id="3" name="Subtitle 2"/>
-          <p:cNvSpPr>
-            <a:spLocks noGrp="1"/>
-          </p:cNvSpPr>
-          <p:nvPr userDrawn="1">
-            <p:ph type="subTitle" idx="1"/>
-          </p:nvPr>
-        </p:nvSpPr>
-        <p:spPr>
-          <a:xfrm>
-            <a:off x="3177632" y="2085962"/>
-            <a:ext cx="8292317" cy="2855300"/>
-          </a:xfrm>
-        </p:spPr>
-        <p:txBody>
-          <a:bodyPr lIns="109728"/>
-          <a:lstStyle>
-            <a:lvl1pPr marL="0" indent="0" algn="l">
-              <a:buNone/>
-              <a:defRPr sz="2400">
-                <a:solidFill>
-                  <a:schemeClr val="tx1"/>
-                </a:solidFill>
-                <a:latin typeface="Arial" panose="020B0604020202020204" pitchFamily="34" charset="0"/>
-                <a:cs typeface="Arial" panose="020B0604020202020204" pitchFamily="34" charset="0"/>
-              </a:defRPr>
-            </a:lvl1pPr>
-            <a:lvl2pPr marL="457200" indent="0" algn="ctr">
-              <a:buNone/>
-              <a:defRPr>
-                <a:solidFill>
-                  <a:schemeClr val="tx1">
-                    <a:tint val="75000"/>
-                  </a:schemeClr>
-                </a:solidFill>
-              </a:defRPr>
-            </a:lvl2pPr>
-            <a:lvl3pPr marL="914400" indent="0" algn="ctr">
-              <a:buNone/>
-              <a:defRPr>
-                <a:solidFill>
-                  <a:schemeClr val="tx1">
-                    <a:tint val="75000"/>
-                  </a:schemeClr>
-                </a:solidFill>
-              </a:defRPr>
-            </a:lvl3pPr>
-            <a:lvl4pPr marL="1371600" indent="0" algn="ctr">
-              <a:buNone/>
-              <a:defRPr>
-                <a:solidFill>
-                  <a:schemeClr val="tx1">
-                    <a:tint val="75000"/>
-                  </a:schemeClr>
-                </a:solidFill>
-              </a:defRPr>
-            </a:lvl4pPr>
-            <a:lvl5pPr marL="1828800" indent="0" algn="ctr">
-              <a:buNone/>
-              <a:defRPr>
-                <a:solidFill>
-                  <a:schemeClr val="tx1">
-                    <a:tint val="75000"/>
-                  </a:schemeClr>
-                </a:solidFill>
-              </a:defRPr>
-            </a:lvl5pPr>
-            <a:lvl6pPr marL="2286000" indent="0" algn="ctr">
-              <a:buNone/>
-              <a:defRPr>
-                <a:solidFill>
-                  <a:schemeClr val="tx1">
-                    <a:tint val="75000"/>
-                  </a:schemeClr>
-                </a:solidFill>
-              </a:defRPr>
-            </a:lvl6pPr>
-            <a:lvl7pPr marL="2743200" indent="0" algn="ctr">
-              <a:buNone/>
-              <a:defRPr>
-                <a:solidFill>
-                  <a:schemeClr val="tx1">
-                    <a:tint val="75000"/>
-                  </a:schemeClr>
-                </a:solidFill>
-              </a:defRPr>
-            </a:lvl7pPr>
-            <a:lvl8pPr marL="3200400" indent="0" algn="ctr">
-              <a:buNone/>
-              <a:defRPr>
-                <a:solidFill>
-                  <a:schemeClr val="tx1">
-                    <a:tint val="75000"/>
-                  </a:schemeClr>
-                </a:solidFill>
-              </a:defRPr>
-            </a:lvl8pPr>
-            <a:lvl9pPr marL="3657600" indent="0" algn="ctr">
-              <a:buNone/>
-              <a:defRPr>
-                <a:solidFill>
-                  <a:schemeClr val="tx1">
-                    <a:tint val="75000"/>
-                  </a:schemeClr>
-                </a:solidFill>
-              </a:defRPr>
-            </a:lvl9pPr>
-          </a:lstStyle>
-          <a:p>
-            <a:r>
-              <a:rPr lang="en-US"/>
-              <a:t>Click to edit Master subtitle style</a:t>
-            </a:r>
-            <a:endParaRPr lang="en-US" dirty="0"/>
-          </a:p>
-        </p:txBody>
-      </p:sp>
-      <p:pic>
-        <p:nvPicPr>
-          <p:cNvPr id="12" name="Picture 11"/>
-          <p:cNvPicPr>
-            <a:picLocks noChangeAspect="1"/>
-          </p:cNvPicPr>
-          <p:nvPr userDrawn="1"/>
-        </p:nvPicPr>
-        <p:blipFill>
-          <a:blip r:embed="rId2" cstate="print">
-            <a:extLst>
-              <a:ext uri="{28A0092B-C50C-407E-A947-70E740481C1C}">
-                <a14:useLocalDpi xmlns:a14="http://schemas.microsoft.com/office/drawing/2010/main" val="0"/>
-              </a:ext>
-            </a:extLst>
-          </a:blip>
-          <a:stretch>
-            <a:fillRect/>
-          </a:stretch>
-        </p:blipFill>
-        <p:spPr>
-          <a:xfrm>
-            <a:off x="360639" y="483164"/>
-            <a:ext cx="2050840" cy="935496"/>
-          </a:xfrm>
-          <a:prstGeom prst="rect">
-            <a:avLst/>
-          </a:prstGeom>
-        </p:spPr>
-      </p:pic>
-      <p:pic>
-        <p:nvPicPr>
-          <p:cNvPr id="16" name="Picture 15"/>
-          <p:cNvPicPr>
-            <a:picLocks noChangeAspect="1"/>
-          </p:cNvPicPr>
-          <p:nvPr userDrawn="1"/>
-        </p:nvPicPr>
-        <p:blipFill>
-          <a:blip r:embed="rId3" cstate="print">
-            <a:extLst>
-              <a:ext uri="{BEBA8EAE-BF5A-486C-A8C5-ECC9F3942E4B}">
-                <a14:imgProps xmlns:a14="http://schemas.microsoft.com/office/drawing/2010/main">
-                  <a14:imgLayer r:embed="rId4">
-                    <a14:imgEffect>
-                      <a14:brightnessContrast bright="100000"/>
-                    </a14:imgEffect>
-                  </a14:imgLayer>
-                </a14:imgProps>
-              </a:ext>
-              <a:ext uri="{28A0092B-C50C-407E-A947-70E740481C1C}">
-                <a14:useLocalDpi xmlns:a14="http://schemas.microsoft.com/office/drawing/2010/main" val="0"/>
-              </a:ext>
-            </a:extLst>
-          </a:blip>
-          <a:stretch>
-            <a:fillRect/>
-          </a:stretch>
-        </p:blipFill>
-        <p:spPr>
-          <a:xfrm>
-            <a:off x="7289921" y="6322747"/>
-            <a:ext cx="2409477" cy="401008"/>
-          </a:xfrm>
-          <a:prstGeom prst="rect">
-            <a:avLst/>
-          </a:prstGeom>
-        </p:spPr>
-      </p:pic>
-      <p:pic>
-        <p:nvPicPr>
-          <p:cNvPr id="17" name="Picture 16"/>
-          <p:cNvPicPr>
-            <a:picLocks noChangeAspect="1"/>
-          </p:cNvPicPr>
-          <p:nvPr userDrawn="1"/>
-        </p:nvPicPr>
-        <p:blipFill rotWithShape="1">
-          <a:blip r:embed="rId5" cstate="print">
-            <a:extLst>
-              <a:ext uri="{BEBA8EAE-BF5A-486C-A8C5-ECC9F3942E4B}">
-                <a14:imgProps xmlns:a14="http://schemas.microsoft.com/office/drawing/2010/main">
-                  <a14:imgLayer r:embed="rId6">
-                    <a14:imgEffect>
-                      <a14:brightnessContrast bright="100000"/>
-                    </a14:imgEffect>
-                  </a14:imgLayer>
-                </a14:imgProps>
-              </a:ext>
-              <a:ext uri="{28A0092B-C50C-407E-A947-70E740481C1C}">
-                <a14:useLocalDpi xmlns:a14="http://schemas.microsoft.com/office/drawing/2010/main" val="0"/>
-              </a:ext>
-            </a:extLst>
-          </a:blip>
-          <a:srcRect b="70693"/>
-          <a:stretch/>
-        </p:blipFill>
-        <p:spPr>
-          <a:xfrm>
-            <a:off x="10204521" y="6307740"/>
-            <a:ext cx="1367541" cy="428915"/>
-          </a:xfrm>
-          <a:prstGeom prst="rect">
-            <a:avLst/>
-          </a:prstGeom>
-        </p:spPr>
-      </p:pic>
-      <p:pic>
-        <p:nvPicPr>
-          <p:cNvPr id="8" name="Picture 7" descr="A picture containing shape&#10;&#10;Description automatically generated">
-            <a:extLst>
-              <a:ext uri="{FF2B5EF4-FFF2-40B4-BE49-F238E27FC236}">
-                <a16:creationId xmlns:a16="http://schemas.microsoft.com/office/drawing/2014/main" id="{C432A180-7341-4E28-8C2B-73F9AB53D13F}"/>
-              </a:ext>
-            </a:extLst>
-          </p:cNvPr>
-          <p:cNvPicPr>
-            <a:picLocks noChangeAspect="1"/>
-          </p:cNvPicPr>
-          <p:nvPr userDrawn="1"/>
-        </p:nvPicPr>
-        <p:blipFill>
-          <a:blip r:embed="rId7">
-            <a:extLst>
-              <a:ext uri="{28A0092B-C50C-407E-A947-70E740481C1C}">
-                <a14:useLocalDpi xmlns:a14="http://schemas.microsoft.com/office/drawing/2010/main" val="0"/>
-              </a:ext>
-            </a:extLst>
-          </a:blip>
-          <a:stretch>
-            <a:fillRect/>
-          </a:stretch>
-        </p:blipFill>
-        <p:spPr>
-          <a:xfrm>
-            <a:off x="331810" y="1848659"/>
-            <a:ext cx="2108499" cy="914400"/>
-          </a:xfrm>
-          <a:prstGeom prst="rect">
-            <a:avLst/>
-          </a:prstGeom>
-        </p:spPr>
-      </p:pic>
-    </p:spTree>
-    <p:extLst>
-      <p:ext uri="{BB962C8B-B14F-4D97-AF65-F5344CB8AC3E}">
-        <p14:creationId xmlns:p14="http://schemas.microsoft.com/office/powerpoint/2010/main" val="324926385"/>
-      </p:ext>
-    </p:extLst>
-  </p:cSld>
-  <p:clrMapOvr>
-    <a:masterClrMapping/>
-  </p:clrMapOvr>
-</p:sldLayout>
-</file>
-
-<file path=ppt/slideLayouts/slideLayout2.xml><?xml version="1.0" encoding="utf-8"?>
-<p:sldLayout xmlns:a="http://schemas.openxmlformats.org/drawingml/2006/main" xmlns:r="http://schemas.openxmlformats.org/officeDocument/2006/relationships" xmlns:p="http://schemas.openxmlformats.org/presentationml/2006/main" showMasterSp="0" preserve="1" userDrawn="1">
-  <p:cSld name="8_Title Slide">
-    <p:spTree>
-      <p:nvGrpSpPr>
-        <p:cNvPr id="1" name=""/>
-        <p:cNvGrpSpPr/>
-        <p:nvPr/>
-      </p:nvGrpSpPr>
-      <p:grpSpPr>
-        <a:xfrm>
-          <a:off x="0" y="0"/>
-          <a:ext cx="0" cy="0"/>
-          <a:chOff x="0" y="0"/>
-          <a:chExt cx="0" cy="0"/>
-        </a:xfrm>
-      </p:grpSpPr>
-      <p:sp>
-        <p:nvSpPr>
-          <p:cNvPr id="4" name="Rectangle 3">
-            <a:extLst>
-              <a:ext uri="{FF2B5EF4-FFF2-40B4-BE49-F238E27FC236}">
-                <a16:creationId xmlns:a16="http://schemas.microsoft.com/office/drawing/2014/main" id="{2E2177C6-060C-4445-8C10-ADA6D3CE5F74}"/>
-              </a:ext>
-            </a:extLst>
-          </p:cNvPr>
-          <p:cNvSpPr/>
-          <p:nvPr userDrawn="1"/>
-        </p:nvSpPr>
-        <p:spPr>
-          <a:xfrm>
-            <a:off x="0" y="6186396"/>
-            <a:ext cx="12188825" cy="671604"/>
-          </a:xfrm>
-          <a:prstGeom prst="rect">
-            <a:avLst/>
-          </a:prstGeom>
-          <a:solidFill>
-            <a:schemeClr val="accent1">
-              <a:lumMod val="75000"/>
-            </a:schemeClr>
-          </a:solidFill>
-          <a:ln>
-            <a:noFill/>
-          </a:ln>
-          <a:effectLst/>
-          <a:scene3d>
-            <a:camera prst="orthographicFront">
-              <a:rot lat="0" lon="0" rev="0"/>
-            </a:camera>
-            <a:lightRig rig="threePt" dir="t">
-              <a:rot lat="0" lon="0" rev="1200000"/>
-            </a:lightRig>
-          </a:scene3d>
-          <a:sp3d/>
-        </p:spPr>
-        <p:style>
-          <a:lnRef idx="0">
-            <a:schemeClr val="accent1"/>
-          </a:lnRef>
-          <a:fillRef idx="3">
-            <a:schemeClr val="accent1"/>
-          </a:fillRef>
-          <a:effectRef idx="3">
-            <a:schemeClr val="accent1"/>
-          </a:effectRef>
-          <a:fontRef idx="minor">
-            <a:schemeClr val="lt1"/>
-          </a:fontRef>
-        </p:style>
-        <p:txBody>
-          <a:bodyPr rot="0" spcFirstLastPara="0" vertOverflow="overflow" horzOverflow="overflow" vert="horz" wrap="square" lIns="548640" tIns="45720" rIns="45720" bIns="45720" numCol="1" spcCol="0" rtlCol="0" fromWordArt="0" anchor="ctr" anchorCtr="0" forceAA="0" compatLnSpc="1">
-            <a:prstTxWarp prst="textNoShape">
-              <a:avLst/>
-            </a:prstTxWarp>
-            <a:noAutofit/>
-          </a:bodyPr>
-          <a:lstStyle/>
-          <a:p>
-            <a:pPr algn="l">
-              <a:lnSpc>
-                <a:spcPct val="90000"/>
-              </a:lnSpc>
-            </a:pPr>
-            <a:r>
-              <a:rPr lang="en-US" sz="1600" dirty="0">
-                <a:ln>
-                  <a:noFill/>
-                </a:ln>
-                <a:solidFill>
-                  <a:schemeClr val="bg1"/>
-                </a:solidFill>
-              </a:rPr>
-              <a:t>exascaleproject.org</a:t>
-            </a:r>
-          </a:p>
-        </p:txBody>
-      </p:sp>
-      <p:sp>
-        <p:nvSpPr>
-          <p:cNvPr id="22" name="Rectangle 21"/>
-          <p:cNvSpPr/>
-          <p:nvPr userDrawn="1"/>
-        </p:nvSpPr>
-        <p:spPr>
-          <a:xfrm>
-            <a:off x="8305800" y="5921829"/>
-            <a:ext cx="3883025" cy="936171"/>
-          </a:xfrm>
-          <a:prstGeom prst="rect">
-            <a:avLst/>
-          </a:prstGeom>
-          <a:noFill/>
-          <a:ln>
-            <a:noFill/>
-          </a:ln>
-          <a:effectLst/>
-          <a:scene3d>
-            <a:camera prst="orthographicFront">
-              <a:rot lat="0" lon="0" rev="0"/>
-            </a:camera>
-            <a:lightRig rig="threePt" dir="t">
-              <a:rot lat="0" lon="0" rev="1200000"/>
-            </a:lightRig>
-          </a:scene3d>
-          <a:sp3d/>
-        </p:spPr>
-        <p:style>
-          <a:lnRef idx="0">
-            <a:schemeClr val="accent1"/>
-          </a:lnRef>
-          <a:fillRef idx="3">
-            <a:schemeClr val="accent1"/>
-          </a:fillRef>
-          <a:effectRef idx="3">
-            <a:schemeClr val="accent1"/>
-          </a:effectRef>
-          <a:fontRef idx="minor">
-            <a:schemeClr val="lt1"/>
-          </a:fontRef>
-        </p:style>
-        <p:txBody>
-          <a:bodyPr rot="0" spcFirstLastPara="0" vertOverflow="overflow" horzOverflow="overflow" vert="horz" wrap="square" lIns="45720" tIns="45720" rIns="45720" bIns="45720" numCol="1" spcCol="0" rtlCol="0" fromWordArt="0" anchor="ctr" anchorCtr="0" forceAA="0" compatLnSpc="1">
-            <a:prstTxWarp prst="textNoShape">
-              <a:avLst/>
-            </a:prstTxWarp>
-            <a:noAutofit/>
-          </a:bodyPr>
-          <a:lstStyle/>
-          <a:p>
-            <a:pPr algn="ctr">
-              <a:lnSpc>
-                <a:spcPct val="90000"/>
-              </a:lnSpc>
-            </a:pPr>
-            <a:endParaRPr lang="en-US" dirty="0">
-              <a:solidFill>
-                <a:schemeClr val="tx1"/>
-              </a:solidFill>
-            </a:endParaRPr>
-          </a:p>
-        </p:txBody>
-      </p:sp>
-      <p:sp>
-        <p:nvSpPr>
-          <p:cNvPr id="2" name="Title 1"/>
-          <p:cNvSpPr>
-            <a:spLocks noGrp="1"/>
-          </p:cNvSpPr>
-          <p:nvPr userDrawn="1">
-            <p:ph type="ctrTitle"/>
-          </p:nvPr>
-        </p:nvSpPr>
-        <p:spPr>
-          <a:xfrm>
-            <a:off x="3177633" y="503144"/>
-            <a:ext cx="8292316" cy="1030930"/>
-          </a:xfrm>
-        </p:spPr>
-        <p:txBody>
-          <a:bodyPr anchor="b"/>
-          <a:lstStyle>
-            <a:lvl1pPr algn="l">
-              <a:defRPr sz="3200" b="1">
-                <a:solidFill>
-                  <a:schemeClr val="tx1"/>
-                </a:solidFill>
-                <a:latin typeface="+mn-lt"/>
-              </a:defRPr>
-            </a:lvl1pPr>
-          </a:lstStyle>
-          <a:p>
-            <a:r>
-              <a:rPr lang="en-US"/>
-              <a:t>Click to edit Master title style</a:t>
-            </a:r>
-            <a:endParaRPr lang="en-US" dirty="0"/>
-          </a:p>
-        </p:txBody>
-      </p:sp>
-      <p:sp>
-        <p:nvSpPr>
-          <p:cNvPr id="3" name="Subtitle 2"/>
-          <p:cNvSpPr>
-            <a:spLocks noGrp="1"/>
-          </p:cNvSpPr>
-          <p:nvPr userDrawn="1">
-            <p:ph type="subTitle" idx="1"/>
-          </p:nvPr>
-        </p:nvSpPr>
-        <p:spPr>
-          <a:xfrm>
-            <a:off x="3177632" y="2085962"/>
-            <a:ext cx="8292317" cy="2855300"/>
-          </a:xfrm>
-        </p:spPr>
-        <p:txBody>
-          <a:bodyPr lIns="109728"/>
-          <a:lstStyle>
-            <a:lvl1pPr marL="0" indent="0" algn="l">
-              <a:buNone/>
-              <a:defRPr sz="2400">
-                <a:solidFill>
-                  <a:schemeClr val="tx1"/>
-                </a:solidFill>
-                <a:latin typeface="Arial" panose="020B0604020202020204" pitchFamily="34" charset="0"/>
-                <a:cs typeface="Arial" panose="020B0604020202020204" pitchFamily="34" charset="0"/>
-              </a:defRPr>
-            </a:lvl1pPr>
-            <a:lvl2pPr marL="457200" indent="0" algn="ctr">
-              <a:buNone/>
-              <a:defRPr>
-                <a:solidFill>
-                  <a:schemeClr val="tx1">
-                    <a:tint val="75000"/>
-                  </a:schemeClr>
-                </a:solidFill>
-              </a:defRPr>
-            </a:lvl2pPr>
-            <a:lvl3pPr marL="914400" indent="0" algn="ctr">
-              <a:buNone/>
-              <a:defRPr>
-                <a:solidFill>
-                  <a:schemeClr val="tx1">
-                    <a:tint val="75000"/>
-                  </a:schemeClr>
-                </a:solidFill>
-              </a:defRPr>
-            </a:lvl3pPr>
-            <a:lvl4pPr marL="1371600" indent="0" algn="ctr">
-              <a:buNone/>
-              <a:defRPr>
-                <a:solidFill>
-                  <a:schemeClr val="tx1">
-                    <a:tint val="75000"/>
-                  </a:schemeClr>
-                </a:solidFill>
-              </a:defRPr>
-            </a:lvl4pPr>
-            <a:lvl5pPr marL="1828800" indent="0" algn="ctr">
-              <a:buNone/>
-              <a:defRPr>
-                <a:solidFill>
-                  <a:schemeClr val="tx1">
-                    <a:tint val="75000"/>
-                  </a:schemeClr>
-                </a:solidFill>
-              </a:defRPr>
-            </a:lvl5pPr>
-            <a:lvl6pPr marL="2286000" indent="0" algn="ctr">
-              <a:buNone/>
-              <a:defRPr>
-                <a:solidFill>
-                  <a:schemeClr val="tx1">
-                    <a:tint val="75000"/>
-                  </a:schemeClr>
-                </a:solidFill>
-              </a:defRPr>
-            </a:lvl6pPr>
-            <a:lvl7pPr marL="2743200" indent="0" algn="ctr">
-              <a:buNone/>
-              <a:defRPr>
-                <a:solidFill>
-                  <a:schemeClr val="tx1">
-                    <a:tint val="75000"/>
-                  </a:schemeClr>
-                </a:solidFill>
-              </a:defRPr>
-            </a:lvl7pPr>
-            <a:lvl8pPr marL="3200400" indent="0" algn="ctr">
-              <a:buNone/>
-              <a:defRPr>
-                <a:solidFill>
-                  <a:schemeClr val="tx1">
-                    <a:tint val="75000"/>
-                  </a:schemeClr>
-                </a:solidFill>
-              </a:defRPr>
-            </a:lvl8pPr>
-            <a:lvl9pPr marL="3657600" indent="0" algn="ctr">
-              <a:buNone/>
-              <a:defRPr>
-                <a:solidFill>
-                  <a:schemeClr val="tx1">
-                    <a:tint val="75000"/>
-                  </a:schemeClr>
-                </a:solidFill>
-              </a:defRPr>
-            </a:lvl9pPr>
-          </a:lstStyle>
-          <a:p>
-            <a:r>
-              <a:rPr lang="en-US"/>
-              <a:t>Click to edit Master subtitle style</a:t>
-            </a:r>
-            <a:endParaRPr lang="en-US" dirty="0"/>
           </a:p>
         </p:txBody>
       </p:sp>
@@ -1784,6 +1189,852 @@
           </a:prstGeom>
         </p:spPr>
       </p:pic>
+      <p:sp>
+        <p:nvSpPr>
+          <p:cNvPr id="6" name="Text Placeholder 5">
+            <a:extLst>
+              <a:ext uri="{FF2B5EF4-FFF2-40B4-BE49-F238E27FC236}">
+                <a16:creationId xmlns:a16="http://schemas.microsoft.com/office/drawing/2014/main" id="{516372F2-F09E-4139-B638-4F1B290B77B9}"/>
+              </a:ext>
+            </a:extLst>
+          </p:cNvPr>
+          <p:cNvSpPr>
+            <a:spLocks noGrp="1"/>
+          </p:cNvSpPr>
+          <p:nvPr>
+            <p:ph type="body" sz="quarter" idx="10" hasCustomPrompt="1"/>
+          </p:nvPr>
+        </p:nvSpPr>
+        <p:spPr>
+          <a:xfrm>
+            <a:off x="9335896" y="5913283"/>
+            <a:ext cx="2852929" cy="262814"/>
+          </a:xfrm>
+        </p:spPr>
+        <p:txBody>
+          <a:bodyPr/>
+          <a:lstStyle>
+            <a:lvl1pPr marL="0" indent="0" algn="r">
+              <a:buNone/>
+              <a:defRPr sz="1200"/>
+            </a:lvl1pPr>
+          </a:lstStyle>
+          <a:p>
+            <a:pPr lvl="0"/>
+            <a:r>
+              <a:rPr lang="en-US" dirty="0"/>
+              <a:t>R&amp;R number (if required)</a:t>
+            </a:r>
+          </a:p>
+        </p:txBody>
+      </p:sp>
+      <p:sp>
+        <p:nvSpPr>
+          <p:cNvPr id="9" name="Text Placeholder 8">
+            <a:extLst>
+              <a:ext uri="{FF2B5EF4-FFF2-40B4-BE49-F238E27FC236}">
+                <a16:creationId xmlns:a16="http://schemas.microsoft.com/office/drawing/2014/main" id="{7A08ED72-5D36-44C1-A3D6-C72E158E1FA6}"/>
+              </a:ext>
+            </a:extLst>
+          </p:cNvPr>
+          <p:cNvSpPr>
+            <a:spLocks noGrp="1"/>
+          </p:cNvSpPr>
+          <p:nvPr>
+            <p:ph type="body" sz="quarter" idx="11" hasCustomPrompt="1"/>
+          </p:nvPr>
+        </p:nvSpPr>
+        <p:spPr>
+          <a:xfrm>
+            <a:off x="3176924" y="2085870"/>
+            <a:ext cx="2427268" cy="424732"/>
+          </a:xfrm>
+        </p:spPr>
+        <p:txBody>
+          <a:bodyPr wrap="none">
+            <a:spAutoFit/>
+          </a:bodyPr>
+          <a:lstStyle>
+            <a:lvl1pPr marL="0" indent="0">
+              <a:buNone/>
+              <a:defRPr u="sng"/>
+            </a:lvl1pPr>
+          </a:lstStyle>
+          <a:p>
+            <a:pPr lvl="0"/>
+            <a:r>
+              <a:rPr lang="en-US" dirty="0"/>
+              <a:t>Presenter Name</a:t>
+            </a:r>
+          </a:p>
+        </p:txBody>
+      </p:sp>
+      <p:sp>
+        <p:nvSpPr>
+          <p:cNvPr id="11" name="Text Placeholder 10">
+            <a:extLst>
+              <a:ext uri="{FF2B5EF4-FFF2-40B4-BE49-F238E27FC236}">
+                <a16:creationId xmlns:a16="http://schemas.microsoft.com/office/drawing/2014/main" id="{07C2C5E0-3F9A-4B6C-82C6-FEE7176DA8DC}"/>
+              </a:ext>
+            </a:extLst>
+          </p:cNvPr>
+          <p:cNvSpPr>
+            <a:spLocks noGrp="1"/>
+          </p:cNvSpPr>
+          <p:nvPr>
+            <p:ph type="body" sz="quarter" idx="12" hasCustomPrompt="1"/>
+          </p:nvPr>
+        </p:nvSpPr>
+        <p:spPr>
+          <a:xfrm>
+            <a:off x="5667411" y="2134517"/>
+            <a:ext cx="1690167" cy="376085"/>
+          </a:xfrm>
+        </p:spPr>
+        <p:txBody>
+          <a:bodyPr>
+            <a:spAutoFit/>
+          </a:bodyPr>
+          <a:lstStyle>
+            <a:lvl1pPr marL="0" indent="0">
+              <a:buNone/>
+              <a:defRPr sz="2000"/>
+            </a:lvl1pPr>
+          </a:lstStyle>
+          <a:p>
+            <a:pPr lvl="0"/>
+            <a:r>
+              <a:rPr lang="en-US" dirty="0"/>
+              <a:t>(pronouns)</a:t>
+            </a:r>
+          </a:p>
+        </p:txBody>
+      </p:sp>
+      <p:sp>
+        <p:nvSpPr>
+          <p:cNvPr id="20" name="Text Placeholder 10">
+            <a:extLst>
+              <a:ext uri="{FF2B5EF4-FFF2-40B4-BE49-F238E27FC236}">
+                <a16:creationId xmlns:a16="http://schemas.microsoft.com/office/drawing/2014/main" id="{6EE16D41-009C-4DB1-A6DF-FEBADC8C343B}"/>
+              </a:ext>
+            </a:extLst>
+          </p:cNvPr>
+          <p:cNvSpPr>
+            <a:spLocks noGrp="1"/>
+          </p:cNvSpPr>
+          <p:nvPr>
+            <p:ph type="body" sz="quarter" idx="13" hasCustomPrompt="1"/>
+          </p:nvPr>
+        </p:nvSpPr>
+        <p:spPr>
+          <a:xfrm>
+            <a:off x="3176924" y="2459716"/>
+            <a:ext cx="8292315" cy="369332"/>
+          </a:xfrm>
+        </p:spPr>
+        <p:txBody>
+          <a:bodyPr wrap="square">
+            <a:spAutoFit/>
+          </a:bodyPr>
+          <a:lstStyle>
+            <a:lvl1pPr marL="0" indent="0">
+              <a:buNone/>
+              <a:defRPr sz="2000"/>
+            </a:lvl1pPr>
+          </a:lstStyle>
+          <a:p>
+            <a:pPr lvl="0"/>
+            <a:r>
+              <a:rPr lang="en-US" dirty="0"/>
+              <a:t>Long affiliation</a:t>
+            </a:r>
+          </a:p>
+        </p:txBody>
+      </p:sp>
+      <p:sp>
+        <p:nvSpPr>
+          <p:cNvPr id="21" name="Text Placeholder 10">
+            <a:extLst>
+              <a:ext uri="{FF2B5EF4-FFF2-40B4-BE49-F238E27FC236}">
+                <a16:creationId xmlns:a16="http://schemas.microsoft.com/office/drawing/2014/main" id="{8E791C6E-DB06-44D1-AB4E-AA0EF8215FBB}"/>
+              </a:ext>
+            </a:extLst>
+          </p:cNvPr>
+          <p:cNvSpPr>
+            <a:spLocks noGrp="1"/>
+          </p:cNvSpPr>
+          <p:nvPr>
+            <p:ph type="body" sz="quarter" idx="14" hasCustomPrompt="1"/>
+          </p:nvPr>
+        </p:nvSpPr>
+        <p:spPr>
+          <a:xfrm>
+            <a:off x="3176925" y="3161813"/>
+            <a:ext cx="8292316" cy="369332"/>
+          </a:xfrm>
+        </p:spPr>
+        <p:txBody>
+          <a:bodyPr wrap="square">
+            <a:spAutoFit/>
+          </a:bodyPr>
+          <a:lstStyle>
+            <a:lvl1pPr marL="0" indent="0">
+              <a:buNone/>
+              <a:defRPr sz="2000"/>
+            </a:lvl1pPr>
+          </a:lstStyle>
+          <a:p>
+            <a:pPr lvl="0"/>
+            <a:r>
+              <a:rPr lang="en-US" dirty="0"/>
+              <a:t>Tutorial title @ Venue</a:t>
+            </a:r>
+          </a:p>
+        </p:txBody>
+      </p:sp>
+      <p:sp>
+        <p:nvSpPr>
+          <p:cNvPr id="23" name="Text Placeholder 10">
+            <a:extLst>
+              <a:ext uri="{FF2B5EF4-FFF2-40B4-BE49-F238E27FC236}">
+                <a16:creationId xmlns:a16="http://schemas.microsoft.com/office/drawing/2014/main" id="{AA4CD3CE-55B5-4132-9AC3-B94506768C36}"/>
+              </a:ext>
+            </a:extLst>
+          </p:cNvPr>
+          <p:cNvSpPr>
+            <a:spLocks noGrp="1"/>
+          </p:cNvSpPr>
+          <p:nvPr>
+            <p:ph type="body" sz="quarter" idx="15" hasCustomPrompt="1"/>
+          </p:nvPr>
+        </p:nvSpPr>
+        <p:spPr>
+          <a:xfrm>
+            <a:off x="3176924" y="3792588"/>
+            <a:ext cx="8292316" cy="646331"/>
+          </a:xfrm>
+        </p:spPr>
+        <p:txBody>
+          <a:bodyPr wrap="square">
+            <a:spAutoFit/>
+          </a:bodyPr>
+          <a:lstStyle>
+            <a:lvl1pPr marL="0" indent="0">
+              <a:buNone/>
+              <a:defRPr sz="2000"/>
+            </a:lvl1pPr>
+          </a:lstStyle>
+          <a:p>
+            <a:pPr>
+              <a:spcBef>
+                <a:spcPts val="2800"/>
+              </a:spcBef>
+            </a:pPr>
+            <a:r>
+              <a:rPr lang="en-US" sz="2000" dirty="0"/>
+              <a:t>Contributors: Contributor Name (short affiliation), … in alphabetical order</a:t>
+            </a:r>
+          </a:p>
+        </p:txBody>
+      </p:sp>
+    </p:spTree>
+    <p:extLst>
+      <p:ext uri="{BB962C8B-B14F-4D97-AF65-F5344CB8AC3E}">
+        <p14:creationId xmlns:p14="http://schemas.microsoft.com/office/powerpoint/2010/main" val="4107341702"/>
+      </p:ext>
+    </p:extLst>
+  </p:cSld>
+  <p:clrMapOvr>
+    <a:masterClrMapping/>
+  </p:clrMapOvr>
+</p:sldLayout>
+</file>
+
+<file path=ppt/slideLayouts/slideLayout2.xml><?xml version="1.0" encoding="utf-8"?>
+<p:sldLayout xmlns:a="http://schemas.openxmlformats.org/drawingml/2006/main" xmlns:r="http://schemas.openxmlformats.org/officeDocument/2006/relationships" xmlns:p="http://schemas.openxmlformats.org/presentationml/2006/main" showMasterSp="0" preserve="1" userDrawn="1">
+  <p:cSld name="8_Title Slide">
+    <p:spTree>
+      <p:nvGrpSpPr>
+        <p:cNvPr id="1" name=""/>
+        <p:cNvGrpSpPr/>
+        <p:nvPr/>
+      </p:nvGrpSpPr>
+      <p:grpSpPr>
+        <a:xfrm>
+          <a:off x="0" y="0"/>
+          <a:ext cx="0" cy="0"/>
+          <a:chOff x="0" y="0"/>
+          <a:chExt cx="0" cy="0"/>
+        </a:xfrm>
+      </p:grpSpPr>
+      <p:sp>
+        <p:nvSpPr>
+          <p:cNvPr id="4" name="Rectangle 3">
+            <a:extLst>
+              <a:ext uri="{FF2B5EF4-FFF2-40B4-BE49-F238E27FC236}">
+                <a16:creationId xmlns:a16="http://schemas.microsoft.com/office/drawing/2014/main" id="{2E2177C6-060C-4445-8C10-ADA6D3CE5F74}"/>
+              </a:ext>
+            </a:extLst>
+          </p:cNvPr>
+          <p:cNvSpPr/>
+          <p:nvPr userDrawn="1"/>
+        </p:nvSpPr>
+        <p:spPr>
+          <a:xfrm>
+            <a:off x="0" y="6186396"/>
+            <a:ext cx="12188825" cy="671604"/>
+          </a:xfrm>
+          <a:prstGeom prst="rect">
+            <a:avLst/>
+          </a:prstGeom>
+          <a:solidFill>
+            <a:schemeClr val="accent1">
+              <a:lumMod val="75000"/>
+            </a:schemeClr>
+          </a:solidFill>
+          <a:ln>
+            <a:noFill/>
+          </a:ln>
+          <a:effectLst/>
+          <a:scene3d>
+            <a:camera prst="orthographicFront">
+              <a:rot lat="0" lon="0" rev="0"/>
+            </a:camera>
+            <a:lightRig rig="threePt" dir="t">
+              <a:rot lat="0" lon="0" rev="1200000"/>
+            </a:lightRig>
+          </a:scene3d>
+          <a:sp3d/>
+        </p:spPr>
+        <p:style>
+          <a:lnRef idx="0">
+            <a:schemeClr val="accent1"/>
+          </a:lnRef>
+          <a:fillRef idx="3">
+            <a:schemeClr val="accent1"/>
+          </a:fillRef>
+          <a:effectRef idx="3">
+            <a:schemeClr val="accent1"/>
+          </a:effectRef>
+          <a:fontRef idx="minor">
+            <a:schemeClr val="lt1"/>
+          </a:fontRef>
+        </p:style>
+        <p:txBody>
+          <a:bodyPr rot="0" spcFirstLastPara="0" vertOverflow="overflow" horzOverflow="overflow" vert="horz" wrap="square" lIns="548640" tIns="45720" rIns="45720" bIns="45720" numCol="1" spcCol="0" rtlCol="0" fromWordArt="0" anchor="ctr" anchorCtr="0" forceAA="0" compatLnSpc="1">
+            <a:prstTxWarp prst="textNoShape">
+              <a:avLst/>
+            </a:prstTxWarp>
+            <a:noAutofit/>
+          </a:bodyPr>
+          <a:lstStyle/>
+          <a:p>
+            <a:pPr algn="l">
+              <a:lnSpc>
+                <a:spcPct val="90000"/>
+              </a:lnSpc>
+            </a:pPr>
+            <a:r>
+              <a:rPr lang="en-US" sz="1600" dirty="0">
+                <a:ln>
+                  <a:noFill/>
+                </a:ln>
+                <a:solidFill>
+                  <a:schemeClr val="bg1"/>
+                </a:solidFill>
+              </a:rPr>
+              <a:t>exascaleproject.org</a:t>
+            </a:r>
+          </a:p>
+        </p:txBody>
+      </p:sp>
+      <p:sp>
+        <p:nvSpPr>
+          <p:cNvPr id="22" name="Rectangle 21"/>
+          <p:cNvSpPr/>
+          <p:nvPr userDrawn="1"/>
+        </p:nvSpPr>
+        <p:spPr>
+          <a:xfrm>
+            <a:off x="8305800" y="5921829"/>
+            <a:ext cx="3883025" cy="936171"/>
+          </a:xfrm>
+          <a:prstGeom prst="rect">
+            <a:avLst/>
+          </a:prstGeom>
+          <a:noFill/>
+          <a:ln>
+            <a:noFill/>
+          </a:ln>
+          <a:effectLst/>
+          <a:scene3d>
+            <a:camera prst="orthographicFront">
+              <a:rot lat="0" lon="0" rev="0"/>
+            </a:camera>
+            <a:lightRig rig="threePt" dir="t">
+              <a:rot lat="0" lon="0" rev="1200000"/>
+            </a:lightRig>
+          </a:scene3d>
+          <a:sp3d/>
+        </p:spPr>
+        <p:style>
+          <a:lnRef idx="0">
+            <a:schemeClr val="accent1"/>
+          </a:lnRef>
+          <a:fillRef idx="3">
+            <a:schemeClr val="accent1"/>
+          </a:fillRef>
+          <a:effectRef idx="3">
+            <a:schemeClr val="accent1"/>
+          </a:effectRef>
+          <a:fontRef idx="minor">
+            <a:schemeClr val="lt1"/>
+          </a:fontRef>
+        </p:style>
+        <p:txBody>
+          <a:bodyPr rot="0" spcFirstLastPara="0" vertOverflow="overflow" horzOverflow="overflow" vert="horz" wrap="square" lIns="45720" tIns="45720" rIns="45720" bIns="45720" numCol="1" spcCol="0" rtlCol="0" fromWordArt="0" anchor="ctr" anchorCtr="0" forceAA="0" compatLnSpc="1">
+            <a:prstTxWarp prst="textNoShape">
+              <a:avLst/>
+            </a:prstTxWarp>
+            <a:noAutofit/>
+          </a:bodyPr>
+          <a:lstStyle/>
+          <a:p>
+            <a:pPr algn="ctr">
+              <a:lnSpc>
+                <a:spcPct val="90000"/>
+              </a:lnSpc>
+            </a:pPr>
+            <a:endParaRPr lang="en-US" dirty="0">
+              <a:solidFill>
+                <a:schemeClr val="tx1"/>
+              </a:solidFill>
+            </a:endParaRPr>
+          </a:p>
+        </p:txBody>
+      </p:sp>
+      <p:sp>
+        <p:nvSpPr>
+          <p:cNvPr id="2" name="Title 1"/>
+          <p:cNvSpPr>
+            <a:spLocks noGrp="1"/>
+          </p:cNvSpPr>
+          <p:nvPr userDrawn="1">
+            <p:ph type="ctrTitle"/>
+          </p:nvPr>
+        </p:nvSpPr>
+        <p:spPr>
+          <a:xfrm>
+            <a:off x="3177633" y="503144"/>
+            <a:ext cx="8292316" cy="1030930"/>
+          </a:xfrm>
+        </p:spPr>
+        <p:txBody>
+          <a:bodyPr anchor="b"/>
+          <a:lstStyle>
+            <a:lvl1pPr algn="l">
+              <a:defRPr sz="3200" b="1">
+                <a:solidFill>
+                  <a:schemeClr val="tx1"/>
+                </a:solidFill>
+                <a:latin typeface="+mn-lt"/>
+              </a:defRPr>
+            </a:lvl1pPr>
+          </a:lstStyle>
+          <a:p>
+            <a:r>
+              <a:rPr lang="en-US"/>
+              <a:t>Click to edit Master title style</a:t>
+            </a:r>
+            <a:endParaRPr lang="en-US" dirty="0"/>
+          </a:p>
+        </p:txBody>
+      </p:sp>
+      <p:sp>
+        <p:nvSpPr>
+          <p:cNvPr id="3" name="Subtitle 2"/>
+          <p:cNvSpPr>
+            <a:spLocks noGrp="1"/>
+          </p:cNvSpPr>
+          <p:nvPr userDrawn="1">
+            <p:ph type="subTitle" idx="1"/>
+          </p:nvPr>
+        </p:nvSpPr>
+        <p:spPr>
+          <a:xfrm>
+            <a:off x="3177632" y="2085962"/>
+            <a:ext cx="8292317" cy="2855300"/>
+          </a:xfrm>
+        </p:spPr>
+        <p:txBody>
+          <a:bodyPr lIns="109728"/>
+          <a:lstStyle>
+            <a:lvl1pPr marL="0" indent="0" algn="l">
+              <a:buNone/>
+              <a:defRPr sz="2400">
+                <a:solidFill>
+                  <a:schemeClr val="tx1"/>
+                </a:solidFill>
+                <a:latin typeface="Arial" panose="020B0604020202020204" pitchFamily="34" charset="0"/>
+                <a:cs typeface="Arial" panose="020B0604020202020204" pitchFamily="34" charset="0"/>
+              </a:defRPr>
+            </a:lvl1pPr>
+            <a:lvl2pPr marL="457200" indent="0" algn="ctr">
+              <a:buNone/>
+              <a:defRPr>
+                <a:solidFill>
+                  <a:schemeClr val="tx1">
+                    <a:tint val="75000"/>
+                  </a:schemeClr>
+                </a:solidFill>
+              </a:defRPr>
+            </a:lvl2pPr>
+            <a:lvl3pPr marL="914400" indent="0" algn="ctr">
+              <a:buNone/>
+              <a:defRPr>
+                <a:solidFill>
+                  <a:schemeClr val="tx1">
+                    <a:tint val="75000"/>
+                  </a:schemeClr>
+                </a:solidFill>
+              </a:defRPr>
+            </a:lvl3pPr>
+            <a:lvl4pPr marL="1371600" indent="0" algn="ctr">
+              <a:buNone/>
+              <a:defRPr>
+                <a:solidFill>
+                  <a:schemeClr val="tx1">
+                    <a:tint val="75000"/>
+                  </a:schemeClr>
+                </a:solidFill>
+              </a:defRPr>
+            </a:lvl4pPr>
+            <a:lvl5pPr marL="1828800" indent="0" algn="ctr">
+              <a:buNone/>
+              <a:defRPr>
+                <a:solidFill>
+                  <a:schemeClr val="tx1">
+                    <a:tint val="75000"/>
+                  </a:schemeClr>
+                </a:solidFill>
+              </a:defRPr>
+            </a:lvl5pPr>
+            <a:lvl6pPr marL="2286000" indent="0" algn="ctr">
+              <a:buNone/>
+              <a:defRPr>
+                <a:solidFill>
+                  <a:schemeClr val="tx1">
+                    <a:tint val="75000"/>
+                  </a:schemeClr>
+                </a:solidFill>
+              </a:defRPr>
+            </a:lvl6pPr>
+            <a:lvl7pPr marL="2743200" indent="0" algn="ctr">
+              <a:buNone/>
+              <a:defRPr>
+                <a:solidFill>
+                  <a:schemeClr val="tx1">
+                    <a:tint val="75000"/>
+                  </a:schemeClr>
+                </a:solidFill>
+              </a:defRPr>
+            </a:lvl7pPr>
+            <a:lvl8pPr marL="3200400" indent="0" algn="ctr">
+              <a:buNone/>
+              <a:defRPr>
+                <a:solidFill>
+                  <a:schemeClr val="tx1">
+                    <a:tint val="75000"/>
+                  </a:schemeClr>
+                </a:solidFill>
+              </a:defRPr>
+            </a:lvl8pPr>
+            <a:lvl9pPr marL="3657600" indent="0" algn="ctr">
+              <a:buNone/>
+              <a:defRPr>
+                <a:solidFill>
+                  <a:schemeClr val="tx1">
+                    <a:tint val="75000"/>
+                  </a:schemeClr>
+                </a:solidFill>
+              </a:defRPr>
+            </a:lvl9pPr>
+          </a:lstStyle>
+          <a:p>
+            <a:r>
+              <a:rPr lang="en-US"/>
+              <a:t>Click to edit Master subtitle style</a:t>
+            </a:r>
+            <a:endParaRPr lang="en-US" dirty="0"/>
+          </a:p>
+        </p:txBody>
+      </p:sp>
+      <p:pic>
+        <p:nvPicPr>
+          <p:cNvPr id="12" name="Picture 11"/>
+          <p:cNvPicPr>
+            <a:picLocks noChangeAspect="1"/>
+          </p:cNvPicPr>
+          <p:nvPr userDrawn="1"/>
+        </p:nvPicPr>
+        <p:blipFill>
+          <a:blip r:embed="rId2" cstate="print">
+            <a:extLst>
+              <a:ext uri="{28A0092B-C50C-407E-A947-70E740481C1C}">
+                <a14:useLocalDpi xmlns:a14="http://schemas.microsoft.com/office/drawing/2010/main" val="0"/>
+              </a:ext>
+            </a:extLst>
+          </a:blip>
+          <a:stretch>
+            <a:fillRect/>
+          </a:stretch>
+        </p:blipFill>
+        <p:spPr>
+          <a:xfrm>
+            <a:off x="362749" y="483164"/>
+            <a:ext cx="2050840" cy="935496"/>
+          </a:xfrm>
+          <a:prstGeom prst="rect">
+            <a:avLst/>
+          </a:prstGeom>
+        </p:spPr>
+      </p:pic>
+      <p:pic>
+        <p:nvPicPr>
+          <p:cNvPr id="16" name="Picture 15"/>
+          <p:cNvPicPr>
+            <a:picLocks noChangeAspect="1"/>
+          </p:cNvPicPr>
+          <p:nvPr userDrawn="1"/>
+        </p:nvPicPr>
+        <p:blipFill>
+          <a:blip r:embed="rId3" cstate="print">
+            <a:extLst>
+              <a:ext uri="{BEBA8EAE-BF5A-486C-A8C5-ECC9F3942E4B}">
+                <a14:imgProps xmlns:a14="http://schemas.microsoft.com/office/drawing/2010/main">
+                  <a14:imgLayer r:embed="rId4">
+                    <a14:imgEffect>
+                      <a14:brightnessContrast bright="100000"/>
+                    </a14:imgEffect>
+                  </a14:imgLayer>
+                </a14:imgProps>
+              </a:ext>
+              <a:ext uri="{28A0092B-C50C-407E-A947-70E740481C1C}">
+                <a14:useLocalDpi xmlns:a14="http://schemas.microsoft.com/office/drawing/2010/main" val="0"/>
+              </a:ext>
+            </a:extLst>
+          </a:blip>
+          <a:stretch>
+            <a:fillRect/>
+          </a:stretch>
+        </p:blipFill>
+        <p:spPr>
+          <a:xfrm>
+            <a:off x="7289921" y="6322747"/>
+            <a:ext cx="2409477" cy="401008"/>
+          </a:xfrm>
+          <a:prstGeom prst="rect">
+            <a:avLst/>
+          </a:prstGeom>
+        </p:spPr>
+      </p:pic>
+      <p:pic>
+        <p:nvPicPr>
+          <p:cNvPr id="17" name="Picture 16"/>
+          <p:cNvPicPr>
+            <a:picLocks noChangeAspect="1"/>
+          </p:cNvPicPr>
+          <p:nvPr userDrawn="1"/>
+        </p:nvPicPr>
+        <p:blipFill rotWithShape="1">
+          <a:blip r:embed="rId5" cstate="print">
+            <a:extLst>
+              <a:ext uri="{BEBA8EAE-BF5A-486C-A8C5-ECC9F3942E4B}">
+                <a14:imgProps xmlns:a14="http://schemas.microsoft.com/office/drawing/2010/main">
+                  <a14:imgLayer r:embed="rId6">
+                    <a14:imgEffect>
+                      <a14:brightnessContrast bright="100000"/>
+                    </a14:imgEffect>
+                  </a14:imgLayer>
+                </a14:imgProps>
+              </a:ext>
+              <a:ext uri="{28A0092B-C50C-407E-A947-70E740481C1C}">
+                <a14:useLocalDpi xmlns:a14="http://schemas.microsoft.com/office/drawing/2010/main" val="0"/>
+              </a:ext>
+            </a:extLst>
+          </a:blip>
+          <a:srcRect b="70693"/>
+          <a:stretch/>
+        </p:blipFill>
+        <p:spPr>
+          <a:xfrm>
+            <a:off x="10204521" y="6307740"/>
+            <a:ext cx="1367541" cy="428915"/>
+          </a:xfrm>
+          <a:prstGeom prst="rect">
+            <a:avLst/>
+          </a:prstGeom>
+        </p:spPr>
+      </p:pic>
+      <p:pic>
+        <p:nvPicPr>
+          <p:cNvPr id="8" name="Picture 7" descr="A picture containing shape&#10;&#10;Description automatically generated">
+            <a:extLst>
+              <a:ext uri="{FF2B5EF4-FFF2-40B4-BE49-F238E27FC236}">
+                <a16:creationId xmlns:a16="http://schemas.microsoft.com/office/drawing/2014/main" id="{C432A180-7341-4E28-8C2B-73F9AB53D13F}"/>
+              </a:ext>
+            </a:extLst>
+          </p:cNvPr>
+          <p:cNvPicPr>
+            <a:picLocks noChangeAspect="1"/>
+          </p:cNvPicPr>
+          <p:nvPr userDrawn="1"/>
+        </p:nvPicPr>
+        <p:blipFill>
+          <a:blip r:embed="rId7">
+            <a:extLst>
+              <a:ext uri="{28A0092B-C50C-407E-A947-70E740481C1C}">
+                <a14:useLocalDpi xmlns:a14="http://schemas.microsoft.com/office/drawing/2010/main" val="0"/>
+              </a:ext>
+            </a:extLst>
+          </a:blip>
+          <a:stretch>
+            <a:fillRect/>
+          </a:stretch>
+        </p:blipFill>
+        <p:spPr>
+          <a:xfrm>
+            <a:off x="333920" y="1848659"/>
+            <a:ext cx="2108499" cy="914400"/>
+          </a:xfrm>
+          <a:prstGeom prst="rect">
+            <a:avLst/>
+          </a:prstGeom>
+        </p:spPr>
+      </p:pic>
+      <p:pic>
+        <p:nvPicPr>
+          <p:cNvPr id="13" name="Picture 2" descr="https://licensebuttons.net/l/by/4.0/88x31.png">
+            <a:extLst>
+              <a:ext uri="{FF2B5EF4-FFF2-40B4-BE49-F238E27FC236}">
+                <a16:creationId xmlns:a16="http://schemas.microsoft.com/office/drawing/2014/main" id="{FAFD7D99-41CA-4FD0-9396-9C5659F22045}"/>
+              </a:ext>
+            </a:extLst>
+          </p:cNvPr>
+          <p:cNvPicPr>
+            <a:picLocks noChangeAspect="1" noChangeArrowheads="1"/>
+          </p:cNvPicPr>
+          <p:nvPr userDrawn="1"/>
+        </p:nvPicPr>
+        <p:blipFill>
+          <a:blip r:embed="rId8">
+            <a:extLst>
+              <a:ext uri="{28A0092B-C50C-407E-A947-70E740481C1C}">
+                <a14:useLocalDpi xmlns:a14="http://schemas.microsoft.com/office/drawing/2010/main" val="0"/>
+              </a:ext>
+            </a:extLst>
+          </a:blip>
+          <a:srcRect/>
+          <a:stretch>
+            <a:fillRect/>
+          </a:stretch>
+        </p:blipFill>
+        <p:spPr bwMode="auto">
+          <a:xfrm>
+            <a:off x="969069" y="5841262"/>
+            <a:ext cx="838200" cy="295275"/>
+          </a:xfrm>
+          <a:prstGeom prst="rect">
+            <a:avLst/>
+          </a:prstGeom>
+          <a:noFill/>
+          <a:extLst>
+            <a:ext uri="{909E8E84-426E-40DD-AFC4-6F175D3DCCD1}">
+              <a14:hiddenFill xmlns:a14="http://schemas.microsoft.com/office/drawing/2010/main">
+                <a:solidFill>
+                  <a:srgbClr val="FFFFFF"/>
+                </a:solidFill>
+              </a14:hiddenFill>
+            </a:ext>
+          </a:extLst>
+        </p:spPr>
+      </p:pic>
+      <p:sp>
+        <p:nvSpPr>
+          <p:cNvPr id="14" name="TextBox 13">
+            <a:extLst>
+              <a:ext uri="{FF2B5EF4-FFF2-40B4-BE49-F238E27FC236}">
+                <a16:creationId xmlns:a16="http://schemas.microsoft.com/office/drawing/2014/main" id="{9D022D1C-99FF-490C-8690-D8081D33C0AF}"/>
+              </a:ext>
+            </a:extLst>
+          </p:cNvPr>
+          <p:cNvSpPr txBox="1"/>
+          <p:nvPr userDrawn="1"/>
+        </p:nvSpPr>
+        <p:spPr>
+          <a:xfrm>
+            <a:off x="1810964" y="5776533"/>
+            <a:ext cx="1171114" cy="424732"/>
+          </a:xfrm>
+          <a:prstGeom prst="rect">
+            <a:avLst/>
+          </a:prstGeom>
+          <a:noFill/>
+        </p:spPr>
+        <p:txBody>
+          <a:bodyPr wrap="square" rtlCol="0">
+            <a:spAutoFit/>
+          </a:bodyPr>
+          <a:lstStyle/>
+          <a:p>
+            <a:pPr algn="ctr">
+              <a:lnSpc>
+                <a:spcPct val="90000"/>
+              </a:lnSpc>
+            </a:pPr>
+            <a:r>
+              <a:rPr lang="en-US" sz="1200" dirty="0"/>
+              <a:t>See slide 2 for license details</a:t>
+            </a:r>
+          </a:p>
+        </p:txBody>
+      </p:sp>
+      <p:pic>
+        <p:nvPicPr>
+          <p:cNvPr id="15" name="Picture 14">
+            <a:extLst>
+              <a:ext uri="{FF2B5EF4-FFF2-40B4-BE49-F238E27FC236}">
+                <a16:creationId xmlns:a16="http://schemas.microsoft.com/office/drawing/2014/main" id="{C554CDC7-44CF-4751-9869-0265C8E01840}"/>
+              </a:ext>
+            </a:extLst>
+          </p:cNvPr>
+          <p:cNvPicPr>
+            <a:picLocks noChangeAspect="1"/>
+          </p:cNvPicPr>
+          <p:nvPr userDrawn="1"/>
+        </p:nvPicPr>
+        <p:blipFill>
+          <a:blip r:embed="rId9" cstate="print">
+            <a:extLst>
+              <a:ext uri="{28A0092B-C50C-407E-A947-70E740481C1C}">
+                <a14:useLocalDpi xmlns:a14="http://schemas.microsoft.com/office/drawing/2010/main" val="0"/>
+              </a:ext>
+            </a:extLst>
+          </a:blip>
+          <a:stretch>
+            <a:fillRect/>
+          </a:stretch>
+        </p:blipFill>
+        <p:spPr>
+          <a:xfrm>
+            <a:off x="333211" y="3189686"/>
+            <a:ext cx="2109916" cy="905256"/>
+          </a:xfrm>
+          <a:prstGeom prst="rect">
+            <a:avLst/>
+          </a:prstGeom>
+        </p:spPr>
+      </p:pic>
     </p:spTree>
     <p:extLst>
       <p:ext uri="{BB962C8B-B14F-4D97-AF65-F5344CB8AC3E}">
@@ -3621,7 +3872,7 @@
   </p:cSld>
   <p:clrMap bg1="lt1" tx1="dk1" bg2="lt2" tx2="dk2" accent1="accent1" accent2="accent2" accent3="accent3" accent4="accent4" accent5="accent5" accent6="accent6" hlink="hlink" folHlink="folHlink"/>
   <p:sldLayoutIdLst>
-    <p:sldLayoutId id="2147483949" r:id="rId1"/>
+    <p:sldLayoutId id="2147483952" r:id="rId1"/>
     <p:sldLayoutId id="2147483951" r:id="rId2"/>
     <p:sldLayoutId id="2147483937" r:id="rId3"/>
     <p:sldLayoutId id="2147483939" r:id="rId4"/>
@@ -4088,10 +4339,10 @@
       </p:grpSpPr>
       <p:sp>
         <p:nvSpPr>
-          <p:cNvPr id="4" name="Title 3">
+          <p:cNvPr id="2" name="Title 1">
             <a:extLst>
               <a:ext uri="{FF2B5EF4-FFF2-40B4-BE49-F238E27FC236}">
-                <a16:creationId xmlns:a16="http://schemas.microsoft.com/office/drawing/2014/main" id="{321A77B7-F99D-49EA-A49F-D263718C48D7}"/>
+                <a16:creationId xmlns:a16="http://schemas.microsoft.com/office/drawing/2014/main" id="{0AAFB3B4-69DA-4728-BD80-41CE41CDE796}"/>
               </a:ext>
             </a:extLst>
           </p:cNvPr>
@@ -4116,10 +4367,10 @@
       </p:sp>
       <p:sp>
         <p:nvSpPr>
-          <p:cNvPr id="5" name="Subtitle 4">
+          <p:cNvPr id="3" name="Text Placeholder 2">
             <a:extLst>
               <a:ext uri="{FF2B5EF4-FFF2-40B4-BE49-F238E27FC236}">
-                <a16:creationId xmlns:a16="http://schemas.microsoft.com/office/drawing/2014/main" id="{E9C36191-4CD4-4D95-BBB8-C25F2055F697}"/>
+                <a16:creationId xmlns:a16="http://schemas.microsoft.com/office/drawing/2014/main" id="{A99BF10E-A133-4BAB-A18B-C7563472A356}"/>
               </a:ext>
             </a:extLst>
           </p:cNvPr>
@@ -4127,7 +4378,7 @@
             <a:spLocks noGrp="1"/>
           </p:cNvSpPr>
           <p:nvPr>
-            <p:ph type="subTitle" idx="1"/>
+            <p:ph type="body" sz="quarter" idx="10"/>
           </p:nvPr>
         </p:nvSpPr>
         <p:spPr/>
@@ -4135,63 +4386,190 @@
           <a:bodyPr/>
           <a:lstStyle/>
           <a:p>
-            <a:r>
-              <a:rPr lang="en-US" u="sng" dirty="0"/>
-              <a:t>David E. Bernholdt </a:t>
-            </a:r>
-            <a:br>
-              <a:rPr lang="en-US" u="sng" dirty="0"/>
-            </a:br>
+            <a:endParaRPr lang="en-US"/>
+          </a:p>
+        </p:txBody>
+      </p:sp>
+      <p:sp>
+        <p:nvSpPr>
+          <p:cNvPr id="4" name="Text Placeholder 3">
+            <a:extLst>
+              <a:ext uri="{FF2B5EF4-FFF2-40B4-BE49-F238E27FC236}">
+                <a16:creationId xmlns:a16="http://schemas.microsoft.com/office/drawing/2014/main" id="{CAA49102-FA8F-46A7-83A0-A9A05667E16E}"/>
+              </a:ext>
+            </a:extLst>
+          </p:cNvPr>
+          <p:cNvSpPr>
+            <a:spLocks noGrp="1"/>
+          </p:cNvSpPr>
+          <p:nvPr>
+            <p:ph type="body" sz="quarter" idx="11"/>
+          </p:nvPr>
+        </p:nvSpPr>
+        <p:spPr>
+          <a:xfrm>
+            <a:off x="3176924" y="2085870"/>
+            <a:ext cx="2752677" cy="424732"/>
+          </a:xfrm>
+        </p:spPr>
+        <p:txBody>
+          <a:bodyPr/>
+          <a:lstStyle/>
+          <a:p>
+            <a:r>
+              <a:rPr lang="en-US" dirty="0"/>
+              <a:t>David E. Bernholdt</a:t>
+            </a:r>
+          </a:p>
+        </p:txBody>
+      </p:sp>
+      <p:sp>
+        <p:nvSpPr>
+          <p:cNvPr id="5" name="Text Placeholder 4">
+            <a:extLst>
+              <a:ext uri="{FF2B5EF4-FFF2-40B4-BE49-F238E27FC236}">
+                <a16:creationId xmlns:a16="http://schemas.microsoft.com/office/drawing/2014/main" id="{65EE6617-5516-4E55-AE7E-7E31417CEDFF}"/>
+              </a:ext>
+            </a:extLst>
+          </p:cNvPr>
+          <p:cNvSpPr>
+            <a:spLocks noGrp="1"/>
+          </p:cNvSpPr>
+          <p:nvPr>
+            <p:ph type="body" sz="quarter" idx="12"/>
+          </p:nvPr>
+        </p:nvSpPr>
+        <p:spPr>
+          <a:xfrm>
+            <a:off x="5819811" y="2134517"/>
+            <a:ext cx="1690167" cy="376085"/>
+          </a:xfrm>
+        </p:spPr>
+        <p:txBody>
+          <a:bodyPr/>
+          <a:lstStyle/>
+          <a:p>
+            <a:r>
+              <a:rPr lang="en-US" dirty="0"/>
+              <a:t>(he/him)</a:t>
+            </a:r>
+          </a:p>
+        </p:txBody>
+      </p:sp>
+      <p:sp>
+        <p:nvSpPr>
+          <p:cNvPr id="6" name="Text Placeholder 5">
+            <a:extLst>
+              <a:ext uri="{FF2B5EF4-FFF2-40B4-BE49-F238E27FC236}">
+                <a16:creationId xmlns:a16="http://schemas.microsoft.com/office/drawing/2014/main" id="{A2D55B71-8B0F-4FB0-8981-1394D64313AD}"/>
+              </a:ext>
+            </a:extLst>
+          </p:cNvPr>
+          <p:cNvSpPr>
+            <a:spLocks noGrp="1"/>
+          </p:cNvSpPr>
+          <p:nvPr>
+            <p:ph type="body" sz="quarter" idx="13"/>
+          </p:nvPr>
+        </p:nvSpPr>
+        <p:spPr/>
+        <p:txBody>
+          <a:bodyPr/>
+          <a:lstStyle/>
+          <a:p>
+            <a:r>
+              <a:rPr lang="en-US" dirty="0"/>
+              <a:t>Oak Ridge National Laboratory</a:t>
+            </a:r>
+          </a:p>
+        </p:txBody>
+      </p:sp>
+      <p:sp>
+        <p:nvSpPr>
+          <p:cNvPr id="7" name="Text Placeholder 6">
+            <a:extLst>
+              <a:ext uri="{FF2B5EF4-FFF2-40B4-BE49-F238E27FC236}">
+                <a16:creationId xmlns:a16="http://schemas.microsoft.com/office/drawing/2014/main" id="{F5829A8F-4A06-4B9D-8269-0962AD5516DA}"/>
+              </a:ext>
+            </a:extLst>
+          </p:cNvPr>
+          <p:cNvSpPr>
+            <a:spLocks noGrp="1"/>
+          </p:cNvSpPr>
+          <p:nvPr>
+            <p:ph type="body" sz="quarter" idx="14"/>
+          </p:nvPr>
+        </p:nvSpPr>
+        <p:spPr>
+          <a:xfrm>
+            <a:off x="3176925" y="3161813"/>
+            <a:ext cx="8292316" cy="1102866"/>
+          </a:xfrm>
+        </p:spPr>
+        <p:txBody>
+          <a:bodyPr/>
+          <a:lstStyle/>
+          <a:p>
             <a:r>
               <a:rPr lang="en-US" sz="2000" dirty="0"/>
-              <a:t>Oak Ridge National Laboratory</a:t>
-            </a:r>
-          </a:p>
-          <a:p>
-            <a:r>
-              <a:rPr lang="en-US" dirty="0"/>
-              <a:t>James </a:t>
-            </a:r>
-            <a:r>
-              <a:rPr lang="en-US" dirty="0" err="1"/>
+              <a:t>Software Productivity and Sustainability track @ Argonne Training Program on Extreme-Scale Computing summer school</a:t>
+            </a:r>
+          </a:p>
+          <a:p>
+            <a:endParaRPr lang="en-US" dirty="0"/>
+          </a:p>
+        </p:txBody>
+      </p:sp>
+      <p:sp>
+        <p:nvSpPr>
+          <p:cNvPr id="8" name="Text Placeholder 7">
+            <a:extLst>
+              <a:ext uri="{FF2B5EF4-FFF2-40B4-BE49-F238E27FC236}">
+                <a16:creationId xmlns:a16="http://schemas.microsoft.com/office/drawing/2014/main" id="{00425D42-C089-4CFF-BE75-87BF248450A9}"/>
+              </a:ext>
+            </a:extLst>
+          </p:cNvPr>
+          <p:cNvSpPr>
+            <a:spLocks noGrp="1"/>
+          </p:cNvSpPr>
+          <p:nvPr>
+            <p:ph type="body" sz="quarter" idx="15"/>
+          </p:nvPr>
+        </p:nvSpPr>
+        <p:spPr>
+          <a:xfrm>
+            <a:off x="3176924" y="4265028"/>
+            <a:ext cx="8292316" cy="646331"/>
+          </a:xfrm>
+        </p:spPr>
+        <p:txBody>
+          <a:bodyPr/>
+          <a:lstStyle/>
+          <a:p>
+            <a:r>
+              <a:rPr lang="en-US" dirty="0"/>
+              <a:t>Contributors: </a:t>
+            </a:r>
+            <a:r>
+              <a:rPr lang="en-US" sz="2000" dirty="0"/>
+              <a:t>David E. Bernholdt (ORNL), Michael A. Heroux (SNL), James </a:t>
+            </a:r>
+            <a:r>
+              <a:rPr lang="en-US" sz="2000" dirty="0" err="1"/>
               <a:t>Willenbring</a:t>
             </a:r>
             <a:r>
-              <a:rPr lang="en-US" dirty="0"/>
-              <a:t>, Michael A. </a:t>
-            </a:r>
-            <a:r>
-              <a:rPr lang="en-US" dirty="0" err="1"/>
-              <a:t>Heroux</a:t>
-            </a:r>
-            <a:br>
-              <a:rPr lang="en-US" dirty="0"/>
-            </a:br>
-            <a:r>
               <a:rPr lang="en-US" sz="2000" dirty="0"/>
-              <a:t>Sandia National Laboratories</a:t>
+              <a:t> (SNL)</a:t>
             </a:r>
             <a:endParaRPr lang="en-US" dirty="0"/>
-          </a:p>
-          <a:p>
-            <a:r>
-              <a:rPr lang="en-US" sz="2000" dirty="0"/>
-              <a:t>Better Scientific Software Tutorial</a:t>
-            </a:r>
-            <a:br>
-              <a:rPr lang="en-US" sz="2000" dirty="0"/>
-            </a:br>
-            <a:r>
-              <a:rPr lang="en-US" sz="2000" dirty="0"/>
-              <a:t>SC19, Denver, Colorado</a:t>
-            </a:r>
           </a:p>
         </p:txBody>
       </p:sp>
     </p:spTree>
     <p:extLst>
       <p:ext uri="{BB962C8B-B14F-4D97-AF65-F5344CB8AC3E}">
-        <p14:creationId xmlns:p14="http://schemas.microsoft.com/office/powerpoint/2010/main" val="136510035"/>
+        <p14:creationId xmlns:p14="http://schemas.microsoft.com/office/powerpoint/2010/main" val="2194705569"/>
       </p:ext>
     </p:extLst>
   </p:cSld>
@@ -4234,10 +4612,9 @@
           <a:lstStyle/>
           <a:p>
             <a:r>
-              <a:rPr lang="en-US"/>
-              <a:t>What is a derivative work?</a:t>
-            </a:r>
-            <a:endParaRPr lang="en-US" dirty="0"/>
+              <a:rPr lang="en-US" dirty="0"/>
+              <a:t>What is a Derivative Work?</a:t>
+            </a:r>
           </a:p>
         </p:txBody>
       </p:sp>
@@ -4376,7 +4753,7 @@
           <a:p>
             <a:r>
               <a:rPr lang="en-US" dirty="0"/>
-              <a:t>Test: Is this an open source license?</a:t>
+              <a:t>Test: Is this an Open Source License?</a:t>
             </a:r>
             <a:br>
               <a:rPr lang="en-US" dirty="0"/>
@@ -4555,7 +4932,7 @@
             </a:r>
             <a:r>
               <a:rPr lang="en-US" dirty="0"/>
-              <a:t>Is this an open source license? </a:t>
+              <a:t>Is this an Open Source License? </a:t>
             </a:r>
             <a:r>
               <a:rPr lang="en-US" dirty="0">
@@ -4743,7 +5120,7 @@
           <a:p>
             <a:r>
               <a:rPr lang="en-US" dirty="0"/>
-              <a:t>Choosing a license</a:t>
+              <a:t>Choosing a License</a:t>
             </a:r>
           </a:p>
         </p:txBody>
@@ -4797,7 +5174,7 @@
           <a:p>
             <a:r>
               <a:rPr lang="en-US" dirty="0"/>
-              <a:t>Considerations in choosing a license</a:t>
+              <a:t>Considerations in Choosing a License</a:t>
             </a:r>
           </a:p>
         </p:txBody>
@@ -5081,7 +5458,7 @@
           <a:p>
             <a:r>
               <a:rPr lang="en-US" dirty="0"/>
-              <a:t>Popular OSI-approved licenses</a:t>
+              <a:t>Popular OSI-Approved Licenses</a:t>
             </a:r>
           </a:p>
         </p:txBody>
@@ -6119,7 +6496,7 @@
           <a:p>
             <a:r>
               <a:rPr lang="en-US" dirty="0"/>
-              <a:t>Consideration: Software business models</a:t>
+              <a:t>Consideration: Software Business Models</a:t>
             </a:r>
           </a:p>
         </p:txBody>
@@ -6870,7 +7247,23 @@
           <a:p>
             <a:r>
               <a:rPr lang="en-US" sz="2800" dirty="0"/>
-              <a:t>Consideration: Don’t want others to profit from my open source software</a:t>
+              <a:t>Consideration: Don’t Want </a:t>
+            </a:r>
+            <a:r>
+              <a:rPr lang="en-US" dirty="0"/>
+              <a:t>O</a:t>
+            </a:r>
+            <a:r>
+              <a:rPr lang="en-US" sz="2800" dirty="0"/>
+              <a:t>thers to Profit from my Open Source </a:t>
+            </a:r>
+            <a:r>
+              <a:rPr lang="en-US" dirty="0"/>
+              <a:t>S</a:t>
+            </a:r>
+            <a:r>
+              <a:rPr lang="en-US" sz="2800" dirty="0"/>
+              <a:t>oftware</a:t>
             </a:r>
           </a:p>
         </p:txBody>
@@ -7073,7 +7466,7 @@
           <a:p>
             <a:r>
               <a:rPr lang="en-US" dirty="0"/>
-              <a:t>The software-as-a-service conundrum</a:t>
+              <a:t>The Software-as-a-Service Conundrum</a:t>
             </a:r>
           </a:p>
         </p:txBody>
@@ -7526,7 +7919,7 @@
           <a:p>
             <a:r>
               <a:rPr lang="en-US" dirty="0"/>
-              <a:t>Consideration: Protecting my intellectual property</a:t>
+              <a:t>Consideration: Protecting my Intellectual Property</a:t>
             </a:r>
           </a:p>
         </p:txBody>
@@ -7655,7 +8048,7 @@
           <a:p>
             <a:r>
               <a:rPr lang="en-US" dirty="0"/>
-              <a:t>Patent clauses in software licenses</a:t>
+              <a:t>Patent Clauses in Software Licenses</a:t>
             </a:r>
           </a:p>
         </p:txBody>
@@ -7814,7 +8207,7 @@
           <a:p>
             <a:r>
               <a:rPr lang="en-US" dirty="0"/>
-              <a:t>License compatibility</a:t>
+              <a:t>License Compatibility</a:t>
             </a:r>
           </a:p>
         </p:txBody>
@@ -7973,7 +8366,7 @@
           <a:p>
             <a:r>
               <a:rPr lang="en-US" dirty="0"/>
-              <a:t>License compatibility in pictures</a:t>
+              <a:t>License Compatibility in Pictures</a:t>
             </a:r>
           </a:p>
         </p:txBody>
@@ -8153,7 +8546,7 @@
           <a:p>
             <a:r>
               <a:rPr lang="en-US" dirty="0"/>
-              <a:t>Considerations favoring open source</a:t>
+              <a:t>Considerations Favoring Open Source</a:t>
             </a:r>
           </a:p>
         </p:txBody>
@@ -8267,7 +8660,7 @@
           <a:p>
             <a:r>
               <a:rPr lang="en-US" dirty="0"/>
-              <a:t>A few more points about our real-world example</a:t>
+              <a:t>A Few More Points About our Real-World Example</a:t>
             </a:r>
           </a:p>
         </p:txBody>
@@ -8429,7 +8822,7 @@
                   <a:schemeClr val="accent1"/>
                 </a:solidFill>
               </a:rPr>
-              <a:t>Why are these clauses included?</a:t>
+              <a:t>Why are these Clauses Included?</a:t>
             </a:r>
           </a:p>
         </p:txBody>
@@ -8659,7 +9052,7 @@
           <a:p>
             <a:r>
               <a:rPr lang="en-US" dirty="0"/>
-              <a:t>Some related matters</a:t>
+              <a:t>Some Related Matters</a:t>
             </a:r>
           </a:p>
         </p:txBody>
@@ -8717,7 +9110,7 @@
           <a:p>
             <a:r>
               <a:rPr lang="en-US" dirty="0"/>
-              <a:t>Software licenses can be changed</a:t>
+              <a:t>Software Licenses Can be Changed</a:t>
             </a:r>
           </a:p>
         </p:txBody>
@@ -8874,7 +9267,7 @@
           <a:p>
             <a:r>
               <a:rPr lang="en-US" dirty="0"/>
-              <a:t>Changing license example #1</a:t>
+              <a:t>Changing License Example #1</a:t>
             </a:r>
           </a:p>
         </p:txBody>
@@ -9005,7 +9398,7 @@
           <a:p>
             <a:r>
               <a:rPr lang="en-US" dirty="0"/>
-              <a:t>Bottom line up front</a:t>
+              <a:t>Bottom Line Up Front</a:t>
             </a:r>
           </a:p>
         </p:txBody>
@@ -9026,7 +9419,12 @@
             <p:ph idx="1"/>
           </p:nvPr>
         </p:nvSpPr>
-        <p:spPr/>
+        <p:spPr>
+          <a:xfrm>
+            <a:off x="365760" y="1249680"/>
+            <a:ext cx="11369809" cy="4047778"/>
+          </a:xfrm>
+        </p:spPr>
         <p:txBody>
           <a:bodyPr/>
           <a:lstStyle/>
@@ -9096,6 +9494,22 @@
             <a:r>
               <a:rPr lang="en-US" dirty="0"/>
               <a:t>The intent is to get you thinking, not to give you answers.</a:t>
+            </a:r>
+          </a:p>
+          <a:p>
+            <a:pPr marL="0" indent="0">
+              <a:spcBef>
+                <a:spcPts val="2800"/>
+              </a:spcBef>
+              <a:buNone/>
+            </a:pPr>
+            <a:r>
+              <a:rPr lang="en-US" sz="2400" u="sng" dirty="0"/>
+              <a:t>This is not legal advice</a:t>
+            </a:r>
+            <a:r>
+              <a:rPr lang="en-US" sz="2400" dirty="0"/>
+              <a:t>. Consult with true experts before making any consequential decisions!</a:t>
             </a:r>
           </a:p>
         </p:txBody>
@@ -9153,7 +9567,7 @@
           <a:p>
             <a:r>
               <a:rPr lang="en-US" dirty="0"/>
-              <a:t>Changing license example #1 (continued)</a:t>
+              <a:t>Changing License Example #1 (continued)</a:t>
             </a:r>
           </a:p>
         </p:txBody>
@@ -9291,7 +9705,7 @@
           <a:p>
             <a:r>
               <a:rPr lang="en-US" dirty="0"/>
-              <a:t>Changing license example #2</a:t>
+              <a:t>Changing License Example #2</a:t>
             </a:r>
           </a:p>
         </p:txBody>
@@ -9408,7 +9822,7 @@
           <a:p>
             <a:r>
               <a:rPr lang="en-US" dirty="0"/>
-              <a:t>Accepting code contributions</a:t>
+              <a:t>Accepting Code Contributions</a:t>
             </a:r>
           </a:p>
         </p:txBody>
@@ -9471,6 +9885,28 @@
             <a:r>
               <a:rPr lang="en-US" dirty="0"/>
               <a:t>Contributor transfer agreement (CTA) transfers copyright ownership from contributor to maintainers</a:t>
+            </a:r>
+          </a:p>
+          <a:p>
+            <a:pPr lvl="1">
+              <a:spcBef>
+                <a:spcPts val="200"/>
+              </a:spcBef>
+            </a:pPr>
+            <a:r>
+              <a:rPr lang="en-US" dirty="0"/>
+              <a:t>Developer Certificate of Origin (DCO) has been proposed as an alternative to CLAs</a:t>
+            </a:r>
+          </a:p>
+          <a:p>
+            <a:pPr lvl="2">
+              <a:spcBef>
+                <a:spcPts val="200"/>
+              </a:spcBef>
+            </a:pPr>
+            <a:r>
+              <a:rPr lang="en-US" dirty="0"/>
+              <a:t>Developer asserts that they have permission to submit the code. Not a signed legal contract</a:t>
             </a:r>
           </a:p>
           <a:p>
@@ -9631,7 +10067,7 @@
           <a:p>
             <a:r>
               <a:rPr lang="en-US" dirty="0"/>
-              <a:t>Managing copyright notices in software</a:t>
+              <a:t>Managing Copyright Notices in Software</a:t>
             </a:r>
           </a:p>
         </p:txBody>
@@ -9648,7 +10084,7 @@
         </p:nvSpPr>
         <p:spPr>
           <a:xfrm>
-            <a:off x="365760" y="1206618"/>
+            <a:off x="365760" y="1138038"/>
             <a:ext cx="11369809" cy="4047778"/>
           </a:xfrm>
         </p:spPr>
@@ -9838,10 +10274,9 @@
           <a:lstStyle/>
           <a:p>
             <a:r>
-              <a:rPr lang="en-US"/>
-              <a:t>Open licensing of non-software artifacts</a:t>
-            </a:r>
-            <a:endParaRPr lang="en-US" dirty="0"/>
+              <a:rPr lang="en-US" dirty="0"/>
+              <a:t>Open Licensing of Non-Software Artifacts</a:t>
+            </a:r>
           </a:p>
         </p:txBody>
       </p:sp>
@@ -11094,7 +11529,7 @@
           <a:p>
             <a:r>
               <a:rPr lang="en-US" dirty="0"/>
-              <a:t>Some terminology and background</a:t>
+              <a:t>Some Terminology and Background</a:t>
             </a:r>
           </a:p>
         </p:txBody>
@@ -11146,7 +11581,7 @@
           <a:p>
             <a:r>
               <a:rPr lang="en-US" dirty="0"/>
-              <a:t>Copyright, patents, trademarks, and licenses</a:t>
+              <a:t>Copyright, Patents, Trademarks, and Licenses</a:t>
             </a:r>
           </a:p>
         </p:txBody>
@@ -11301,7 +11736,7 @@
           <a:p>
             <a:r>
               <a:rPr lang="en-US" dirty="0"/>
-              <a:t>Your software starts out copyrighted</a:t>
+              <a:t>Your Software Starts Out Copyrighted</a:t>
             </a:r>
           </a:p>
         </p:txBody>
@@ -11318,7 +11753,7 @@
         </p:nvSpPr>
         <p:spPr>
           <a:xfrm>
-            <a:off x="365760" y="1280166"/>
+            <a:off x="365760" y="1173486"/>
             <a:ext cx="11369809" cy="4047778"/>
           </a:xfrm>
         </p:spPr>
@@ -11363,7 +11798,7 @@
             <a:pPr lvl="1"/>
             <a:r>
               <a:rPr lang="en-US" dirty="0"/>
-              <a:t>“Work for hire” (i.e. as part of your job) is probably owned by your employer.  Employment contracts often make IP rights explicit.</a:t>
+              <a:t>“Work for hire” (i.e., as part of your job) is probably owned by your employer.  Employment contracts often make IP rights explicit.</a:t>
             </a:r>
           </a:p>
           <a:p>
@@ -11473,7 +11908,7 @@
           <a:p>
             <a:r>
               <a:rPr lang="en-US" dirty="0"/>
-              <a:t>The licensing spectrum</a:t>
+              <a:t>The Licensing Spectrum</a:t>
             </a:r>
           </a:p>
         </p:txBody>
@@ -12044,7 +12479,7 @@
           <a:p>
             <a:r>
               <a:rPr lang="en-US" dirty="0"/>
-              <a:t>Defining free software: The four freedoms</a:t>
+              <a:t>Defining Free Software: The Four Freedoms</a:t>
             </a:r>
           </a:p>
         </p:txBody>
@@ -12238,10 +12673,9 @@
           <a:lstStyle/>
           <a:p>
             <a:r>
-              <a:rPr lang="en-US"/>
-              <a:t>Permissive vs copyleft OS licenses</a:t>
-            </a:r>
-            <a:endParaRPr lang="en-US" dirty="0"/>
+              <a:rPr lang="en-US" dirty="0"/>
+              <a:t>Permissive vs Copyleft OS Licenses</a:t>
+            </a:r>
           </a:p>
         </p:txBody>
       </p:sp>
@@ -13420,15 +13854,6 @@
 </file>
 
 <file path=customXml/item1.xml><?xml version="1.0" encoding="utf-8"?>
-<?mso-contentType ?>
-<FormTemplates xmlns="http://schemas.microsoft.com/sharepoint/v3/contenttype/forms">
-  <Display>DocumentLibraryForm</Display>
-  <Edit>DocumentLibraryForm</Edit>
-  <New>DocumentLibraryForm</New>
-</FormTemplates>
-</file>
-
-<file path=customXml/item2.xml><?xml version="1.0" encoding="utf-8"?>
 <ct:contentTypeSchema xmlns:ct="http://schemas.microsoft.com/office/2006/metadata/contentType" xmlns:ma="http://schemas.microsoft.com/office/2006/metadata/properties/metaAttributes" ct:_="" ma:_="" ma:contentTypeName="Document" ma:contentTypeID="0x010100565464437F680748A68B85EB6594EA7D" ma:contentTypeVersion="0" ma:contentTypeDescription="Create a new document." ma:contentTypeScope="" ma:versionID="fe3f4dd58d5914c51cfc6deaa8ad845c">
   <xsd:schema xmlns:xsd="http://www.w3.org/2001/XMLSchema" xmlns:p="http://schemas.microsoft.com/office/2006/metadata/properties" targetNamespace="http://schemas.microsoft.com/office/2006/metadata/properties" ma:root="true" ma:fieldsID="4aeb20c0e3442673af7ee10786458764">
     <xsd:element name="properties">
@@ -13477,21 +13902,22 @@
 </ct:contentTypeSchema>
 </file>
 
-<file path=customXml/item3.xml><?xml version="1.0" encoding="utf-8"?>
+<file path=customXml/item2.xml><?xml version="1.0" encoding="utf-8"?>
 <p:properties xmlns:p="http://schemas.microsoft.com/office/2006/metadata/properties" xmlns:xsi="http://www.w3.org/2001/XMLSchema-instance" xmlns:pc="http://schemas.microsoft.com/office/infopath/2007/PartnerControls">
   <documentManagement/>
 </p:properties>
 </file>
 
-<file path=customXml/itemProps1.xml><?xml version="1.0" encoding="utf-8"?>
-<ds:datastoreItem xmlns:ds="http://schemas.openxmlformats.org/officeDocument/2006/customXml" ds:itemID="{19E20559-B232-4371-8690-E3D8007EDB82}">
-  <ds:schemaRefs>
-    <ds:schemaRef ds:uri="http://schemas.microsoft.com/sharepoint/v3/contenttype/forms"/>
-  </ds:schemaRefs>
-</ds:datastoreItem>
+<file path=customXml/item3.xml><?xml version="1.0" encoding="utf-8"?>
+<?mso-contentType ?>
+<FormTemplates xmlns="http://schemas.microsoft.com/sharepoint/v3/contenttype/forms">
+  <Display>DocumentLibraryForm</Display>
+  <Edit>DocumentLibraryForm</Edit>
+  <New>DocumentLibraryForm</New>
+</FormTemplates>
 </file>
 
-<file path=customXml/itemProps2.xml><?xml version="1.0" encoding="utf-8"?>
+<file path=customXml/itemProps1.xml><?xml version="1.0" encoding="utf-8"?>
 <ds:datastoreItem xmlns:ds="http://schemas.openxmlformats.org/officeDocument/2006/customXml" ds:itemID="{E8DB7DEB-074E-4EE8-9B6E-FD277323109C}">
   <ds:schemaRefs>
     <ds:schemaRef ds:uri="http://schemas.microsoft.com/office/2006/metadata/contentType"/>
@@ -13506,7 +13932,7 @@
 </ds:datastoreItem>
 </file>
 
-<file path=customXml/itemProps3.xml><?xml version="1.0" encoding="utf-8"?>
+<file path=customXml/itemProps2.xml><?xml version="1.0" encoding="utf-8"?>
 <ds:datastoreItem xmlns:ds="http://schemas.openxmlformats.org/officeDocument/2006/customXml" ds:itemID="{A50EC660-24D0-43A0-AE5E-E274115E726B}">
   <ds:schemaRefs>
     <ds:schemaRef ds:uri="http://purl.org/dc/elements/1.1/"/>
@@ -13519,4 +13945,12 @@
     <ds:schemaRef ds:uri="http://schemas.microsoft.com/office/infopath/2007/PartnerControls"/>
   </ds:schemaRefs>
 </ds:datastoreItem>
+</file>
+
+<file path=customXml/itemProps3.xml><?xml version="1.0" encoding="utf-8"?>
+<ds:datastoreItem xmlns:ds="http://schemas.openxmlformats.org/officeDocument/2006/customXml" ds:itemID="{19E20559-B232-4371-8690-E3D8007EDB82}">
+  <ds:schemaRefs>
+    <ds:schemaRef ds:uri="http://schemas.microsoft.com/sharepoint/v3/contenttype/forms"/>
+  </ds:schemaRefs>
+</ds:datastoreItem>
 </file>
--- a/licensing.pptx
+++ b/licensing.pptx
@@ -5,10 +5,10 @@
     <p:sldMasterId id="2147483935" r:id="rId4"/>
   </p:sldMasterIdLst>
   <p:notesMasterIdLst>
-    <p:notesMasterId r:id="rId43"/>
+    <p:notesMasterId r:id="rId44"/>
   </p:notesMasterIdLst>
   <p:handoutMasterIdLst>
-    <p:handoutMasterId r:id="rId44"/>
+    <p:handoutMasterId r:id="rId45"/>
   </p:handoutMasterIdLst>
   <p:sldIdLst>
     <p:sldId id="256" r:id="rId5"/>
@@ -34,21 +34,22 @@
     <p:sldId id="322" r:id="rId25"/>
     <p:sldId id="319" r:id="rId26"/>
     <p:sldId id="320" r:id="rId27"/>
-    <p:sldId id="272" r:id="rId28"/>
-    <p:sldId id="273" r:id="rId29"/>
-    <p:sldId id="288" r:id="rId30"/>
-    <p:sldId id="282" r:id="rId31"/>
-    <p:sldId id="290" r:id="rId32"/>
-    <p:sldId id="327" r:id="rId33"/>
-    <p:sldId id="328" r:id="rId34"/>
-    <p:sldId id="329" r:id="rId35"/>
-    <p:sldId id="276" r:id="rId36"/>
-    <p:sldId id="275" r:id="rId37"/>
-    <p:sldId id="289" r:id="rId38"/>
-    <p:sldId id="278" r:id="rId39"/>
-    <p:sldId id="324" r:id="rId40"/>
-    <p:sldId id="325" r:id="rId41"/>
-    <p:sldId id="326" r:id="rId42"/>
+    <p:sldId id="332" r:id="rId28"/>
+    <p:sldId id="272" r:id="rId29"/>
+    <p:sldId id="273" r:id="rId30"/>
+    <p:sldId id="288" r:id="rId31"/>
+    <p:sldId id="282" r:id="rId32"/>
+    <p:sldId id="290" r:id="rId33"/>
+    <p:sldId id="327" r:id="rId34"/>
+    <p:sldId id="328" r:id="rId35"/>
+    <p:sldId id="329" r:id="rId36"/>
+    <p:sldId id="276" r:id="rId37"/>
+    <p:sldId id="275" r:id="rId38"/>
+    <p:sldId id="289" r:id="rId39"/>
+    <p:sldId id="278" r:id="rId40"/>
+    <p:sldId id="324" r:id="rId41"/>
+    <p:sldId id="325" r:id="rId42"/>
+    <p:sldId id="326" r:id="rId43"/>
   </p:sldIdLst>
   <p:sldSz cx="12188825" cy="6858000"/>
   <p:notesSz cx="7010400" cy="9296400"/>
@@ -292,7 +293,7 @@
           <a:p>
             <a:fld id="{0B842F42-2CE9-4E35-95C1-410DC08A50B1}" type="datetimeFigureOut">
               <a:rPr lang="en-US" smtClean="0"/>
-              <a:t>7/26/2022</a:t>
+              <a:t>8/1/2022</a:t>
             </a:fld>
             <a:endParaRPr lang="en-US"/>
           </a:p>
@@ -457,7 +458,7 @@
           <a:p>
             <a:fld id="{6F282904-F315-4730-8D91-37D99E141A6F}" type="datetimeFigureOut">
               <a:rPr lang="en-US" smtClean="0"/>
-              <a:t>7/26/2022</a:t>
+              <a:t>8/1/2022</a:t>
             </a:fld>
             <a:endParaRPr lang="en-US"/>
           </a:p>
@@ -8529,7 +8530,13 @@
       </p:grpSpPr>
       <p:sp>
         <p:nvSpPr>
-          <p:cNvPr id="2" name="Title 1"/>
+          <p:cNvPr id="3" name="Title 2">
+            <a:extLst>
+              <a:ext uri="{FF2B5EF4-FFF2-40B4-BE49-F238E27FC236}">
+                <a16:creationId xmlns:a16="http://schemas.microsoft.com/office/drawing/2014/main" id="{77B115E6-192C-4D71-B552-7B05457951ED}"/>
+              </a:ext>
+            </a:extLst>
+          </p:cNvPr>
           <p:cNvSpPr>
             <a:spLocks noGrp="1"/>
           </p:cNvSpPr>
@@ -8539,74 +8546,122 @@
         </p:nvSpPr>
         <p:spPr/>
         <p:txBody>
-          <a:bodyPr>
-            <a:normAutofit/>
-          </a:bodyPr>
+          <a:bodyPr/>
           <a:lstStyle/>
           <a:p>
             <a:r>
               <a:rPr lang="en-US" dirty="0"/>
-              <a:t>Considerations Favoring Open Source</a:t>
+              <a:t>Strategies for Reducing License Compatibility Concerns</a:t>
             </a:r>
           </a:p>
         </p:txBody>
       </p:sp>
       <p:sp>
         <p:nvSpPr>
-          <p:cNvPr id="4" name="Content Placeholder 3"/>
+          <p:cNvPr id="4" name="Content Placeholder 3">
+            <a:extLst>
+              <a:ext uri="{FF2B5EF4-FFF2-40B4-BE49-F238E27FC236}">
+                <a16:creationId xmlns:a16="http://schemas.microsoft.com/office/drawing/2014/main" id="{1D59A199-7E48-4D23-B5B6-1BB75A87AA94}"/>
+              </a:ext>
+            </a:extLst>
+          </p:cNvPr>
           <p:cNvSpPr>
             <a:spLocks noGrp="1"/>
           </p:cNvSpPr>
           <p:nvPr>
-            <p:ph sz="quarter" idx="1"/>
+            <p:ph idx="1"/>
           </p:nvPr>
         </p:nvSpPr>
-        <p:spPr/>
+        <p:spPr>
+          <a:xfrm>
+            <a:off x="365760" y="1165860"/>
+            <a:ext cx="11369809" cy="4047778"/>
+          </a:xfrm>
+        </p:spPr>
         <p:txBody>
-          <a:bodyPr>
-            <a:normAutofit/>
-          </a:bodyPr>
+          <a:bodyPr/>
           <a:lstStyle/>
           <a:p>
             <a:r>
               <a:rPr lang="en-US" dirty="0"/>
-              <a:t>Challenges of managing and archiving the paperwork associated with proprietary licenses</a:t>
-            </a:r>
-          </a:p>
-          <a:p>
-            <a:r>
-              <a:rPr lang="en-US" dirty="0"/>
-              <a:t>Explicit license agreements can inhibit (legal) use of software</a:t>
-            </a:r>
-          </a:p>
-          <a:p>
-            <a:r>
-              <a:rPr lang="en-US" dirty="0"/>
-              <a:t>I want to support peer review and reproducibility in science</a:t>
-            </a:r>
-          </a:p>
-          <a:p>
-            <a:r>
-              <a:rPr lang="en-US" dirty="0"/>
-              <a:t>My sponsor requires that I release my software as open source</a:t>
-            </a:r>
-          </a:p>
-          <a:p>
-            <a:r>
-              <a:rPr lang="en-US" dirty="0"/>
-              <a:t>I believe that the results of publicly-funded research should be publicly available</a:t>
-            </a:r>
-          </a:p>
-          <a:p>
-            <a:r>
-              <a:rPr lang="en-US" dirty="0"/>
-              <a:t>I want to build a self-sustaining community around my software</a:t>
-            </a:r>
-          </a:p>
-          <a:p>
-            <a:endParaRPr lang="en-US" dirty="0"/>
-          </a:p>
-          <a:p>
+              <a:t>Don’t distribute other software packages as part of yours</a:t>
+            </a:r>
+          </a:p>
+          <a:p>
+            <a:pPr lvl="1"/>
+            <a:r>
+              <a:rPr lang="en-US" dirty="0"/>
+              <a:t>Especially if you’re distributing binaries</a:t>
+            </a:r>
+          </a:p>
+          <a:p>
+            <a:pPr lvl="1"/>
+            <a:r>
+              <a:rPr lang="en-US" dirty="0"/>
+              <a:t>If you need to modify other software, try to upstream changes or ship only patches instead</a:t>
+            </a:r>
+          </a:p>
+          <a:p>
+            <a:r>
+              <a:rPr lang="en-US" dirty="0"/>
+              <a:t>Consider the licenses of your immediate software ecosystem</a:t>
+            </a:r>
+          </a:p>
+          <a:p>
+            <a:pPr lvl="1"/>
+            <a:r>
+              <a:rPr lang="en-US" dirty="0"/>
+              <a:t>Your dependencies</a:t>
+            </a:r>
+          </a:p>
+          <a:p>
+            <a:pPr lvl="1"/>
+            <a:r>
+              <a:rPr lang="en-US" dirty="0"/>
+              <a:t>Other software yours is likely to be used with</a:t>
+            </a:r>
+          </a:p>
+          <a:p>
+            <a:pPr lvl="1"/>
+            <a:r>
+              <a:rPr lang="en-US" dirty="0"/>
+              <a:t>Think about how your software interacts with other packages in the ecosystem</a:t>
+            </a:r>
+          </a:p>
+          <a:p>
+            <a:pPr lvl="2"/>
+            <a:r>
+              <a:rPr lang="en-US" dirty="0"/>
+              <a:t>Recall earlier discussion of the different definitions of “derived work” for different licenses</a:t>
+            </a:r>
+          </a:p>
+          <a:p>
+            <a:r>
+              <a:rPr lang="en-US" dirty="0"/>
+              <a:t>Consider the licensing practices of the community or target audience</a:t>
+            </a:r>
+          </a:p>
+          <a:p>
+            <a:r>
+              <a:rPr lang="en-US" dirty="0"/>
+              <a:t>Permissive licenses tend to have fewer compatibility problems</a:t>
+            </a:r>
+          </a:p>
+          <a:p>
+            <a:r>
+              <a:rPr lang="en-US" dirty="0"/>
+              <a:t>Consider relicensing your software</a:t>
+            </a:r>
+          </a:p>
+          <a:p>
+            <a:pPr lvl="1"/>
+            <a:r>
+              <a:rPr lang="en-US" dirty="0"/>
+              <a:t>More on this coming up</a:t>
+            </a:r>
+          </a:p>
+          <a:p>
+            <a:pPr lvl="1"/>
             <a:endParaRPr lang="en-US" dirty="0"/>
           </a:p>
         </p:txBody>
@@ -8614,7 +8669,7 @@
     </p:spTree>
     <p:extLst>
       <p:ext uri="{BB962C8B-B14F-4D97-AF65-F5344CB8AC3E}">
-        <p14:creationId xmlns:p14="http://schemas.microsoft.com/office/powerpoint/2010/main" val="2105999154"/>
+        <p14:creationId xmlns:p14="http://schemas.microsoft.com/office/powerpoint/2010/main" val="658135198"/>
       </p:ext>
     </p:extLst>
   </p:cSld>
@@ -8660,7 +8715,7 @@
           <a:p>
             <a:r>
               <a:rPr lang="en-US" dirty="0"/>
-              <a:t>A Few More Points About our Real-World Example</a:t>
+              <a:t>Considerations Favoring Open Source</a:t>
             </a:r>
           </a:p>
         </p:txBody>
@@ -8675,104 +8730,60 @@
             <p:ph sz="quarter" idx="1"/>
           </p:nvPr>
         </p:nvSpPr>
-        <p:spPr>
-          <a:xfrm>
-            <a:off x="780394" y="1159933"/>
-            <a:ext cx="10548006" cy="4665133"/>
-          </a:xfrm>
-        </p:spPr>
+        <p:spPr/>
         <p:txBody>
           <a:bodyPr>
-            <a:noAutofit/>
+            <a:normAutofit/>
           </a:bodyPr>
           <a:lstStyle/>
           <a:p>
-            <a:pPr marL="0" indent="0">
-              <a:buNone/>
-            </a:pPr>
-            <a:r>
-              <a:rPr lang="en-US" sz="2200" dirty="0"/>
-              <a:t>In order to acquire access to the code sources, the recipient agrees: </a:t>
-            </a:r>
-          </a:p>
-          <a:p>
-            <a:pPr marL="282575" indent="-282575">
-              <a:buFont typeface="+mj-lt"/>
-              <a:buAutoNum type="arabicPeriod"/>
-            </a:pPr>
-            <a:r>
-              <a:rPr lang="en-US" sz="2200" dirty="0"/>
-              <a:t>to compile/use the XYZZY source code AS IS without modification; </a:t>
-            </a:r>
-            <a:r>
-              <a:rPr lang="en-US" sz="2200" dirty="0">
-                <a:solidFill>
-                  <a:schemeClr val="bg1">
-                    <a:lumMod val="50000"/>
-                  </a:schemeClr>
-                </a:solidFill>
-              </a:rPr>
-              <a:t>users however are welcome to request changes, or to contribute modifications subject to approval of the authors; </a:t>
-            </a:r>
-          </a:p>
-          <a:p>
-            <a:pPr marL="282575" indent="-282575">
-              <a:buFont typeface="+mj-lt"/>
-              <a:buAutoNum type="arabicPeriod"/>
-            </a:pPr>
-            <a:r>
-              <a:rPr lang="en-US" sz="2200" dirty="0">
-                <a:solidFill>
-                  <a:schemeClr val="bg1">
-                    <a:lumMod val="50000"/>
-                  </a:schemeClr>
-                </a:solidFill>
-              </a:rPr>
-              <a:t>if the copy of the XYZZY downloaded by the authorized user is made available to third parties, to ensure that the user agreement is followed by the third parties;</a:t>
-            </a:r>
-          </a:p>
-          <a:p>
-            <a:pPr marL="282575" indent="-282575">
-              <a:buFont typeface="+mj-lt"/>
-              <a:buAutoNum type="arabicPeriod"/>
-            </a:pPr>
-            <a:r>
-              <a:rPr lang="en-US" sz="2200" dirty="0">
-                <a:solidFill>
-                  <a:schemeClr val="bg1">
-                    <a:lumMod val="50000"/>
-                  </a:schemeClr>
-                </a:solidFill>
-              </a:rPr>
-              <a:t>to send a one-time email to xyzzy@example.com describing planned research using that module </a:t>
-            </a:r>
-          </a:p>
-          <a:p>
-            <a:pPr marL="282575" indent="-282575">
-              <a:buFont typeface="+mj-lt"/>
-              <a:buAutoNum type="arabicPeriod"/>
-            </a:pPr>
-            <a:r>
-              <a:rPr lang="en-US" sz="2200" dirty="0"/>
-              <a:t>prior to publication, to email a draft of the article/letter/note to xyzzy@example.com </a:t>
-            </a:r>
-          </a:p>
-          <a:p>
-            <a:pPr marL="282575" indent="-282575">
-              <a:buFont typeface="+mj-lt"/>
-              <a:buAutoNum type="arabicPeriod"/>
-            </a:pPr>
-            <a:r>
-              <a:rPr lang="en-US" sz="2200" dirty="0"/>
-              <a:t>to include in published results or presentations the proper code name(s) and appropriate references.</a:t>
-            </a:r>
+            <a:r>
+              <a:rPr lang="en-US" dirty="0"/>
+              <a:t>Challenges of managing and archiving the paperwork associated with proprietary licenses</a:t>
+            </a:r>
+          </a:p>
+          <a:p>
+            <a:r>
+              <a:rPr lang="en-US" dirty="0"/>
+              <a:t>Explicit license agreements can inhibit (legal) use of software</a:t>
+            </a:r>
+          </a:p>
+          <a:p>
+            <a:r>
+              <a:rPr lang="en-US" dirty="0"/>
+              <a:t>I want to support peer review and reproducibility in science</a:t>
+            </a:r>
+          </a:p>
+          <a:p>
+            <a:r>
+              <a:rPr lang="en-US" dirty="0"/>
+              <a:t>My sponsor requires that I release my software as open source</a:t>
+            </a:r>
+          </a:p>
+          <a:p>
+            <a:r>
+              <a:rPr lang="en-US" dirty="0"/>
+              <a:t>I believe that the results of publicly-funded research should be publicly available</a:t>
+            </a:r>
+          </a:p>
+          <a:p>
+            <a:r>
+              <a:rPr lang="en-US" dirty="0"/>
+              <a:t>I want to build a self-sustaining community around my software</a:t>
+            </a:r>
+          </a:p>
+          <a:p>
+            <a:endParaRPr lang="en-US" dirty="0"/>
+          </a:p>
+          <a:p>
+            <a:endParaRPr lang="en-US" dirty="0"/>
           </a:p>
         </p:txBody>
       </p:sp>
     </p:spTree>
     <p:extLst>
       <p:ext uri="{BB962C8B-B14F-4D97-AF65-F5344CB8AC3E}">
-        <p14:creationId xmlns:p14="http://schemas.microsoft.com/office/powerpoint/2010/main" val="3367293683"/>
+        <p14:creationId xmlns:p14="http://schemas.microsoft.com/office/powerpoint/2010/main" val="2105999154"/>
       </p:ext>
     </p:extLst>
   </p:cSld>
@@ -8817,12 +8828,8 @@
           <a:lstStyle/>
           <a:p>
             <a:r>
-              <a:rPr lang="en-US" dirty="0">
-                <a:solidFill>
-                  <a:schemeClr val="accent1"/>
-                </a:solidFill>
-              </a:rPr>
-              <a:t>Why are these Clauses Included?</a:t>
+              <a:rPr lang="en-US" dirty="0"/>
+              <a:t>A Few More Points About our Real-World Example</a:t>
             </a:r>
           </a:p>
         </p:txBody>
@@ -8849,6 +8856,168 @@
           </a:bodyPr>
           <a:lstStyle/>
           <a:p>
+            <a:pPr marL="0" indent="0">
+              <a:buNone/>
+            </a:pPr>
+            <a:r>
+              <a:rPr lang="en-US" sz="2200" dirty="0"/>
+              <a:t>In order to acquire access to the code sources, the recipient agrees: </a:t>
+            </a:r>
+          </a:p>
+          <a:p>
+            <a:pPr marL="282575" indent="-282575">
+              <a:buFont typeface="+mj-lt"/>
+              <a:buAutoNum type="arabicPeriod"/>
+            </a:pPr>
+            <a:r>
+              <a:rPr lang="en-US" sz="2200" dirty="0"/>
+              <a:t>to compile/use the XYZZY source code AS IS without modification; </a:t>
+            </a:r>
+            <a:r>
+              <a:rPr lang="en-US" sz="2200" dirty="0">
+                <a:solidFill>
+                  <a:schemeClr val="bg1">
+                    <a:lumMod val="50000"/>
+                  </a:schemeClr>
+                </a:solidFill>
+              </a:rPr>
+              <a:t>users however are welcome to request changes, or to contribute modifications subject to approval of the authors; </a:t>
+            </a:r>
+          </a:p>
+          <a:p>
+            <a:pPr marL="282575" indent="-282575">
+              <a:buFont typeface="+mj-lt"/>
+              <a:buAutoNum type="arabicPeriod"/>
+            </a:pPr>
+            <a:r>
+              <a:rPr lang="en-US" sz="2200" dirty="0">
+                <a:solidFill>
+                  <a:schemeClr val="bg1">
+                    <a:lumMod val="50000"/>
+                  </a:schemeClr>
+                </a:solidFill>
+              </a:rPr>
+              <a:t>if the copy of the XYZZY downloaded by the authorized user is made available to third parties, to ensure that the user agreement is followed by the third parties;</a:t>
+            </a:r>
+          </a:p>
+          <a:p>
+            <a:pPr marL="282575" indent="-282575">
+              <a:buFont typeface="+mj-lt"/>
+              <a:buAutoNum type="arabicPeriod"/>
+            </a:pPr>
+            <a:r>
+              <a:rPr lang="en-US" sz="2200" dirty="0">
+                <a:solidFill>
+                  <a:schemeClr val="bg1">
+                    <a:lumMod val="50000"/>
+                  </a:schemeClr>
+                </a:solidFill>
+              </a:rPr>
+              <a:t>to send a one-time email to xyzzy@example.com describing planned research using that module </a:t>
+            </a:r>
+          </a:p>
+          <a:p>
+            <a:pPr marL="282575" indent="-282575">
+              <a:buFont typeface="+mj-lt"/>
+              <a:buAutoNum type="arabicPeriod"/>
+            </a:pPr>
+            <a:r>
+              <a:rPr lang="en-US" sz="2200" dirty="0"/>
+              <a:t>prior to publication, to email a draft of the article/letter/note to xyzzy@example.com </a:t>
+            </a:r>
+          </a:p>
+          <a:p>
+            <a:pPr marL="282575" indent="-282575">
+              <a:buFont typeface="+mj-lt"/>
+              <a:buAutoNum type="arabicPeriod"/>
+            </a:pPr>
+            <a:r>
+              <a:rPr lang="en-US" sz="2200" dirty="0"/>
+              <a:t>to include in published results or presentations the proper code name(s) and appropriate references.</a:t>
+            </a:r>
+          </a:p>
+        </p:txBody>
+      </p:sp>
+    </p:spTree>
+    <p:extLst>
+      <p:ext uri="{BB962C8B-B14F-4D97-AF65-F5344CB8AC3E}">
+        <p14:creationId xmlns:p14="http://schemas.microsoft.com/office/powerpoint/2010/main" val="3367293683"/>
+      </p:ext>
+    </p:extLst>
+  </p:cSld>
+  <p:clrMapOvr>
+    <a:masterClrMapping/>
+  </p:clrMapOvr>
+</p:sld>
+</file>
+
+<file path=ppt/slides/slide27.xml><?xml version="1.0" encoding="utf-8"?>
+<p:sld xmlns:a="http://schemas.openxmlformats.org/drawingml/2006/main" xmlns:r="http://schemas.openxmlformats.org/officeDocument/2006/relationships" xmlns:p="http://schemas.openxmlformats.org/presentationml/2006/main">
+  <p:cSld>
+    <p:spTree>
+      <p:nvGrpSpPr>
+        <p:cNvPr id="1" name=""/>
+        <p:cNvGrpSpPr/>
+        <p:nvPr/>
+      </p:nvGrpSpPr>
+      <p:grpSpPr>
+        <a:xfrm>
+          <a:off x="0" y="0"/>
+          <a:ext cx="0" cy="0"/>
+          <a:chOff x="0" y="0"/>
+          <a:chExt cx="0" cy="0"/>
+        </a:xfrm>
+      </p:grpSpPr>
+      <p:sp>
+        <p:nvSpPr>
+          <p:cNvPr id="2" name="Title 1"/>
+          <p:cNvSpPr>
+            <a:spLocks noGrp="1"/>
+          </p:cNvSpPr>
+          <p:nvPr>
+            <p:ph type="title"/>
+          </p:nvPr>
+        </p:nvSpPr>
+        <p:spPr/>
+        <p:txBody>
+          <a:bodyPr>
+            <a:normAutofit/>
+          </a:bodyPr>
+          <a:lstStyle/>
+          <a:p>
+            <a:r>
+              <a:rPr lang="en-US" dirty="0">
+                <a:solidFill>
+                  <a:schemeClr val="accent1"/>
+                </a:solidFill>
+              </a:rPr>
+              <a:t>Why are these Clauses Included?</a:t>
+            </a:r>
+          </a:p>
+        </p:txBody>
+      </p:sp>
+      <p:sp>
+        <p:nvSpPr>
+          <p:cNvPr id="4" name="Content Placeholder 3"/>
+          <p:cNvSpPr>
+            <a:spLocks noGrp="1"/>
+          </p:cNvSpPr>
+          <p:nvPr>
+            <p:ph sz="quarter" idx="1"/>
+          </p:nvPr>
+        </p:nvSpPr>
+        <p:spPr>
+          <a:xfrm>
+            <a:off x="780394" y="1159933"/>
+            <a:ext cx="10548006" cy="4665133"/>
+          </a:xfrm>
+        </p:spPr>
+        <p:txBody>
+          <a:bodyPr>
+            <a:noAutofit/>
+          </a:bodyPr>
+          <a:lstStyle/>
+          <a:p>
             <a:pPr marL="457200" indent="-457200">
               <a:buFont typeface="+mj-lt"/>
               <a:buAutoNum type="arabicPeriod" startAt="4"/>
@@ -9007,7 +9176,7 @@
 </p:sld>
 </file>
 
-<file path=ppt/slides/slide27.xml><?xml version="1.0" encoding="utf-8"?>
+<file path=ppt/slides/slide28.xml><?xml version="1.0" encoding="utf-8"?>
 <p:sld xmlns:a="http://schemas.openxmlformats.org/drawingml/2006/main" xmlns:r="http://schemas.openxmlformats.org/officeDocument/2006/relationships" xmlns:p="http://schemas.openxmlformats.org/presentationml/2006/main">
   <p:cSld>
     <p:spTree>
@@ -9070,7 +9239,7 @@
 </p:sld>
 </file>
 
-<file path=ppt/slides/slide28.xml><?xml version="1.0" encoding="utf-8"?>
+<file path=ppt/slides/slide29.xml><?xml version="1.0" encoding="utf-8"?>
 <p:sld xmlns:a="http://schemas.openxmlformats.org/drawingml/2006/main" xmlns:r="http://schemas.openxmlformats.org/officeDocument/2006/relationships" xmlns:p="http://schemas.openxmlformats.org/presentationml/2006/main">
   <p:cSld>
     <p:spTree>
@@ -9218,137 +9387,6 @@
     <p:extLst>
       <p:ext uri="{BB962C8B-B14F-4D97-AF65-F5344CB8AC3E}">
         <p14:creationId xmlns:p14="http://schemas.microsoft.com/office/powerpoint/2010/main" val="3969556515"/>
-      </p:ext>
-    </p:extLst>
-  </p:cSld>
-  <p:clrMapOvr>
-    <a:masterClrMapping/>
-  </p:clrMapOvr>
-</p:sld>
-</file>
-
-<file path=ppt/slides/slide29.xml><?xml version="1.0" encoding="utf-8"?>
-<p:sld xmlns:a="http://schemas.openxmlformats.org/drawingml/2006/main" xmlns:r="http://schemas.openxmlformats.org/officeDocument/2006/relationships" xmlns:p="http://schemas.openxmlformats.org/presentationml/2006/main">
-  <p:cSld>
-    <p:spTree>
-      <p:nvGrpSpPr>
-        <p:cNvPr id="1" name=""/>
-        <p:cNvGrpSpPr/>
-        <p:nvPr/>
-      </p:nvGrpSpPr>
-      <p:grpSpPr>
-        <a:xfrm>
-          <a:off x="0" y="0"/>
-          <a:ext cx="0" cy="0"/>
-          <a:chOff x="0" y="0"/>
-          <a:chExt cx="0" cy="0"/>
-        </a:xfrm>
-      </p:grpSpPr>
-      <p:sp>
-        <p:nvSpPr>
-          <p:cNvPr id="2" name="Title 1">
-            <a:extLst>
-              <a:ext uri="{FF2B5EF4-FFF2-40B4-BE49-F238E27FC236}">
-                <a16:creationId xmlns:a16="http://schemas.microsoft.com/office/drawing/2014/main" id="{3F660380-7CAF-0443-A164-422CD5E2C99C}"/>
-              </a:ext>
-            </a:extLst>
-          </p:cNvPr>
-          <p:cNvSpPr>
-            <a:spLocks noGrp="1"/>
-          </p:cNvSpPr>
-          <p:nvPr>
-            <p:ph type="title"/>
-          </p:nvPr>
-        </p:nvSpPr>
-        <p:spPr/>
-        <p:txBody>
-          <a:bodyPr/>
-          <a:lstStyle/>
-          <a:p>
-            <a:r>
-              <a:rPr lang="en-US" dirty="0"/>
-              <a:t>Changing License Example #1</a:t>
-            </a:r>
-          </a:p>
-        </p:txBody>
-      </p:sp>
-      <p:sp>
-        <p:nvSpPr>
-          <p:cNvPr id="3" name="Content Placeholder 2">
-            <a:extLst>
-              <a:ext uri="{FF2B5EF4-FFF2-40B4-BE49-F238E27FC236}">
-                <a16:creationId xmlns:a16="http://schemas.microsoft.com/office/drawing/2014/main" id="{41A558D2-9764-0B4E-88C8-164A32D4B1BA}"/>
-              </a:ext>
-            </a:extLst>
-          </p:cNvPr>
-          <p:cNvSpPr>
-            <a:spLocks noGrp="1"/>
-          </p:cNvSpPr>
-          <p:nvPr>
-            <p:ph idx="1"/>
-          </p:nvPr>
-        </p:nvSpPr>
-        <p:spPr/>
-        <p:txBody>
-          <a:bodyPr/>
-          <a:lstStyle/>
-          <a:p>
-            <a:r>
-              <a:rPr lang="en-US" dirty="0"/>
-              <a:t>Organization owns copyright for several software packages</a:t>
-            </a:r>
-          </a:p>
-          <a:p>
-            <a:pPr lvl="1"/>
-            <a:r>
-              <a:rPr lang="en-US" dirty="0"/>
-              <a:t>Licensed LGPL</a:t>
-            </a:r>
-          </a:p>
-          <a:p>
-            <a:r>
-              <a:rPr lang="en-US" dirty="0"/>
-              <a:t>Authorship agreements were signed at time copyright was asserted</a:t>
-            </a:r>
-          </a:p>
-          <a:p>
-            <a:r>
-              <a:rPr lang="en-US" dirty="0"/>
-              <a:t>Several packages contained third-party source files</a:t>
-            </a:r>
-          </a:p>
-          <a:p>
-            <a:pPr lvl="1"/>
-            <a:r>
-              <a:rPr lang="en-US" dirty="0"/>
-              <a:t>A variety of licenses</a:t>
-            </a:r>
-          </a:p>
-          <a:p>
-            <a:r>
-              <a:rPr lang="en-US" dirty="0"/>
-              <a:t>Many packages received contributions from other authors since initial copyright assertion</a:t>
-            </a:r>
-          </a:p>
-          <a:p>
-            <a:r>
-              <a:rPr lang="en-US" dirty="0"/>
-              <a:t>Many prospective (particularly industry) customers were wary of LGPL</a:t>
-            </a:r>
-          </a:p>
-          <a:p>
-            <a:pPr lvl="1"/>
-            <a:r>
-              <a:rPr lang="en-US" dirty="0"/>
-              <a:t>Decision was made to relicense to BSD</a:t>
-            </a:r>
-          </a:p>
-        </p:txBody>
-      </p:sp>
-    </p:spTree>
-    <p:extLst>
-      <p:ext uri="{BB962C8B-B14F-4D97-AF65-F5344CB8AC3E}">
-        <p14:creationId xmlns:p14="http://schemas.microsoft.com/office/powerpoint/2010/main" val="1032742424"/>
       </p:ext>
     </p:extLst>
   </p:cSld>
@@ -9549,6 +9587,137 @@
           <p:cNvPr id="2" name="Title 1">
             <a:extLst>
               <a:ext uri="{FF2B5EF4-FFF2-40B4-BE49-F238E27FC236}">
+                <a16:creationId xmlns:a16="http://schemas.microsoft.com/office/drawing/2014/main" id="{3F660380-7CAF-0443-A164-422CD5E2C99C}"/>
+              </a:ext>
+            </a:extLst>
+          </p:cNvPr>
+          <p:cNvSpPr>
+            <a:spLocks noGrp="1"/>
+          </p:cNvSpPr>
+          <p:nvPr>
+            <p:ph type="title"/>
+          </p:nvPr>
+        </p:nvSpPr>
+        <p:spPr/>
+        <p:txBody>
+          <a:bodyPr/>
+          <a:lstStyle/>
+          <a:p>
+            <a:r>
+              <a:rPr lang="en-US" dirty="0"/>
+              <a:t>Changing License Example #1</a:t>
+            </a:r>
+          </a:p>
+        </p:txBody>
+      </p:sp>
+      <p:sp>
+        <p:nvSpPr>
+          <p:cNvPr id="3" name="Content Placeholder 2">
+            <a:extLst>
+              <a:ext uri="{FF2B5EF4-FFF2-40B4-BE49-F238E27FC236}">
+                <a16:creationId xmlns:a16="http://schemas.microsoft.com/office/drawing/2014/main" id="{41A558D2-9764-0B4E-88C8-164A32D4B1BA}"/>
+              </a:ext>
+            </a:extLst>
+          </p:cNvPr>
+          <p:cNvSpPr>
+            <a:spLocks noGrp="1"/>
+          </p:cNvSpPr>
+          <p:nvPr>
+            <p:ph idx="1"/>
+          </p:nvPr>
+        </p:nvSpPr>
+        <p:spPr/>
+        <p:txBody>
+          <a:bodyPr/>
+          <a:lstStyle/>
+          <a:p>
+            <a:r>
+              <a:rPr lang="en-US" dirty="0"/>
+              <a:t>Organization owns copyright for several software packages</a:t>
+            </a:r>
+          </a:p>
+          <a:p>
+            <a:pPr lvl="1"/>
+            <a:r>
+              <a:rPr lang="en-US" dirty="0"/>
+              <a:t>Licensed LGPL</a:t>
+            </a:r>
+          </a:p>
+          <a:p>
+            <a:r>
+              <a:rPr lang="en-US" dirty="0"/>
+              <a:t>Authorship agreements were signed at time copyright was asserted</a:t>
+            </a:r>
+          </a:p>
+          <a:p>
+            <a:r>
+              <a:rPr lang="en-US" dirty="0"/>
+              <a:t>Several packages contained third-party source files</a:t>
+            </a:r>
+          </a:p>
+          <a:p>
+            <a:pPr lvl="1"/>
+            <a:r>
+              <a:rPr lang="en-US" dirty="0"/>
+              <a:t>A variety of licenses</a:t>
+            </a:r>
+          </a:p>
+          <a:p>
+            <a:r>
+              <a:rPr lang="en-US" dirty="0"/>
+              <a:t>Many packages received contributions from other authors since initial copyright assertion</a:t>
+            </a:r>
+          </a:p>
+          <a:p>
+            <a:r>
+              <a:rPr lang="en-US" dirty="0"/>
+              <a:t>Many prospective (particularly industry) customers were wary of LGPL</a:t>
+            </a:r>
+          </a:p>
+          <a:p>
+            <a:pPr lvl="1"/>
+            <a:r>
+              <a:rPr lang="en-US" dirty="0"/>
+              <a:t>Decision was made to relicense to BSD</a:t>
+            </a:r>
+          </a:p>
+        </p:txBody>
+      </p:sp>
+    </p:spTree>
+    <p:extLst>
+      <p:ext uri="{BB962C8B-B14F-4D97-AF65-F5344CB8AC3E}">
+        <p14:creationId xmlns:p14="http://schemas.microsoft.com/office/powerpoint/2010/main" val="1032742424"/>
+      </p:ext>
+    </p:extLst>
+  </p:cSld>
+  <p:clrMapOvr>
+    <a:masterClrMapping/>
+  </p:clrMapOvr>
+</p:sld>
+</file>
+
+<file path=ppt/slides/slide31.xml><?xml version="1.0" encoding="utf-8"?>
+<p:sld xmlns:a="http://schemas.openxmlformats.org/drawingml/2006/main" xmlns:r="http://schemas.openxmlformats.org/officeDocument/2006/relationships" xmlns:p="http://schemas.openxmlformats.org/presentationml/2006/main">
+  <p:cSld>
+    <p:spTree>
+      <p:nvGrpSpPr>
+        <p:cNvPr id="1" name=""/>
+        <p:cNvGrpSpPr/>
+        <p:nvPr/>
+      </p:nvGrpSpPr>
+      <p:grpSpPr>
+        <a:xfrm>
+          <a:off x="0" y="0"/>
+          <a:ext cx="0" cy="0"/>
+          <a:chOff x="0" y="0"/>
+          <a:chExt cx="0" cy="0"/>
+        </a:xfrm>
+      </p:grpSpPr>
+      <p:sp>
+        <p:nvSpPr>
+          <p:cNvPr id="2" name="Title 1">
+            <a:extLst>
+              <a:ext uri="{FF2B5EF4-FFF2-40B4-BE49-F238E27FC236}">
                 <a16:creationId xmlns:a16="http://schemas.microsoft.com/office/drawing/2014/main" id="{B56FA8C5-6CE4-F14E-9060-8BDF61678C98}"/>
               </a:ext>
             </a:extLst>
@@ -9665,7 +9834,7 @@
 </p:sld>
 </file>
 
-<file path=ppt/slides/slide31.xml><?xml version="1.0" encoding="utf-8"?>
+<file path=ppt/slides/slide32.xml><?xml version="1.0" encoding="utf-8"?>
 <p:sld xmlns:a="http://schemas.openxmlformats.org/drawingml/2006/main" xmlns:r="http://schemas.openxmlformats.org/officeDocument/2006/relationships" xmlns:p="http://schemas.openxmlformats.org/presentationml/2006/main">
   <p:cSld>
     <p:spTree>
@@ -9777,251 +9946,6 @@
     <p:extLst>
       <p:ext uri="{BB962C8B-B14F-4D97-AF65-F5344CB8AC3E}">
         <p14:creationId xmlns:p14="http://schemas.microsoft.com/office/powerpoint/2010/main" val="4020359728"/>
-      </p:ext>
-    </p:extLst>
-  </p:cSld>
-  <p:clrMapOvr>
-    <a:masterClrMapping/>
-  </p:clrMapOvr>
-</p:sld>
-</file>
-
-<file path=ppt/slides/slide32.xml><?xml version="1.0" encoding="utf-8"?>
-<p:sld xmlns:a="http://schemas.openxmlformats.org/drawingml/2006/main" xmlns:r="http://schemas.openxmlformats.org/officeDocument/2006/relationships" xmlns:p="http://schemas.openxmlformats.org/presentationml/2006/main">
-  <p:cSld>
-    <p:spTree>
-      <p:nvGrpSpPr>
-        <p:cNvPr id="1" name=""/>
-        <p:cNvGrpSpPr/>
-        <p:nvPr/>
-      </p:nvGrpSpPr>
-      <p:grpSpPr>
-        <a:xfrm>
-          <a:off x="0" y="0"/>
-          <a:ext cx="0" cy="0"/>
-          <a:chOff x="0" y="0"/>
-          <a:chExt cx="0" cy="0"/>
-        </a:xfrm>
-      </p:grpSpPr>
-      <p:sp>
-        <p:nvSpPr>
-          <p:cNvPr id="2" name="Title 1"/>
-          <p:cNvSpPr>
-            <a:spLocks noGrp="1"/>
-          </p:cNvSpPr>
-          <p:nvPr>
-            <p:ph type="title"/>
-          </p:nvPr>
-        </p:nvSpPr>
-        <p:spPr/>
-        <p:txBody>
-          <a:bodyPr>
-            <a:normAutofit/>
-          </a:bodyPr>
-          <a:lstStyle/>
-          <a:p>
-            <a:r>
-              <a:rPr lang="en-US" dirty="0"/>
-              <a:t>Accepting Code Contributions</a:t>
-            </a:r>
-          </a:p>
-        </p:txBody>
-      </p:sp>
-      <p:sp>
-        <p:nvSpPr>
-          <p:cNvPr id="4" name="Content Placeholder 3"/>
-          <p:cNvSpPr>
-            <a:spLocks noGrp="1"/>
-          </p:cNvSpPr>
-          <p:nvPr>
-            <p:ph sz="quarter" idx="1"/>
-          </p:nvPr>
-        </p:nvSpPr>
-        <p:spPr>
-          <a:xfrm>
-            <a:off x="663697" y="955307"/>
-            <a:ext cx="11074536" cy="4817533"/>
-          </a:xfrm>
-        </p:spPr>
-        <p:txBody>
-          <a:bodyPr>
-            <a:noAutofit/>
-          </a:bodyPr>
-          <a:lstStyle/>
-          <a:p>
-            <a:r>
-              <a:rPr lang="en-US" sz="2400" dirty="0"/>
-              <a:t>Code contributions are implicitly offered under the current license</a:t>
-            </a:r>
-          </a:p>
-          <a:p>
-            <a:pPr>
-              <a:spcBef>
-                <a:spcPts val="600"/>
-              </a:spcBef>
-            </a:pPr>
-            <a:r>
-              <a:rPr lang="en-US" sz="2400" dirty="0"/>
-              <a:t>Some projects require a contributor agreement</a:t>
-            </a:r>
-          </a:p>
-          <a:p>
-            <a:pPr lvl="1">
-              <a:spcBef>
-                <a:spcPts val="0"/>
-              </a:spcBef>
-            </a:pPr>
-            <a:r>
-              <a:rPr lang="en-US" dirty="0"/>
-              <a:t>Contributor license agreement (CLA) defines the terms between the contributor and the maintainers of the software</a:t>
-            </a:r>
-          </a:p>
-          <a:p>
-            <a:pPr lvl="1">
-              <a:spcBef>
-                <a:spcPts val="200"/>
-              </a:spcBef>
-            </a:pPr>
-            <a:r>
-              <a:rPr lang="en-US" dirty="0"/>
-              <a:t>Contributor transfer agreement (CTA) transfers copyright ownership from contributor to maintainers</a:t>
-            </a:r>
-          </a:p>
-          <a:p>
-            <a:pPr lvl="1">
-              <a:spcBef>
-                <a:spcPts val="200"/>
-              </a:spcBef>
-            </a:pPr>
-            <a:r>
-              <a:rPr lang="en-US" dirty="0"/>
-              <a:t>Developer Certificate of Origin (DCO) has been proposed as an alternative to CLAs</a:t>
-            </a:r>
-          </a:p>
-          <a:p>
-            <a:pPr lvl="2">
-              <a:spcBef>
-                <a:spcPts val="200"/>
-              </a:spcBef>
-            </a:pPr>
-            <a:r>
-              <a:rPr lang="en-US" dirty="0"/>
-              <a:t>Developer asserts that they have permission to submit the code. Not a signed legal contract</a:t>
-            </a:r>
-          </a:p>
-          <a:p>
-            <a:pPr>
-              <a:spcBef>
-                <a:spcPts val="600"/>
-              </a:spcBef>
-            </a:pPr>
-            <a:r>
-              <a:rPr lang="en-US" sz="2400" dirty="0"/>
-              <a:t>Why?</a:t>
-            </a:r>
-          </a:p>
-          <a:p>
-            <a:pPr lvl="1">
-              <a:spcBef>
-                <a:spcPts val="0"/>
-              </a:spcBef>
-            </a:pPr>
-            <a:r>
-              <a:rPr lang="en-US" dirty="0"/>
-              <a:t>Clarify or make explicit terms of contribution (awareness by contributor)</a:t>
-            </a:r>
-          </a:p>
-          <a:p>
-            <a:pPr lvl="1">
-              <a:spcBef>
-                <a:spcPts val="200"/>
-              </a:spcBef>
-            </a:pPr>
-            <a:r>
-              <a:rPr lang="en-US" dirty="0"/>
-              <a:t>Obtain additional rights, e.g., relicensing, patents, etc.</a:t>
-            </a:r>
-          </a:p>
-          <a:p>
-            <a:pPr lvl="1">
-              <a:spcBef>
-                <a:spcPts val="200"/>
-              </a:spcBef>
-            </a:pPr>
-            <a:r>
-              <a:rPr lang="en-US" dirty="0"/>
-              <a:t>Ensure “clear title” to make the contribution</a:t>
-            </a:r>
-          </a:p>
-          <a:p>
-            <a:pPr>
-              <a:spcBef>
-                <a:spcPts val="600"/>
-              </a:spcBef>
-            </a:pPr>
-            <a:r>
-              <a:rPr lang="en-US" sz="2400" dirty="0"/>
-              <a:t>Why not?</a:t>
-            </a:r>
-          </a:p>
-          <a:p>
-            <a:pPr lvl="1">
-              <a:spcBef>
-                <a:spcPts val="200"/>
-              </a:spcBef>
-            </a:pPr>
-            <a:r>
-              <a:rPr lang="en-US" dirty="0"/>
-              <a:t>Creates “barriers to entry” – may discourage potential contributors</a:t>
-            </a:r>
-          </a:p>
-          <a:p>
-            <a:pPr lvl="1">
-              <a:spcBef>
-                <a:spcPts val="200"/>
-              </a:spcBef>
-            </a:pPr>
-            <a:r>
-              <a:rPr lang="en-US" dirty="0"/>
-              <a:t>Legal agreements that may require official review and signature</a:t>
-            </a:r>
-          </a:p>
-          <a:p>
-            <a:pPr lvl="2">
-              <a:spcBef>
-                <a:spcPts val="200"/>
-              </a:spcBef>
-            </a:pPr>
-            <a:r>
-              <a:rPr lang="en-US" dirty="0">
-                <a:solidFill>
-                  <a:schemeClr val="accent1"/>
-                </a:solidFill>
-              </a:rPr>
-              <a:t>Experience: Lost funding for a project because lawyers wouldn’t agree to terms of a CLA</a:t>
-            </a:r>
-          </a:p>
-          <a:p>
-            <a:pPr>
-              <a:spcBef>
-                <a:spcPts val="600"/>
-              </a:spcBef>
-            </a:pPr>
-            <a:r>
-              <a:rPr lang="en-US" sz="2400" dirty="0">
-                <a:solidFill>
-                  <a:schemeClr val="accent1"/>
-                </a:solidFill>
-              </a:rPr>
-              <a:t>See Resources slide for several viewpoints </a:t>
-            </a:r>
-          </a:p>
-        </p:txBody>
-      </p:sp>
-    </p:spTree>
-    <p:extLst>
-      <p:ext uri="{BB962C8B-B14F-4D97-AF65-F5344CB8AC3E}">
-        <p14:creationId xmlns:p14="http://schemas.microsoft.com/office/powerpoint/2010/main" val="2668256845"/>
       </p:ext>
     </p:extLst>
   </p:cSld>
@@ -10067,6 +9991,251 @@
           <a:p>
             <a:r>
               <a:rPr lang="en-US" dirty="0"/>
+              <a:t>Accepting Code Contributions</a:t>
+            </a:r>
+          </a:p>
+        </p:txBody>
+      </p:sp>
+      <p:sp>
+        <p:nvSpPr>
+          <p:cNvPr id="4" name="Content Placeholder 3"/>
+          <p:cNvSpPr>
+            <a:spLocks noGrp="1"/>
+          </p:cNvSpPr>
+          <p:nvPr>
+            <p:ph sz="quarter" idx="1"/>
+          </p:nvPr>
+        </p:nvSpPr>
+        <p:spPr>
+          <a:xfrm>
+            <a:off x="663697" y="955307"/>
+            <a:ext cx="11074536" cy="4817533"/>
+          </a:xfrm>
+        </p:spPr>
+        <p:txBody>
+          <a:bodyPr>
+            <a:noAutofit/>
+          </a:bodyPr>
+          <a:lstStyle/>
+          <a:p>
+            <a:r>
+              <a:rPr lang="en-US" sz="2400" dirty="0"/>
+              <a:t>Code contributions are implicitly offered under the current license</a:t>
+            </a:r>
+          </a:p>
+          <a:p>
+            <a:pPr>
+              <a:spcBef>
+                <a:spcPts val="600"/>
+              </a:spcBef>
+            </a:pPr>
+            <a:r>
+              <a:rPr lang="en-US" sz="2400" dirty="0"/>
+              <a:t>Some projects require a contributor agreement</a:t>
+            </a:r>
+          </a:p>
+          <a:p>
+            <a:pPr lvl="1">
+              <a:spcBef>
+                <a:spcPts val="0"/>
+              </a:spcBef>
+            </a:pPr>
+            <a:r>
+              <a:rPr lang="en-US" dirty="0"/>
+              <a:t>Contributor license agreement (CLA) defines the terms between the contributor and the maintainers of the software</a:t>
+            </a:r>
+          </a:p>
+          <a:p>
+            <a:pPr lvl="1">
+              <a:spcBef>
+                <a:spcPts val="200"/>
+              </a:spcBef>
+            </a:pPr>
+            <a:r>
+              <a:rPr lang="en-US" dirty="0"/>
+              <a:t>Contributor transfer agreement (CTA) transfers copyright ownership from contributor to maintainers</a:t>
+            </a:r>
+          </a:p>
+          <a:p>
+            <a:pPr lvl="1">
+              <a:spcBef>
+                <a:spcPts val="200"/>
+              </a:spcBef>
+            </a:pPr>
+            <a:r>
+              <a:rPr lang="en-US" dirty="0"/>
+              <a:t>Developer Certificate of Origin (DCO) has been proposed as an alternative to CLAs</a:t>
+            </a:r>
+          </a:p>
+          <a:p>
+            <a:pPr lvl="2">
+              <a:spcBef>
+                <a:spcPts val="200"/>
+              </a:spcBef>
+            </a:pPr>
+            <a:r>
+              <a:rPr lang="en-US" dirty="0"/>
+              <a:t>Developer asserts that they have permission to submit the code. Not a signed legal contract</a:t>
+            </a:r>
+          </a:p>
+          <a:p>
+            <a:pPr>
+              <a:spcBef>
+                <a:spcPts val="600"/>
+              </a:spcBef>
+            </a:pPr>
+            <a:r>
+              <a:rPr lang="en-US" sz="2400" dirty="0"/>
+              <a:t>Why?</a:t>
+            </a:r>
+          </a:p>
+          <a:p>
+            <a:pPr lvl="1">
+              <a:spcBef>
+                <a:spcPts val="0"/>
+              </a:spcBef>
+            </a:pPr>
+            <a:r>
+              <a:rPr lang="en-US" dirty="0"/>
+              <a:t>Clarify or make explicit terms of contribution (awareness by contributor)</a:t>
+            </a:r>
+          </a:p>
+          <a:p>
+            <a:pPr lvl="1">
+              <a:spcBef>
+                <a:spcPts val="200"/>
+              </a:spcBef>
+            </a:pPr>
+            <a:r>
+              <a:rPr lang="en-US" dirty="0"/>
+              <a:t>Obtain additional rights, e.g., relicensing, patents, etc.</a:t>
+            </a:r>
+          </a:p>
+          <a:p>
+            <a:pPr lvl="1">
+              <a:spcBef>
+                <a:spcPts val="200"/>
+              </a:spcBef>
+            </a:pPr>
+            <a:r>
+              <a:rPr lang="en-US" dirty="0"/>
+              <a:t>Ensure “clear title” to make the contribution</a:t>
+            </a:r>
+          </a:p>
+          <a:p>
+            <a:pPr>
+              <a:spcBef>
+                <a:spcPts val="600"/>
+              </a:spcBef>
+            </a:pPr>
+            <a:r>
+              <a:rPr lang="en-US" sz="2400" dirty="0"/>
+              <a:t>Why not?</a:t>
+            </a:r>
+          </a:p>
+          <a:p>
+            <a:pPr lvl="1">
+              <a:spcBef>
+                <a:spcPts val="200"/>
+              </a:spcBef>
+            </a:pPr>
+            <a:r>
+              <a:rPr lang="en-US" dirty="0"/>
+              <a:t>Creates “barriers to entry” – may discourage potential contributors</a:t>
+            </a:r>
+          </a:p>
+          <a:p>
+            <a:pPr lvl="1">
+              <a:spcBef>
+                <a:spcPts val="200"/>
+              </a:spcBef>
+            </a:pPr>
+            <a:r>
+              <a:rPr lang="en-US" dirty="0"/>
+              <a:t>Legal agreements that may require official review and signature</a:t>
+            </a:r>
+          </a:p>
+          <a:p>
+            <a:pPr lvl="2">
+              <a:spcBef>
+                <a:spcPts val="200"/>
+              </a:spcBef>
+            </a:pPr>
+            <a:r>
+              <a:rPr lang="en-US" dirty="0">
+                <a:solidFill>
+                  <a:schemeClr val="accent1"/>
+                </a:solidFill>
+              </a:rPr>
+              <a:t>Experience: Lost funding for a project because lawyers wouldn’t agree to terms of a CLA</a:t>
+            </a:r>
+          </a:p>
+          <a:p>
+            <a:pPr>
+              <a:spcBef>
+                <a:spcPts val="600"/>
+              </a:spcBef>
+            </a:pPr>
+            <a:r>
+              <a:rPr lang="en-US" sz="2400" dirty="0">
+                <a:solidFill>
+                  <a:schemeClr val="accent1"/>
+                </a:solidFill>
+              </a:rPr>
+              <a:t>See Resources slide for several viewpoints </a:t>
+            </a:r>
+          </a:p>
+        </p:txBody>
+      </p:sp>
+    </p:spTree>
+    <p:extLst>
+      <p:ext uri="{BB962C8B-B14F-4D97-AF65-F5344CB8AC3E}">
+        <p14:creationId xmlns:p14="http://schemas.microsoft.com/office/powerpoint/2010/main" val="2668256845"/>
+      </p:ext>
+    </p:extLst>
+  </p:cSld>
+  <p:clrMapOvr>
+    <a:masterClrMapping/>
+  </p:clrMapOvr>
+</p:sld>
+</file>
+
+<file path=ppt/slides/slide34.xml><?xml version="1.0" encoding="utf-8"?>
+<p:sld xmlns:a="http://schemas.openxmlformats.org/drawingml/2006/main" xmlns:r="http://schemas.openxmlformats.org/officeDocument/2006/relationships" xmlns:p="http://schemas.openxmlformats.org/presentationml/2006/main">
+  <p:cSld>
+    <p:spTree>
+      <p:nvGrpSpPr>
+        <p:cNvPr id="1" name=""/>
+        <p:cNvGrpSpPr/>
+        <p:nvPr/>
+      </p:nvGrpSpPr>
+      <p:grpSpPr>
+        <a:xfrm>
+          <a:off x="0" y="0"/>
+          <a:ext cx="0" cy="0"/>
+          <a:chOff x="0" y="0"/>
+          <a:chExt cx="0" cy="0"/>
+        </a:xfrm>
+      </p:grpSpPr>
+      <p:sp>
+        <p:nvSpPr>
+          <p:cNvPr id="2" name="Title 1"/>
+          <p:cNvSpPr>
+            <a:spLocks noGrp="1"/>
+          </p:cNvSpPr>
+          <p:nvPr>
+            <p:ph type="title"/>
+          </p:nvPr>
+        </p:nvSpPr>
+        <p:spPr/>
+        <p:txBody>
+          <a:bodyPr>
+            <a:normAutofit/>
+          </a:bodyPr>
+          <a:lstStyle/>
+          <a:p>
+            <a:r>
+              <a:rPr lang="en-US" dirty="0"/>
               <a:t>Managing Copyright Notices in Software</a:t>
             </a:r>
           </a:p>
@@ -10241,7 +10410,7 @@
 </p:sld>
 </file>
 
-<file path=ppt/slides/slide34.xml><?xml version="1.0" encoding="utf-8"?>
+<file path=ppt/slides/slide35.xml><?xml version="1.0" encoding="utf-8"?>
 <p:sld xmlns:a="http://schemas.openxmlformats.org/drawingml/2006/main" xmlns:r="http://schemas.openxmlformats.org/officeDocument/2006/relationships" xmlns:p="http://schemas.openxmlformats.org/presentationml/2006/main">
   <p:cSld>
     <p:spTree>
@@ -10549,7 +10718,7 @@
 </p:sld>
 </file>
 
-<file path=ppt/slides/slide35.xml><?xml version="1.0" encoding="utf-8"?>
+<file path=ppt/slides/slide36.xml><?xml version="1.0" encoding="utf-8"?>
 <p:sld xmlns:a="http://schemas.openxmlformats.org/drawingml/2006/main" xmlns:r="http://schemas.openxmlformats.org/officeDocument/2006/relationships" xmlns:p="http://schemas.openxmlformats.org/presentationml/2006/main">
   <p:cSld>
     <p:spTree>
@@ -10844,216 +11013,6 @@
     <p:extLst>
       <p:ext uri="{BB962C8B-B14F-4D97-AF65-F5344CB8AC3E}">
         <p14:creationId xmlns:p14="http://schemas.microsoft.com/office/powerpoint/2010/main" val="206852533"/>
-      </p:ext>
-    </p:extLst>
-  </p:cSld>
-  <p:clrMapOvr>
-    <a:masterClrMapping/>
-  </p:clrMapOvr>
-</p:sld>
-</file>
-
-<file path=ppt/slides/slide36.xml><?xml version="1.0" encoding="utf-8"?>
-<p:sld xmlns:a="http://schemas.openxmlformats.org/drawingml/2006/main" xmlns:r="http://schemas.openxmlformats.org/officeDocument/2006/relationships" xmlns:p="http://schemas.openxmlformats.org/presentationml/2006/main">
-  <p:cSld>
-    <p:spTree>
-      <p:nvGrpSpPr>
-        <p:cNvPr id="1" name=""/>
-        <p:cNvGrpSpPr/>
-        <p:nvPr/>
-      </p:nvGrpSpPr>
-      <p:grpSpPr>
-        <a:xfrm>
-          <a:off x="0" y="0"/>
-          <a:ext cx="0" cy="0"/>
-          <a:chOff x="0" y="0"/>
-          <a:chExt cx="0" cy="0"/>
-        </a:xfrm>
-      </p:grpSpPr>
-      <p:sp>
-        <p:nvSpPr>
-          <p:cNvPr id="2" name="Title 1">
-            <a:extLst>
-              <a:ext uri="{FF2B5EF4-FFF2-40B4-BE49-F238E27FC236}">
-                <a16:creationId xmlns:a16="http://schemas.microsoft.com/office/drawing/2014/main" id="{FD8F00DC-921E-4C37-88A8-8242F4DEB24D}"/>
-              </a:ext>
-            </a:extLst>
-          </p:cNvPr>
-          <p:cNvSpPr>
-            <a:spLocks noGrp="1"/>
-          </p:cNvSpPr>
-          <p:nvPr>
-            <p:ph type="title"/>
-          </p:nvPr>
-        </p:nvSpPr>
-        <p:spPr/>
-        <p:txBody>
-          <a:bodyPr/>
-          <a:lstStyle/>
-          <a:p>
-            <a:r>
-              <a:rPr lang="en-US" dirty="0"/>
-              <a:t>Additional resources recommended by others (1/3)</a:t>
-            </a:r>
-          </a:p>
-        </p:txBody>
-      </p:sp>
-      <p:sp>
-        <p:nvSpPr>
-          <p:cNvPr id="3" name="Content Placeholder 2">
-            <a:extLst>
-              <a:ext uri="{FF2B5EF4-FFF2-40B4-BE49-F238E27FC236}">
-                <a16:creationId xmlns:a16="http://schemas.microsoft.com/office/drawing/2014/main" id="{1F214064-5F1C-4094-A6EF-4177377FAE6D}"/>
-              </a:ext>
-            </a:extLst>
-          </p:cNvPr>
-          <p:cNvSpPr>
-            <a:spLocks noGrp="1"/>
-          </p:cNvSpPr>
-          <p:nvPr>
-            <p:ph idx="1"/>
-          </p:nvPr>
-        </p:nvSpPr>
-        <p:spPr>
-          <a:xfrm>
-            <a:off x="365760" y="1399434"/>
-            <a:ext cx="11369809" cy="4047778"/>
-          </a:xfrm>
-        </p:spPr>
-        <p:txBody>
-          <a:bodyPr/>
-          <a:lstStyle/>
-          <a:p>
-            <a:pPr marL="0" indent="0">
-              <a:buNone/>
-            </a:pPr>
-            <a:r>
-              <a:rPr lang="en-US" i="1" dirty="0"/>
-              <a:t>I have not yet studied these carefully myself, but I trust the people who recommend them.</a:t>
-            </a:r>
-          </a:p>
-          <a:p>
-            <a:r>
-              <a:rPr lang="en-US" dirty="0">
-                <a:hlinkClick r:id="rId2"/>
-              </a:rPr>
-              <a:t>Neil </a:t>
-            </a:r>
-            <a:r>
-              <a:rPr lang="en-US" dirty="0" err="1">
-                <a:hlinkClick r:id="rId2"/>
-              </a:rPr>
-              <a:t>Chue</a:t>
-            </a:r>
-            <a:r>
-              <a:rPr lang="en-US" dirty="0">
-                <a:hlinkClick r:id="rId2"/>
-              </a:rPr>
-              <a:t> Hong</a:t>
-            </a:r>
-            <a:r>
-              <a:rPr lang="en-US" dirty="0"/>
-              <a:t> (Software Sustainability Institute) from his tutorial </a:t>
-            </a:r>
-            <a:r>
-              <a:rPr lang="en-US" dirty="0">
-                <a:hlinkClick r:id="rId3"/>
-              </a:rPr>
-              <a:t>An Introduction to Software Licensing</a:t>
-            </a:r>
-            <a:r>
-              <a:rPr lang="en-US" dirty="0"/>
-              <a:t> (yes, the same title as this presentation, but developed completely independently)</a:t>
-            </a:r>
-          </a:p>
-          <a:p>
-            <a:pPr lvl="1"/>
-            <a:r>
-              <a:rPr lang="en-US" dirty="0">
-                <a:hlinkClick r:id="rId4"/>
-              </a:rPr>
-              <a:t>The Whys and </a:t>
-            </a:r>
-            <a:r>
-              <a:rPr lang="en-US" dirty="0" err="1">
-                <a:hlinkClick r:id="rId4"/>
-              </a:rPr>
-              <a:t>Hows</a:t>
-            </a:r>
-            <a:r>
-              <a:rPr lang="en-US" dirty="0">
-                <a:hlinkClick r:id="rId4"/>
-              </a:rPr>
-              <a:t> of Licensing Scientific Code</a:t>
-            </a:r>
-            <a:endParaRPr lang="en-US" dirty="0"/>
-          </a:p>
-          <a:p>
-            <a:pPr lvl="1"/>
-            <a:r>
-              <a:rPr lang="en-US" dirty="0">
-                <a:hlinkClick r:id="rId5"/>
-              </a:rPr>
-              <a:t>A Quick Guide to Software Licensing for the Scientist-Programmer</a:t>
-            </a:r>
-            <a:endParaRPr lang="en-US" dirty="0"/>
-          </a:p>
-          <a:p>
-            <a:pPr lvl="1"/>
-            <a:r>
-              <a:rPr lang="en-US" dirty="0">
-                <a:hlinkClick r:id="rId6"/>
-              </a:rPr>
-              <a:t>The Legal Side to Open Source</a:t>
-            </a:r>
-            <a:endParaRPr lang="en-US" dirty="0"/>
-          </a:p>
-          <a:p>
-            <a:pPr lvl="1"/>
-            <a:r>
-              <a:rPr lang="en-US" dirty="0">
-                <a:hlinkClick r:id="rId7"/>
-              </a:rPr>
-              <a:t>The International Free and Open Source Lawbook</a:t>
-            </a:r>
-            <a:endParaRPr lang="en-US" dirty="0"/>
-          </a:p>
-          <a:p>
-            <a:pPr lvl="1"/>
-            <a:r>
-              <a:rPr lang="en-US" dirty="0">
-                <a:hlinkClick r:id="rId8"/>
-              </a:rPr>
-              <a:t>qLegal: advice for tech start-ups + entrepreneurs</a:t>
-            </a:r>
-            <a:endParaRPr lang="en-US" dirty="0"/>
-          </a:p>
-          <a:p>
-            <a:pPr lvl="1"/>
-            <a:r>
-              <a:rPr lang="en-US" dirty="0">
-                <a:hlinkClick r:id="rId9"/>
-              </a:rPr>
-              <a:t>tl;dr legal: Software Licenses in Plain English</a:t>
-            </a:r>
-            <a:endParaRPr lang="en-US" dirty="0"/>
-          </a:p>
-          <a:p>
-            <a:pPr lvl="1"/>
-            <a:r>
-              <a:rPr lang="en-US" dirty="0">
-                <a:hlinkClick r:id="rId10"/>
-              </a:rPr>
-              <a:t>Open Source Software Watch</a:t>
-            </a:r>
-            <a:endParaRPr lang="en-US" dirty="0"/>
-          </a:p>
-        </p:txBody>
-      </p:sp>
-    </p:spTree>
-    <p:extLst>
-      <p:ext uri="{BB962C8B-B14F-4D97-AF65-F5344CB8AC3E}">
-        <p14:creationId xmlns:p14="http://schemas.microsoft.com/office/powerpoint/2010/main" val="2921106656"/>
       </p:ext>
     </p:extLst>
   </p:cSld>
@@ -11103,6 +11062,216 @@
           <a:p>
             <a:r>
               <a:rPr lang="en-US" dirty="0"/>
+              <a:t>Additional resources recommended by others (1/3)</a:t>
+            </a:r>
+          </a:p>
+        </p:txBody>
+      </p:sp>
+      <p:sp>
+        <p:nvSpPr>
+          <p:cNvPr id="3" name="Content Placeholder 2">
+            <a:extLst>
+              <a:ext uri="{FF2B5EF4-FFF2-40B4-BE49-F238E27FC236}">
+                <a16:creationId xmlns:a16="http://schemas.microsoft.com/office/drawing/2014/main" id="{1F214064-5F1C-4094-A6EF-4177377FAE6D}"/>
+              </a:ext>
+            </a:extLst>
+          </p:cNvPr>
+          <p:cNvSpPr>
+            <a:spLocks noGrp="1"/>
+          </p:cNvSpPr>
+          <p:nvPr>
+            <p:ph idx="1"/>
+          </p:nvPr>
+        </p:nvSpPr>
+        <p:spPr>
+          <a:xfrm>
+            <a:off x="365760" y="1399434"/>
+            <a:ext cx="11369809" cy="4047778"/>
+          </a:xfrm>
+        </p:spPr>
+        <p:txBody>
+          <a:bodyPr/>
+          <a:lstStyle/>
+          <a:p>
+            <a:pPr marL="0" indent="0">
+              <a:buNone/>
+            </a:pPr>
+            <a:r>
+              <a:rPr lang="en-US" i="1" dirty="0"/>
+              <a:t>I have not yet studied these carefully myself, but I trust the people who recommend them.</a:t>
+            </a:r>
+          </a:p>
+          <a:p>
+            <a:r>
+              <a:rPr lang="en-US" dirty="0">
+                <a:hlinkClick r:id="rId2"/>
+              </a:rPr>
+              <a:t>Neil </a:t>
+            </a:r>
+            <a:r>
+              <a:rPr lang="en-US" dirty="0" err="1">
+                <a:hlinkClick r:id="rId2"/>
+              </a:rPr>
+              <a:t>Chue</a:t>
+            </a:r>
+            <a:r>
+              <a:rPr lang="en-US" dirty="0">
+                <a:hlinkClick r:id="rId2"/>
+              </a:rPr>
+              <a:t> Hong</a:t>
+            </a:r>
+            <a:r>
+              <a:rPr lang="en-US" dirty="0"/>
+              <a:t> (Software Sustainability Institute) from his tutorial </a:t>
+            </a:r>
+            <a:r>
+              <a:rPr lang="en-US" dirty="0">
+                <a:hlinkClick r:id="rId3"/>
+              </a:rPr>
+              <a:t>An Introduction to Software Licensing</a:t>
+            </a:r>
+            <a:r>
+              <a:rPr lang="en-US" dirty="0"/>
+              <a:t> (yes, the same title as this presentation, but developed completely independently)</a:t>
+            </a:r>
+          </a:p>
+          <a:p>
+            <a:pPr lvl="1"/>
+            <a:r>
+              <a:rPr lang="en-US" dirty="0">
+                <a:hlinkClick r:id="rId4"/>
+              </a:rPr>
+              <a:t>The Whys and </a:t>
+            </a:r>
+            <a:r>
+              <a:rPr lang="en-US" dirty="0" err="1">
+                <a:hlinkClick r:id="rId4"/>
+              </a:rPr>
+              <a:t>Hows</a:t>
+            </a:r>
+            <a:r>
+              <a:rPr lang="en-US" dirty="0">
+                <a:hlinkClick r:id="rId4"/>
+              </a:rPr>
+              <a:t> of Licensing Scientific Code</a:t>
+            </a:r>
+            <a:endParaRPr lang="en-US" dirty="0"/>
+          </a:p>
+          <a:p>
+            <a:pPr lvl="1"/>
+            <a:r>
+              <a:rPr lang="en-US" dirty="0">
+                <a:hlinkClick r:id="rId5"/>
+              </a:rPr>
+              <a:t>A Quick Guide to Software Licensing for the Scientist-Programmer</a:t>
+            </a:r>
+            <a:endParaRPr lang="en-US" dirty="0"/>
+          </a:p>
+          <a:p>
+            <a:pPr lvl="1"/>
+            <a:r>
+              <a:rPr lang="en-US" dirty="0">
+                <a:hlinkClick r:id="rId6"/>
+              </a:rPr>
+              <a:t>The Legal Side to Open Source</a:t>
+            </a:r>
+            <a:endParaRPr lang="en-US" dirty="0"/>
+          </a:p>
+          <a:p>
+            <a:pPr lvl="1"/>
+            <a:r>
+              <a:rPr lang="en-US" dirty="0">
+                <a:hlinkClick r:id="rId7"/>
+              </a:rPr>
+              <a:t>The International Free and Open Source Lawbook</a:t>
+            </a:r>
+            <a:endParaRPr lang="en-US" dirty="0"/>
+          </a:p>
+          <a:p>
+            <a:pPr lvl="1"/>
+            <a:r>
+              <a:rPr lang="en-US" dirty="0">
+                <a:hlinkClick r:id="rId8"/>
+              </a:rPr>
+              <a:t>qLegal: advice for tech start-ups + entrepreneurs</a:t>
+            </a:r>
+            <a:endParaRPr lang="en-US" dirty="0"/>
+          </a:p>
+          <a:p>
+            <a:pPr lvl="1"/>
+            <a:r>
+              <a:rPr lang="en-US" dirty="0">
+                <a:hlinkClick r:id="rId9"/>
+              </a:rPr>
+              <a:t>tl;dr legal: Software Licenses in Plain English</a:t>
+            </a:r>
+            <a:endParaRPr lang="en-US" dirty="0"/>
+          </a:p>
+          <a:p>
+            <a:pPr lvl="1"/>
+            <a:r>
+              <a:rPr lang="en-US" dirty="0">
+                <a:hlinkClick r:id="rId10"/>
+              </a:rPr>
+              <a:t>Open Source Software Watch</a:t>
+            </a:r>
+            <a:endParaRPr lang="en-US" dirty="0"/>
+          </a:p>
+        </p:txBody>
+      </p:sp>
+    </p:spTree>
+    <p:extLst>
+      <p:ext uri="{BB962C8B-B14F-4D97-AF65-F5344CB8AC3E}">
+        <p14:creationId xmlns:p14="http://schemas.microsoft.com/office/powerpoint/2010/main" val="2921106656"/>
+      </p:ext>
+    </p:extLst>
+  </p:cSld>
+  <p:clrMapOvr>
+    <a:masterClrMapping/>
+  </p:clrMapOvr>
+</p:sld>
+</file>
+
+<file path=ppt/slides/slide38.xml><?xml version="1.0" encoding="utf-8"?>
+<p:sld xmlns:a="http://schemas.openxmlformats.org/drawingml/2006/main" xmlns:r="http://schemas.openxmlformats.org/officeDocument/2006/relationships" xmlns:p="http://schemas.openxmlformats.org/presentationml/2006/main">
+  <p:cSld>
+    <p:spTree>
+      <p:nvGrpSpPr>
+        <p:cNvPr id="1" name=""/>
+        <p:cNvGrpSpPr/>
+        <p:nvPr/>
+      </p:nvGrpSpPr>
+      <p:grpSpPr>
+        <a:xfrm>
+          <a:off x="0" y="0"/>
+          <a:ext cx="0" cy="0"/>
+          <a:chOff x="0" y="0"/>
+          <a:chExt cx="0" cy="0"/>
+        </a:xfrm>
+      </p:grpSpPr>
+      <p:sp>
+        <p:nvSpPr>
+          <p:cNvPr id="2" name="Title 1">
+            <a:extLst>
+              <a:ext uri="{FF2B5EF4-FFF2-40B4-BE49-F238E27FC236}">
+                <a16:creationId xmlns:a16="http://schemas.microsoft.com/office/drawing/2014/main" id="{FD8F00DC-921E-4C37-88A8-8242F4DEB24D}"/>
+              </a:ext>
+            </a:extLst>
+          </p:cNvPr>
+          <p:cNvSpPr>
+            <a:spLocks noGrp="1"/>
+          </p:cNvSpPr>
+          <p:nvPr>
+            <p:ph type="title"/>
+          </p:nvPr>
+        </p:nvSpPr>
+        <p:spPr/>
+        <p:txBody>
+          <a:bodyPr/>
+          <a:lstStyle/>
+          <a:p>
+            <a:r>
+              <a:rPr lang="en-US" dirty="0"/>
               <a:t>Additional resources recommended by others (2/3)</a:t>
             </a:r>
           </a:p>
@@ -11300,7 +11469,7 @@
 </p:sld>
 </file>
 
-<file path=ppt/slides/slide38.xml><?xml version="1.0" encoding="utf-8"?>
+<file path=ppt/slides/slide39.xml><?xml version="1.0" encoding="utf-8"?>
 <p:sld xmlns:a="http://schemas.openxmlformats.org/drawingml/2006/main" xmlns:r="http://schemas.openxmlformats.org/officeDocument/2006/relationships" xmlns:p="http://schemas.openxmlformats.org/presentationml/2006/main">
   <p:cSld>
     <p:spTree>
@@ -13854,6 +14023,12 @@
 </file>
 
 <file path=customXml/item1.xml><?xml version="1.0" encoding="utf-8"?>
+<p:properties xmlns:p="http://schemas.microsoft.com/office/2006/metadata/properties" xmlns:xsi="http://www.w3.org/2001/XMLSchema-instance" xmlns:pc="http://schemas.microsoft.com/office/infopath/2007/PartnerControls">
+  <documentManagement/>
+</p:properties>
+</file>
+
+<file path=customXml/item2.xml><?xml version="1.0" encoding="utf-8"?>
 <ct:contentTypeSchema xmlns:ct="http://schemas.microsoft.com/office/2006/metadata/contentType" xmlns:ma="http://schemas.microsoft.com/office/2006/metadata/properties/metaAttributes" ct:_="" ma:_="" ma:contentTypeName="Document" ma:contentTypeID="0x010100565464437F680748A68B85EB6594EA7D" ma:contentTypeVersion="0" ma:contentTypeDescription="Create a new document." ma:contentTypeScope="" ma:versionID="fe3f4dd58d5914c51cfc6deaa8ad845c">
   <xsd:schema xmlns:xsd="http://www.w3.org/2001/XMLSchema" xmlns:p="http://schemas.microsoft.com/office/2006/metadata/properties" targetNamespace="http://schemas.microsoft.com/office/2006/metadata/properties" ma:root="true" ma:fieldsID="4aeb20c0e3442673af7ee10786458764">
     <xsd:element name="properties">
@@ -13902,12 +14077,6 @@
 </ct:contentTypeSchema>
 </file>
 
-<file path=customXml/item2.xml><?xml version="1.0" encoding="utf-8"?>
-<p:properties xmlns:p="http://schemas.microsoft.com/office/2006/metadata/properties" xmlns:xsi="http://www.w3.org/2001/XMLSchema-instance" xmlns:pc="http://schemas.microsoft.com/office/infopath/2007/PartnerControls">
-  <documentManagement/>
-</p:properties>
-</file>
-
 <file path=customXml/item3.xml><?xml version="1.0" encoding="utf-8"?>
 <?mso-contentType ?>
 <FormTemplates xmlns="http://schemas.microsoft.com/sharepoint/v3/contenttype/forms">
@@ -13918,6 +14087,21 @@
 </file>
 
 <file path=customXml/itemProps1.xml><?xml version="1.0" encoding="utf-8"?>
+<ds:datastoreItem xmlns:ds="http://schemas.openxmlformats.org/officeDocument/2006/customXml" ds:itemID="{A50EC660-24D0-43A0-AE5E-E274115E726B}">
+  <ds:schemaRefs>
+    <ds:schemaRef ds:uri="http://purl.org/dc/elements/1.1/"/>
+    <ds:schemaRef ds:uri="http://schemas.microsoft.com/office/2006/metadata/properties"/>
+    <ds:schemaRef ds:uri="http://purl.org/dc/terms/"/>
+    <ds:schemaRef ds:uri="http://schemas.openxmlformats.org/package/2006/metadata/core-properties"/>
+    <ds:schemaRef ds:uri="http://schemas.microsoft.com/office/2006/documentManagement/types"/>
+    <ds:schemaRef ds:uri="http://www.w3.org/XML/1998/namespace"/>
+    <ds:schemaRef ds:uri="http://purl.org/dc/dcmitype/"/>
+    <ds:schemaRef ds:uri="http://schemas.microsoft.com/office/infopath/2007/PartnerControls"/>
+  </ds:schemaRefs>
+</ds:datastoreItem>
+</file>
+
+<file path=customXml/itemProps2.xml><?xml version="1.0" encoding="utf-8"?>
 <ds:datastoreItem xmlns:ds="http://schemas.openxmlformats.org/officeDocument/2006/customXml" ds:itemID="{E8DB7DEB-074E-4EE8-9B6E-FD277323109C}">
   <ds:schemaRefs>
     <ds:schemaRef ds:uri="http://schemas.microsoft.com/office/2006/metadata/contentType"/>
@@ -13932,21 +14116,6 @@
 </ds:datastoreItem>
 </file>
 
-<file path=customXml/itemProps2.xml><?xml version="1.0" encoding="utf-8"?>
-<ds:datastoreItem xmlns:ds="http://schemas.openxmlformats.org/officeDocument/2006/customXml" ds:itemID="{A50EC660-24D0-43A0-AE5E-E274115E726B}">
-  <ds:schemaRefs>
-    <ds:schemaRef ds:uri="http://purl.org/dc/elements/1.1/"/>
-    <ds:schemaRef ds:uri="http://schemas.microsoft.com/office/2006/metadata/properties"/>
-    <ds:schemaRef ds:uri="http://purl.org/dc/terms/"/>
-    <ds:schemaRef ds:uri="http://schemas.openxmlformats.org/package/2006/metadata/core-properties"/>
-    <ds:schemaRef ds:uri="http://schemas.microsoft.com/office/2006/documentManagement/types"/>
-    <ds:schemaRef ds:uri="http://www.w3.org/XML/1998/namespace"/>
-    <ds:schemaRef ds:uri="http://purl.org/dc/dcmitype/"/>
-    <ds:schemaRef ds:uri="http://schemas.microsoft.com/office/infopath/2007/PartnerControls"/>
-  </ds:schemaRefs>
-</ds:datastoreItem>
-</file>
-
 <file path=customXml/itemProps3.xml><?xml version="1.0" encoding="utf-8"?>
 <ds:datastoreItem xmlns:ds="http://schemas.openxmlformats.org/officeDocument/2006/customXml" ds:itemID="{19E20559-B232-4371-8690-E3D8007EDB82}">
   <ds:schemaRefs>

--- a/licensing.pptx
+++ b/licensing.pptx
@@ -293,7 +293,7 @@
           <a:p>
             <a:fld id="{0B842F42-2CE9-4E35-95C1-410DC08A50B1}" type="datetimeFigureOut">
               <a:rPr lang="en-US" smtClean="0"/>
-              <a:t>8/1/2022</a:t>
+              <a:t>8/2/2022</a:t>
             </a:fld>
             <a:endParaRPr lang="en-US"/>
           </a:p>
@@ -458,7 +458,7 @@
           <a:p>
             <a:fld id="{6F282904-F315-4730-8D91-37D99E141A6F}" type="datetimeFigureOut">
               <a:rPr lang="en-US" smtClean="0"/>
-              <a:t>8/1/2022</a:t>
+              <a:t>8/2/2022</a:t>
             </a:fld>
             <a:endParaRPr lang="en-US"/>
           </a:p>
@@ -10752,7 +10752,7 @@
           <a:p>
             <a:r>
               <a:rPr lang="en-US" dirty="0"/>
-              <a:t>Resources</a:t>
+              <a:t>Additional Resources</a:t>
             </a:r>
           </a:p>
         </p:txBody>
@@ -10788,11 +10788,11 @@
               <a:rPr lang="en-US" sz="2200" dirty="0">
                 <a:hlinkClick r:id="rId2"/>
               </a:rPr>
-              <a:t>https://opensource.org</a:t>
+              <a:t>Software Freedom Law Center</a:t>
             </a:r>
             <a:r>
               <a:rPr lang="en-US" sz="2200" dirty="0"/>
-              <a:t> (OSI)</a:t>
+              <a:t> (SFLC)</a:t>
             </a:r>
           </a:p>
           <a:p>
@@ -10805,12 +10805,9 @@
               <a:rPr lang="en-US" sz="2200" dirty="0">
                 <a:hlinkClick r:id="rId3"/>
               </a:rPr>
-              <a:t>http://www.fsf.org/licensing/</a:t>
-            </a:r>
-            <a:r>
-              <a:rPr lang="en-US" sz="2200" dirty="0"/>
-              <a:t> (FSF)</a:t>
-            </a:r>
+              <a:t>https://en.wikipedia.org/wiki/License_compatibility</a:t>
+            </a:r>
+            <a:endParaRPr lang="en-US" sz="2200" dirty="0"/>
           </a:p>
           <a:p>
             <a:pPr>
@@ -10822,7 +10819,7 @@
               <a:rPr lang="en-US" sz="2200" dirty="0">
                 <a:hlinkClick r:id="rId4"/>
               </a:rPr>
-              <a:t>https://choosealicense.com</a:t>
+              <a:t>http://contributoragreements.org/</a:t>
             </a:r>
             <a:r>
               <a:rPr lang="en-US" sz="2200" dirty="0"/>
@@ -10832,12 +10829,19 @@
               <a:rPr lang="en-US" sz="2200" dirty="0">
                 <a:hlinkClick r:id="rId5"/>
               </a:rPr>
-              <a:t>https://choosealicense.com/appendix/</a:t>
+              <a:t>https://developercertificate.org/</a:t>
             </a:r>
             <a:r>
               <a:rPr lang="en-US" sz="2200" dirty="0"/>
-              <a:t> (GitHub)</a:t>
-            </a:r>
+              <a:t> and </a:t>
+            </a:r>
+            <a:r>
+              <a:rPr lang="en-US" sz="2200" dirty="0">
+                <a:hlinkClick r:id="rId6"/>
+              </a:rPr>
+              <a:t>http://ebb.org/bkuhn/blog/2014/06/09/do-not-need-cla.html</a:t>
+            </a:r>
+            <a:endParaRPr lang="en-US" sz="2200" dirty="0"/>
           </a:p>
           <a:p>
             <a:pPr>
@@ -10847,120 +10851,7 @@
             </a:pPr>
             <a:r>
               <a:rPr lang="en-US" sz="2200" dirty="0">
-                <a:hlinkClick r:id="rId6"/>
-              </a:rPr>
-              <a:t>Software Freedom Law Center</a:t>
-            </a:r>
-            <a:r>
-              <a:rPr lang="en-US" sz="2200" dirty="0"/>
-              <a:t> (SFLC)</a:t>
-            </a:r>
-          </a:p>
-          <a:p>
-            <a:pPr>
-              <a:spcBef>
-                <a:spcPts val="800"/>
-              </a:spcBef>
-            </a:pPr>
-            <a:r>
-              <a:rPr lang="en-US" sz="2200" dirty="0">
                 <a:hlinkClick r:id="rId7"/>
-              </a:rPr>
-              <a:t>https://en.wikipedia.org/wiki/License_compatibility</a:t>
-            </a:r>
-            <a:endParaRPr lang="en-US" sz="2200" dirty="0"/>
-          </a:p>
-          <a:p>
-            <a:pPr>
-              <a:spcBef>
-                <a:spcPts val="800"/>
-              </a:spcBef>
-            </a:pPr>
-            <a:r>
-              <a:rPr lang="en-US" sz="2200" dirty="0">
-                <a:hlinkClick r:id="rId8"/>
-              </a:rPr>
-              <a:t>Managing Copyright Information within a Free Software Project</a:t>
-            </a:r>
-            <a:endParaRPr lang="en-US" sz="2200" dirty="0"/>
-          </a:p>
-          <a:p>
-            <a:pPr>
-              <a:spcBef>
-                <a:spcPts val="800"/>
-              </a:spcBef>
-            </a:pPr>
-            <a:r>
-              <a:rPr lang="en-US" sz="2200" dirty="0">
-                <a:hlinkClick r:id="rId9"/>
-              </a:rPr>
-              <a:t>Software Package Data Exchange</a:t>
-            </a:r>
-            <a:r>
-              <a:rPr lang="en-US" sz="2200" dirty="0"/>
-              <a:t> (SPDX, emerging standard)</a:t>
-            </a:r>
-          </a:p>
-          <a:p>
-            <a:pPr>
-              <a:spcBef>
-                <a:spcPts val="800"/>
-              </a:spcBef>
-            </a:pPr>
-            <a:r>
-              <a:rPr lang="en-US" sz="2200" dirty="0">
-                <a:hlinkClick r:id="rId10"/>
-              </a:rPr>
-              <a:t>http://contributoragreements.org/</a:t>
-            </a:r>
-            <a:r>
-              <a:rPr lang="en-US" sz="2200" dirty="0"/>
-              <a:t>, </a:t>
-            </a:r>
-            <a:r>
-              <a:rPr lang="en-US" sz="2200" dirty="0">
-                <a:hlinkClick r:id="rId11"/>
-              </a:rPr>
-              <a:t>https://developercertificate.org/</a:t>
-            </a:r>
-            <a:r>
-              <a:rPr lang="en-US" sz="2200" dirty="0"/>
-              <a:t> and </a:t>
-            </a:r>
-            <a:r>
-              <a:rPr lang="en-US" sz="2200" dirty="0">
-                <a:hlinkClick r:id="rId12"/>
-              </a:rPr>
-              <a:t>http://ebb.org/bkuhn/blog/2014/06/09/do-not-need-cla.html</a:t>
-            </a:r>
-            <a:endParaRPr lang="en-US" sz="2200" dirty="0"/>
-          </a:p>
-          <a:p>
-            <a:pPr>
-              <a:spcBef>
-                <a:spcPts val="800"/>
-              </a:spcBef>
-            </a:pPr>
-            <a:r>
-              <a:rPr lang="en-US" sz="2200" dirty="0">
-                <a:hlinkClick r:id="rId13"/>
-              </a:rPr>
-              <a:t>https://creativecommons.org</a:t>
-            </a:r>
-            <a:r>
-              <a:rPr lang="en-US" sz="2200" dirty="0"/>
-              <a:t> (CC)</a:t>
-            </a:r>
-          </a:p>
-          <a:p>
-            <a:pPr>
-              <a:spcBef>
-                <a:spcPts val="800"/>
-              </a:spcBef>
-            </a:pPr>
-            <a:r>
-              <a:rPr lang="en-US" sz="2200" dirty="0">
-                <a:hlinkClick r:id="rId14"/>
               </a:rPr>
               <a:t>US DOE ASCR (open source) software policy</a:t>
             </a:r>
@@ -11210,12 +11101,9 @@
           <a:p>
             <a:pPr lvl="1"/>
             <a:r>
-              <a:rPr lang="en-US" dirty="0">
-                <a:hlinkClick r:id="rId10"/>
-              </a:rPr>
+              <a:rPr lang="en-US" dirty="0"/>
               <a:t>Open Source Software Watch</a:t>
             </a:r>
-            <a:endParaRPr lang="en-US" dirty="0"/>
           </a:p>
         </p:txBody>
       </p:sp>
@@ -14023,12 +13911,6 @@
 </file>
 
 <file path=customXml/item1.xml><?xml version="1.0" encoding="utf-8"?>
-<p:properties xmlns:p="http://schemas.microsoft.com/office/2006/metadata/properties" xmlns:xsi="http://www.w3.org/2001/XMLSchema-instance" xmlns:pc="http://schemas.microsoft.com/office/infopath/2007/PartnerControls">
-  <documentManagement/>
-</p:properties>
-</file>
-
-<file path=customXml/item2.xml><?xml version="1.0" encoding="utf-8"?>
 <ct:contentTypeSchema xmlns:ct="http://schemas.microsoft.com/office/2006/metadata/contentType" xmlns:ma="http://schemas.microsoft.com/office/2006/metadata/properties/metaAttributes" ct:_="" ma:_="" ma:contentTypeName="Document" ma:contentTypeID="0x010100565464437F680748A68B85EB6594EA7D" ma:contentTypeVersion="0" ma:contentTypeDescription="Create a new document." ma:contentTypeScope="" ma:versionID="fe3f4dd58d5914c51cfc6deaa8ad845c">
   <xsd:schema xmlns:xsd="http://www.w3.org/2001/XMLSchema" xmlns:p="http://schemas.microsoft.com/office/2006/metadata/properties" targetNamespace="http://schemas.microsoft.com/office/2006/metadata/properties" ma:root="true" ma:fieldsID="4aeb20c0e3442673af7ee10786458764">
     <xsd:element name="properties">
@@ -14077,7 +13959,7 @@
 </ct:contentTypeSchema>
 </file>
 
-<file path=customXml/item3.xml><?xml version="1.0" encoding="utf-8"?>
+<file path=customXml/item2.xml><?xml version="1.0" encoding="utf-8"?>
 <?mso-contentType ?>
 <FormTemplates xmlns="http://schemas.microsoft.com/sharepoint/v3/contenttype/forms">
   <Display>DocumentLibraryForm</Display>
@@ -14086,22 +13968,13 @@
 </FormTemplates>
 </file>
 
-<file path=customXml/itemProps1.xml><?xml version="1.0" encoding="utf-8"?>
-<ds:datastoreItem xmlns:ds="http://schemas.openxmlformats.org/officeDocument/2006/customXml" ds:itemID="{A50EC660-24D0-43A0-AE5E-E274115E726B}">
-  <ds:schemaRefs>
-    <ds:schemaRef ds:uri="http://purl.org/dc/elements/1.1/"/>
-    <ds:schemaRef ds:uri="http://schemas.microsoft.com/office/2006/metadata/properties"/>
-    <ds:schemaRef ds:uri="http://purl.org/dc/terms/"/>
-    <ds:schemaRef ds:uri="http://schemas.openxmlformats.org/package/2006/metadata/core-properties"/>
-    <ds:schemaRef ds:uri="http://schemas.microsoft.com/office/2006/documentManagement/types"/>
-    <ds:schemaRef ds:uri="http://www.w3.org/XML/1998/namespace"/>
-    <ds:schemaRef ds:uri="http://purl.org/dc/dcmitype/"/>
-    <ds:schemaRef ds:uri="http://schemas.microsoft.com/office/infopath/2007/PartnerControls"/>
-  </ds:schemaRefs>
-</ds:datastoreItem>
+<file path=customXml/item3.xml><?xml version="1.0" encoding="utf-8"?>
+<p:properties xmlns:p="http://schemas.microsoft.com/office/2006/metadata/properties" xmlns:xsi="http://www.w3.org/2001/XMLSchema-instance" xmlns:pc="http://schemas.microsoft.com/office/infopath/2007/PartnerControls">
+  <documentManagement/>
+</p:properties>
 </file>
 
-<file path=customXml/itemProps2.xml><?xml version="1.0" encoding="utf-8"?>
+<file path=customXml/itemProps1.xml><?xml version="1.0" encoding="utf-8"?>
 <ds:datastoreItem xmlns:ds="http://schemas.openxmlformats.org/officeDocument/2006/customXml" ds:itemID="{E8DB7DEB-074E-4EE8-9B6E-FD277323109C}">
   <ds:schemaRefs>
     <ds:schemaRef ds:uri="http://schemas.microsoft.com/office/2006/metadata/contentType"/>
@@ -14116,10 +13989,25 @@
 </ds:datastoreItem>
 </file>
 
-<file path=customXml/itemProps3.xml><?xml version="1.0" encoding="utf-8"?>
+<file path=customXml/itemProps2.xml><?xml version="1.0" encoding="utf-8"?>
 <ds:datastoreItem xmlns:ds="http://schemas.openxmlformats.org/officeDocument/2006/customXml" ds:itemID="{19E20559-B232-4371-8690-E3D8007EDB82}">
   <ds:schemaRefs>
     <ds:schemaRef ds:uri="http://schemas.microsoft.com/sharepoint/v3/contenttype/forms"/>
   </ds:schemaRefs>
 </ds:datastoreItem>
+</file>
+
+<file path=customXml/itemProps3.xml><?xml version="1.0" encoding="utf-8"?>
+<ds:datastoreItem xmlns:ds="http://schemas.openxmlformats.org/officeDocument/2006/customXml" ds:itemID="{A50EC660-24D0-43A0-AE5E-E274115E726B}">
+  <ds:schemaRefs>
+    <ds:schemaRef ds:uri="http://purl.org/dc/elements/1.1/"/>
+    <ds:schemaRef ds:uri="http://schemas.microsoft.com/office/2006/metadata/properties"/>
+    <ds:schemaRef ds:uri="http://purl.org/dc/terms/"/>
+    <ds:schemaRef ds:uri="http://schemas.openxmlformats.org/package/2006/metadata/core-properties"/>
+    <ds:schemaRef ds:uri="http://schemas.microsoft.com/office/2006/documentManagement/types"/>
+    <ds:schemaRef ds:uri="http://www.w3.org/XML/1998/namespace"/>
+    <ds:schemaRef ds:uri="http://purl.org/dc/dcmitype/"/>
+    <ds:schemaRef ds:uri="http://schemas.microsoft.com/office/infopath/2007/PartnerControls"/>
+  </ds:schemaRefs>
+</ds:datastoreItem>
 </file>
--- a/licensing.pptx
+++ b/licensing.pptx
@@ -12,7 +12,7 @@
   </p:handoutMasterIdLst>
   <p:sldIdLst>
     <p:sldId id="256" r:id="rId5"/>
-    <p:sldId id="330" r:id="rId6"/>
+    <p:sldId id="333" r:id="rId6"/>
     <p:sldId id="285" r:id="rId7"/>
     <p:sldId id="280" r:id="rId8"/>
     <p:sldId id="259" r:id="rId9"/>
@@ -293,7 +293,7 @@
           <a:p>
             <a:fld id="{0B842F42-2CE9-4E35-95C1-410DC08A50B1}" type="datetimeFigureOut">
               <a:rPr lang="en-US" smtClean="0"/>
-              <a:t>8/2/2022</a:t>
+              <a:t>8/9/2022</a:t>
             </a:fld>
             <a:endParaRPr lang="en-US"/>
           </a:p>
@@ -458,7 +458,7 @@
           <a:p>
             <a:fld id="{6F282904-F315-4730-8D91-37D99E141A6F}" type="datetimeFigureOut">
               <a:rPr lang="en-US" smtClean="0"/>
-              <a:t>8/2/2022</a:t>
+              <a:t>8/9/2022</a:t>
             </a:fld>
             <a:endParaRPr lang="en-US"/>
           </a:p>
@@ -7597,14 +7597,19 @@
             <p:ph type="title"/>
           </p:nvPr>
         </p:nvSpPr>
-        <p:spPr/>
+        <p:spPr>
+          <a:xfrm>
+            <a:off x="363096" y="112911"/>
+            <a:ext cx="11372473" cy="914400"/>
+          </a:xfrm>
+        </p:spPr>
         <p:txBody>
           <a:bodyPr/>
           <a:lstStyle/>
           <a:p>
             <a:r>
               <a:rPr lang="en-US" dirty="0"/>
-              <a:t>Disclaimer, License, Citation and Acknowledgements</a:t>
+              <a:t>License, Citation and Acknowledgements</a:t>
             </a:r>
           </a:p>
         </p:txBody>
@@ -7627,7 +7632,7 @@
         </p:nvSpPr>
         <p:spPr>
           <a:xfrm>
-            <a:off x="365760" y="862719"/>
+            <a:off x="409507" y="570111"/>
             <a:ext cx="11369809" cy="4047778"/>
           </a:xfrm>
         </p:spPr>
@@ -7640,22 +7645,7 @@
             </a:pPr>
             <a:r>
               <a:rPr lang="en-US" sz="2000" b="1" dirty="0"/>
-              <a:t>Disclaimers</a:t>
-            </a:r>
-          </a:p>
-          <a:p>
-            <a:pPr>
-              <a:spcBef>
-                <a:spcPts val="200"/>
-              </a:spcBef>
-            </a:pPr>
-            <a:r>
-              <a:rPr lang="en-US" sz="1800" u="sng" dirty="0"/>
-              <a:t>This is not legal advice</a:t>
-            </a:r>
-            <a:r>
-              <a:rPr lang="en-US" sz="1800" dirty="0"/>
-              <a:t> (TINLA). Consult with true experts before making any consequential decisions</a:t>
+              <a:t>License and Citation</a:t>
             </a:r>
           </a:p>
           <a:p>
@@ -7665,49 +7655,23 @@
               </a:spcBef>
             </a:pPr>
             <a:r>
-              <a:rPr lang="en-US" sz="1800" dirty="0"/>
-              <a:t>Copyright laws differ by country. Some info may be US-centric </a:t>
-            </a:r>
-          </a:p>
-          <a:p>
-            <a:pPr marL="0" indent="0">
-              <a:lnSpc>
-                <a:spcPct val="110000"/>
-              </a:lnSpc>
-              <a:spcBef>
-                <a:spcPts val="800"/>
-              </a:spcBef>
-              <a:buNone/>
-            </a:pPr>
-            <a:r>
-              <a:rPr lang="en-US" sz="2000" b="1" dirty="0"/>
-              <a:t>License and Citation</a:t>
-            </a:r>
-          </a:p>
-          <a:p>
-            <a:pPr>
-              <a:spcBef>
-                <a:spcPts val="200"/>
-              </a:spcBef>
-            </a:pPr>
-            <a:r>
-              <a:rPr lang="en-US" sz="1800" dirty="0"/>
+              <a:rPr lang="en-US" sz="1600" dirty="0"/>
               <a:t>This work is licensed under a </a:t>
             </a:r>
             <a:r>
-              <a:rPr lang="en-US" sz="1800" dirty="0">
+              <a:rPr lang="en-US" sz="1600" dirty="0">
                 <a:hlinkClick r:id="rId2"/>
               </a:rPr>
               <a:t>Creative</a:t>
             </a:r>
             <a:r>
-              <a:rPr lang="en-US" sz="1800" dirty="0">
+              <a:rPr lang="en-US" sz="1600" dirty="0">
                 <a:hlinkClick r:id="rId3"/>
               </a:rPr>
               <a:t> Commons Attribution 4.0 International License</a:t>
             </a:r>
             <a:r>
-              <a:rPr lang="en-US" sz="1800" dirty="0"/>
+              <a:rPr lang="en-US" sz="1600" dirty="0"/>
               <a:t> (CC BY 4.0).</a:t>
             </a:r>
           </a:p>
@@ -7718,32 +7682,35 @@
               </a:spcBef>
             </a:pPr>
             <a:r>
-              <a:rPr lang="en-US" sz="1800" b="1" dirty="0"/>
-              <a:t>The requested citation the overall tutorial is: David E. Bernholdt, </a:t>
-            </a:r>
-            <a:r>
-              <a:rPr lang="en-US" sz="1800" b="1" dirty="0" err="1"/>
-              <a:t>Anshu</a:t>
-            </a:r>
-            <a:r>
-              <a:rPr lang="en-US" sz="1800" b="1" dirty="0"/>
-              <a:t> Dubey, Michael A. </a:t>
-            </a:r>
-            <a:r>
-              <a:rPr lang="en-US" sz="1800" b="1" dirty="0" err="1"/>
-              <a:t>Heroux</a:t>
-            </a:r>
-            <a:r>
-              <a:rPr lang="en-US" sz="1800" b="1" dirty="0"/>
-              <a:t>, and Jared O’Neal, Better Scientific Software tutorial, in SC ‘19: International Conference for High Performance Computing, Networking, Storage and Analysis, Denver, Colorado, 2019. DOI: </a:t>
-            </a:r>
-            <a:r>
-              <a:rPr lang="en-US" sz="1800" b="1" dirty="0">
+              <a:rPr lang="en-US" sz="1600" b="1" dirty="0"/>
+              <a:t>The requested citation the overall tutorial is: David E. Bernholdt, Anshu Dubey, Todd Gamblin, Jared O’Neal, and </a:t>
+            </a:r>
+            <a:r>
+              <a:rPr lang="en-US" sz="1600" b="1" dirty="0" err="1"/>
+              <a:t>Boyana</a:t>
+            </a:r>
+            <a:r>
+              <a:rPr lang="en-US" sz="1600" b="1" dirty="0"/>
+              <a:t> R. Norris, Software Productivity and Sustainability track, in Argonne Training Program on Extreme-Scale Computing</a:t>
+            </a:r>
+            <a:r>
+              <a:rPr lang="en-US" sz="1600" b="1"/>
+              <a:t>, St</a:t>
+            </a:r>
+            <a:r>
+              <a:rPr lang="en-US" sz="1600" b="1" dirty="0"/>
+              <a:t>. Charles, Illinois, 2022. DOI: </a:t>
+            </a:r>
+            <a:r>
+              <a:rPr lang="en-US" sz="1600" b="1" dirty="0">
                 <a:hlinkClick r:id="rId4"/>
               </a:rPr>
-              <a:t>10.6084/m9.figshare.10114880</a:t>
-            </a:r>
-            <a:endParaRPr lang="en-US" sz="1800" b="1" dirty="0"/>
+              <a:t>10.6084/m9.figshare.20416215</a:t>
+            </a:r>
+            <a:r>
+              <a:rPr lang="en-US" sz="1600" b="1" dirty="0"/>
+              <a:t>.</a:t>
+            </a:r>
           </a:p>
           <a:p>
             <a:pPr>
@@ -7752,16 +7719,16 @@
               </a:spcBef>
             </a:pPr>
             <a:r>
-              <a:rPr lang="en-US" sz="1800" dirty="0"/>
+              <a:rPr lang="en-US" sz="1600" dirty="0"/>
               <a:t>Individual modules may be cited as </a:t>
             </a:r>
             <a:r>
-              <a:rPr lang="en-US" sz="1800" i="1" dirty="0"/>
-              <a:t>Module Authors, Module Title</a:t>
-            </a:r>
-            <a:r>
-              <a:rPr lang="en-US" sz="1800" dirty="0"/>
-              <a:t>, in Better Scientific Software Tutorial…</a:t>
+              <a:rPr lang="en-US" sz="1600" i="1" dirty="0"/>
+              <a:t>Speaker, Module Title</a:t>
+            </a:r>
+            <a:r>
+              <a:rPr lang="en-US" sz="1600" dirty="0"/>
+              <a:t>, in Better Scientific Software tutorial, ISC, 2022 …</a:t>
             </a:r>
           </a:p>
           <a:p>
@@ -7779,47 +7746,83 @@
           <a:p>
             <a:pPr>
               <a:spcBef>
-                <a:spcPts val="200"/>
+                <a:spcPts val="400"/>
               </a:spcBef>
             </a:pPr>
             <a:r>
-              <a:rPr lang="en-US" sz="1600" dirty="0"/>
-              <a:t>This work was supported by the U.S. Department of Energy Office of Science, Office of Advanced Scientific Computing Research (ASCR), and by the </a:t>
-            </a:r>
-            <a:r>
-              <a:rPr lang="en-US" sz="1600" dirty="0" err="1"/>
-              <a:t>Exascale</a:t>
-            </a:r>
-            <a:r>
-              <a:rPr lang="en-US" sz="1600" dirty="0"/>
-              <a:t> Computing Project (17-SC-20-SC), a collaborative effort of the U.S. Department of Energy Office of Science and the National Nuclear Security Administration</a:t>
-            </a:r>
-            <a:r>
-              <a:rPr lang="en-US" sz="1600" i="1" dirty="0"/>
+              <a:rPr lang="en-US" sz="1400" dirty="0"/>
+              <a:t>This work was supported by the U.S. Department of Energy Office of Science, Office of Advanced Scientific Computing Research (ASCR), and by the Exascale Computing Project (17-SC-20-SC), a collaborative effort of the U.S. Department of Energy Office of Science and the National Nuclear Security Administration</a:t>
+            </a:r>
+            <a:r>
+              <a:rPr lang="en-US" sz="1400" i="1" dirty="0"/>
               <a:t>.</a:t>
             </a:r>
-            <a:endParaRPr lang="en-US" sz="1600" dirty="0"/>
+            <a:endParaRPr lang="en-US" sz="1400" dirty="0"/>
           </a:p>
           <a:p>
             <a:pPr>
               <a:spcBef>
-                <a:spcPts val="600"/>
+                <a:spcPts val="400"/>
               </a:spcBef>
             </a:pPr>
             <a:r>
-              <a:rPr lang="en-US" sz="1600" dirty="0"/>
-              <a:t>This work was performed in part at the Oak Ridge National Laboratory, which is managed by UT-Battelle, LLC for the U.S. Department of Energy under Contract No. DE-AC05-00OR22725.</a:t>
+              <a:rPr lang="en-US" sz="1400" dirty="0"/>
+              <a:t>This work was performed in part at the Argonne National Laboratory, which is managed by UChicago Argonne, LLC for the U.S. Department of Energy under Contract No. DE-AC02-06CH11357.</a:t>
             </a:r>
           </a:p>
           <a:p>
             <a:pPr>
               <a:spcBef>
-                <a:spcPts val="600"/>
+                <a:spcPts val="400"/>
               </a:spcBef>
             </a:pPr>
             <a:r>
-              <a:rPr lang="en-US" sz="1600" dirty="0"/>
-              <a:t>This work was performed in part at Sandia National Laboratories. Sandia National Laboratories is a multi-mission laboratory managed and operated by National Technology and Engineering Solutions of Sandia, LLC., a wholly owned subsidiary of Honeywell International, Inc., for the U.S. Department of Energy’s National Nuclear Security Administration under contract DE-NA0003525. SAND NO SAND2017-5474 PE</a:t>
+              <a:rPr lang="en-US" sz="1400" dirty="0"/>
+              <a:t>This work was performed in part at the Lawrence Livermore National Laboratory, which is managed by Lawrence Livermore National Security, LLC for the U.S. Department of Energy under Contract No. DE-AC52-07NA27344.</a:t>
+            </a:r>
+          </a:p>
+          <a:p>
+            <a:pPr>
+              <a:spcBef>
+                <a:spcPts val="400"/>
+              </a:spcBef>
+            </a:pPr>
+            <a:r>
+              <a:rPr lang="en-US" sz="1400" dirty="0"/>
+              <a:t>This work was performed in part at the Los Alamos National Laboratory, which is managed by Triad National Security, LLC for the U.S. Department of Energy under Contract No.89233218CNA000001</a:t>
+            </a:r>
+          </a:p>
+          <a:p>
+            <a:pPr>
+              <a:spcBef>
+                <a:spcPts val="400"/>
+              </a:spcBef>
+            </a:pPr>
+            <a:r>
+              <a:rPr lang="en-US" sz="1400" dirty="0"/>
+              <a:t>This work was performed in part at the Oak Ridge National Laboratory, which is managed by UT-Battelle, LLC for the U.S. Department of Energy under Contract No. DE-AC05-00OR22725.</a:t>
+            </a:r>
+          </a:p>
+          <a:p>
+            <a:pPr>
+              <a:spcBef>
+                <a:spcPts val="400"/>
+              </a:spcBef>
+            </a:pPr>
+            <a:r>
+              <a:rPr lang="en-US" sz="1400" dirty="0"/>
+              <a:t>This work was performed in part at Sandia National Laboratories. Sandia National Laboratories is a multi-mission laboratory managed and operated by National Technology and Engineering Solutions of Sandia, LLC., a wholly owned subsidiary of Honeywell International, Inc., for the U.S. Department of Energy’s National Nuclear Security Administration under contract DE-NA0003525.</a:t>
+            </a:r>
+          </a:p>
+          <a:p>
+            <a:pPr>
+              <a:spcBef>
+                <a:spcPts val="400"/>
+              </a:spcBef>
+            </a:pPr>
+            <a:r>
+              <a:rPr lang="en-US" sz="1400" dirty="0"/>
+              <a:t>This work was performed in part at University of Oregon through a subcontract with Argonne National Laboratory.</a:t>
             </a:r>
           </a:p>
         </p:txBody>
@@ -7853,8 +7856,8 @@
         </p:blipFill>
         <p:spPr bwMode="auto">
           <a:xfrm>
-            <a:off x="10249254" y="1498683"/>
-            <a:ext cx="1661258" cy="585216"/>
+            <a:off x="10230336" y="879673"/>
+            <a:ext cx="838200" cy="295275"/>
           </a:xfrm>
           <a:prstGeom prst="rect">
             <a:avLst/>
@@ -7874,7 +7877,7 @@
     </p:spTree>
     <p:extLst>
       <p:ext uri="{BB962C8B-B14F-4D97-AF65-F5344CB8AC3E}">
-        <p14:creationId xmlns:p14="http://schemas.microsoft.com/office/powerpoint/2010/main" val="3311856230"/>
+        <p14:creationId xmlns:p14="http://schemas.microsoft.com/office/powerpoint/2010/main" val="978726433"/>
       </p:ext>
     </p:extLst>
   </p:cSld>
@@ -13911,6 +13914,12 @@
 </file>
 
 <file path=customXml/item1.xml><?xml version="1.0" encoding="utf-8"?>
+<p:properties xmlns:p="http://schemas.microsoft.com/office/2006/metadata/properties" xmlns:xsi="http://www.w3.org/2001/XMLSchema-instance" xmlns:pc="http://schemas.microsoft.com/office/infopath/2007/PartnerControls">
+  <documentManagement/>
+</p:properties>
+</file>
+
+<file path=customXml/item2.xml><?xml version="1.0" encoding="utf-8"?>
 <ct:contentTypeSchema xmlns:ct="http://schemas.microsoft.com/office/2006/metadata/contentType" xmlns:ma="http://schemas.microsoft.com/office/2006/metadata/properties/metaAttributes" ct:_="" ma:_="" ma:contentTypeName="Document" ma:contentTypeID="0x010100565464437F680748A68B85EB6594EA7D" ma:contentTypeVersion="0" ma:contentTypeDescription="Create a new document." ma:contentTypeScope="" ma:versionID="fe3f4dd58d5914c51cfc6deaa8ad845c">
   <xsd:schema xmlns:xsd="http://www.w3.org/2001/XMLSchema" xmlns:p="http://schemas.microsoft.com/office/2006/metadata/properties" targetNamespace="http://schemas.microsoft.com/office/2006/metadata/properties" ma:root="true" ma:fieldsID="4aeb20c0e3442673af7ee10786458764">
     <xsd:element name="properties">
@@ -13959,7 +13968,7 @@
 </ct:contentTypeSchema>
 </file>
 
-<file path=customXml/item2.xml><?xml version="1.0" encoding="utf-8"?>
+<file path=customXml/item3.xml><?xml version="1.0" encoding="utf-8"?>
 <?mso-contentType ?>
 <FormTemplates xmlns="http://schemas.microsoft.com/sharepoint/v3/contenttype/forms">
   <Display>DocumentLibraryForm</Display>
@@ -13968,13 +13977,22 @@
 </FormTemplates>
 </file>
 
-<file path=customXml/item3.xml><?xml version="1.0" encoding="utf-8"?>
-<p:properties xmlns:p="http://schemas.microsoft.com/office/2006/metadata/properties" xmlns:xsi="http://www.w3.org/2001/XMLSchema-instance" xmlns:pc="http://schemas.microsoft.com/office/infopath/2007/PartnerControls">
-  <documentManagement/>
-</p:properties>
+<file path=customXml/itemProps1.xml><?xml version="1.0" encoding="utf-8"?>
+<ds:datastoreItem xmlns:ds="http://schemas.openxmlformats.org/officeDocument/2006/customXml" ds:itemID="{A50EC660-24D0-43A0-AE5E-E274115E726B}">
+  <ds:schemaRefs>
+    <ds:schemaRef ds:uri="http://purl.org/dc/elements/1.1/"/>
+    <ds:schemaRef ds:uri="http://schemas.microsoft.com/office/2006/metadata/properties"/>
+    <ds:schemaRef ds:uri="http://purl.org/dc/terms/"/>
+    <ds:schemaRef ds:uri="http://schemas.openxmlformats.org/package/2006/metadata/core-properties"/>
+    <ds:schemaRef ds:uri="http://schemas.microsoft.com/office/2006/documentManagement/types"/>
+    <ds:schemaRef ds:uri="http://www.w3.org/XML/1998/namespace"/>
+    <ds:schemaRef ds:uri="http://purl.org/dc/dcmitype/"/>
+    <ds:schemaRef ds:uri="http://schemas.microsoft.com/office/infopath/2007/PartnerControls"/>
+  </ds:schemaRefs>
+</ds:datastoreItem>
 </file>
 
-<file path=customXml/itemProps1.xml><?xml version="1.0" encoding="utf-8"?>
+<file path=customXml/itemProps2.xml><?xml version="1.0" encoding="utf-8"?>
 <ds:datastoreItem xmlns:ds="http://schemas.openxmlformats.org/officeDocument/2006/customXml" ds:itemID="{E8DB7DEB-074E-4EE8-9B6E-FD277323109C}">
   <ds:schemaRefs>
     <ds:schemaRef ds:uri="http://schemas.microsoft.com/office/2006/metadata/contentType"/>
@@ -13989,25 +14007,10 @@
 </ds:datastoreItem>
 </file>
 
-<file path=customXml/itemProps2.xml><?xml version="1.0" encoding="utf-8"?>
+<file path=customXml/itemProps3.xml><?xml version="1.0" encoding="utf-8"?>
 <ds:datastoreItem xmlns:ds="http://schemas.openxmlformats.org/officeDocument/2006/customXml" ds:itemID="{19E20559-B232-4371-8690-E3D8007EDB82}">
   <ds:schemaRefs>
     <ds:schemaRef ds:uri="http://schemas.microsoft.com/sharepoint/v3/contenttype/forms"/>
   </ds:schemaRefs>
 </ds:datastoreItem>
-</file>
-
-<file path=customXml/itemProps3.xml><?xml version="1.0" encoding="utf-8"?>
-<ds:datastoreItem xmlns:ds="http://schemas.openxmlformats.org/officeDocument/2006/customXml" ds:itemID="{A50EC660-24D0-43A0-AE5E-E274115E726B}">
-  <ds:schemaRefs>
-    <ds:schemaRef ds:uri="http://purl.org/dc/elements/1.1/"/>
-    <ds:schemaRef ds:uri="http://schemas.microsoft.com/office/2006/metadata/properties"/>
-    <ds:schemaRef ds:uri="http://purl.org/dc/terms/"/>
-    <ds:schemaRef ds:uri="http://schemas.openxmlformats.org/package/2006/metadata/core-properties"/>
-    <ds:schemaRef ds:uri="http://schemas.microsoft.com/office/2006/documentManagement/types"/>
-    <ds:schemaRef ds:uri="http://www.w3.org/XML/1998/namespace"/>
-    <ds:schemaRef ds:uri="http://purl.org/dc/dcmitype/"/>
-    <ds:schemaRef ds:uri="http://schemas.microsoft.com/office/infopath/2007/PartnerControls"/>
-  </ds:schemaRefs>
-</ds:datastoreItem>
 </file>
--- a/licensing.pptx
+++ b/licensing.pptx
@@ -13914,12 +13914,21 @@
 </file>
 
 <file path=customXml/item1.xml><?xml version="1.0" encoding="utf-8"?>
+<?mso-contentType ?>
+<FormTemplates xmlns="http://schemas.microsoft.com/sharepoint/v3/contenttype/forms">
+  <Display>DocumentLibraryForm</Display>
+  <Edit>DocumentLibraryForm</Edit>
+  <New>DocumentLibraryForm</New>
+</FormTemplates>
+</file>
+
+<file path=customXml/item2.xml><?xml version="1.0" encoding="utf-8"?>
 <p:properties xmlns:p="http://schemas.microsoft.com/office/2006/metadata/properties" xmlns:xsi="http://www.w3.org/2001/XMLSchema-instance" xmlns:pc="http://schemas.microsoft.com/office/infopath/2007/PartnerControls">
   <documentManagement/>
 </p:properties>
 </file>
 
-<file path=customXml/item2.xml><?xml version="1.0" encoding="utf-8"?>
+<file path=customXml/item3.xml><?xml version="1.0" encoding="utf-8"?>
 <ct:contentTypeSchema xmlns:ct="http://schemas.microsoft.com/office/2006/metadata/contentType" xmlns:ma="http://schemas.microsoft.com/office/2006/metadata/properties/metaAttributes" ct:_="" ma:_="" ma:contentTypeName="Document" ma:contentTypeID="0x010100565464437F680748A68B85EB6594EA7D" ma:contentTypeVersion="0" ma:contentTypeDescription="Create a new document." ma:contentTypeScope="" ma:versionID="fe3f4dd58d5914c51cfc6deaa8ad845c">
   <xsd:schema xmlns:xsd="http://www.w3.org/2001/XMLSchema" xmlns:p="http://schemas.microsoft.com/office/2006/metadata/properties" targetNamespace="http://schemas.microsoft.com/office/2006/metadata/properties" ma:root="true" ma:fieldsID="4aeb20c0e3442673af7ee10786458764">
     <xsd:element name="properties">
@@ -13968,16 +13977,15 @@
 </ct:contentTypeSchema>
 </file>
 
-<file path=customXml/item3.xml><?xml version="1.0" encoding="utf-8"?>
-<?mso-contentType ?>
-<FormTemplates xmlns="http://schemas.microsoft.com/sharepoint/v3/contenttype/forms">
-  <Display>DocumentLibraryForm</Display>
-  <Edit>DocumentLibraryForm</Edit>
-  <New>DocumentLibraryForm</New>
-</FormTemplates>
+<file path=customXml/itemProps1.xml><?xml version="1.0" encoding="utf-8"?>
+<ds:datastoreItem xmlns:ds="http://schemas.openxmlformats.org/officeDocument/2006/customXml" ds:itemID="{19E20559-B232-4371-8690-E3D8007EDB82}">
+  <ds:schemaRefs>
+    <ds:schemaRef ds:uri="http://schemas.microsoft.com/sharepoint/v3/contenttype/forms"/>
+  </ds:schemaRefs>
+</ds:datastoreItem>
 </file>
 
-<file path=customXml/itemProps1.xml><?xml version="1.0" encoding="utf-8"?>
+<file path=customXml/itemProps2.xml><?xml version="1.0" encoding="utf-8"?>
 <ds:datastoreItem xmlns:ds="http://schemas.openxmlformats.org/officeDocument/2006/customXml" ds:itemID="{A50EC660-24D0-43A0-AE5E-E274115E726B}">
   <ds:schemaRefs>
     <ds:schemaRef ds:uri="http://purl.org/dc/elements/1.1/"/>
@@ -13992,7 +14000,7 @@
 </ds:datastoreItem>
 </file>
 
-<file path=customXml/itemProps2.xml><?xml version="1.0" encoding="utf-8"?>
+<file path=customXml/itemProps3.xml><?xml version="1.0" encoding="utf-8"?>
 <ds:datastoreItem xmlns:ds="http://schemas.openxmlformats.org/officeDocument/2006/customXml" ds:itemID="{E8DB7DEB-074E-4EE8-9B6E-FD277323109C}">
   <ds:schemaRefs>
     <ds:schemaRef ds:uri="http://schemas.microsoft.com/office/2006/metadata/contentType"/>
@@ -14005,12 +14013,4 @@
     <ds:schemaRef ds:uri="http://schemas.microsoft.com/office/internal/2005/internalDocumentation"/>
   </ds:schemaRefs>
 </ds:datastoreItem>
-</file>
-
-<file path=customXml/itemProps3.xml><?xml version="1.0" encoding="utf-8"?>
-<ds:datastoreItem xmlns:ds="http://schemas.openxmlformats.org/officeDocument/2006/customXml" ds:itemID="{19E20559-B232-4371-8690-E3D8007EDB82}">
-  <ds:schemaRefs>
-    <ds:schemaRef ds:uri="http://schemas.microsoft.com/sharepoint/v3/contenttype/forms"/>
-  </ds:schemaRefs>
-</ds:datastoreItem>
 </file>
--- a/licensing.pptx
+++ b/licensing.pptx
@@ -293,7 +293,7 @@
           <a:p>
             <a:fld id="{0B842F42-2CE9-4E35-95C1-410DC08A50B1}" type="datetimeFigureOut">
               <a:rPr lang="en-US" smtClean="0"/>
-              <a:t>8/9/2022</a:t>
+              <a:t>7/4/2023</a:t>
             </a:fld>
             <a:endParaRPr lang="en-US"/>
           </a:p>
@@ -458,7 +458,7 @@
           <a:p>
             <a:fld id="{6F282904-F315-4730-8D91-37D99E141A6F}" type="datetimeFigureOut">
               <a:rPr lang="en-US" smtClean="0"/>
-              <a:t>8/9/2022</a:t>
+              <a:t>7/4/2023</a:t>
             </a:fld>
             <a:endParaRPr lang="en-US"/>
           </a:p>
@@ -13914,21 +13914,12 @@
 </file>
 
 <file path=customXml/item1.xml><?xml version="1.0" encoding="utf-8"?>
-<?mso-contentType ?>
-<FormTemplates xmlns="http://schemas.microsoft.com/sharepoint/v3/contenttype/forms">
-  <Display>DocumentLibraryForm</Display>
-  <Edit>DocumentLibraryForm</Edit>
-  <New>DocumentLibraryForm</New>
-</FormTemplates>
-</file>
-
-<file path=customXml/item2.xml><?xml version="1.0" encoding="utf-8"?>
 <p:properties xmlns:p="http://schemas.microsoft.com/office/2006/metadata/properties" xmlns:xsi="http://www.w3.org/2001/XMLSchema-instance" xmlns:pc="http://schemas.microsoft.com/office/infopath/2007/PartnerControls">
   <documentManagement/>
 </p:properties>
 </file>
 
-<file path=customXml/item3.xml><?xml version="1.0" encoding="utf-8"?>
+<file path=customXml/item2.xml><?xml version="1.0" encoding="utf-8"?>
 <ct:contentTypeSchema xmlns:ct="http://schemas.microsoft.com/office/2006/metadata/contentType" xmlns:ma="http://schemas.microsoft.com/office/2006/metadata/properties/metaAttributes" ct:_="" ma:_="" ma:contentTypeName="Document" ma:contentTypeID="0x010100565464437F680748A68B85EB6594EA7D" ma:contentTypeVersion="0" ma:contentTypeDescription="Create a new document." ma:contentTypeScope="" ma:versionID="fe3f4dd58d5914c51cfc6deaa8ad845c">
   <xsd:schema xmlns:xsd="http://www.w3.org/2001/XMLSchema" xmlns:p="http://schemas.microsoft.com/office/2006/metadata/properties" targetNamespace="http://schemas.microsoft.com/office/2006/metadata/properties" ma:root="true" ma:fieldsID="4aeb20c0e3442673af7ee10786458764">
     <xsd:element name="properties">
@@ -13977,15 +13968,16 @@
 </ct:contentTypeSchema>
 </file>
 
-<file path=customXml/itemProps1.xml><?xml version="1.0" encoding="utf-8"?>
-<ds:datastoreItem xmlns:ds="http://schemas.openxmlformats.org/officeDocument/2006/customXml" ds:itemID="{19E20559-B232-4371-8690-E3D8007EDB82}">
-  <ds:schemaRefs>
-    <ds:schemaRef ds:uri="http://schemas.microsoft.com/sharepoint/v3/contenttype/forms"/>
-  </ds:schemaRefs>
-</ds:datastoreItem>
+<file path=customXml/item3.xml><?xml version="1.0" encoding="utf-8"?>
+<?mso-contentType ?>
+<FormTemplates xmlns="http://schemas.microsoft.com/sharepoint/v3/contenttype/forms">
+  <Display>DocumentLibraryForm</Display>
+  <Edit>DocumentLibraryForm</Edit>
+  <New>DocumentLibraryForm</New>
+</FormTemplates>
 </file>
 
-<file path=customXml/itemProps2.xml><?xml version="1.0" encoding="utf-8"?>
+<file path=customXml/itemProps1.xml><?xml version="1.0" encoding="utf-8"?>
 <ds:datastoreItem xmlns:ds="http://schemas.openxmlformats.org/officeDocument/2006/customXml" ds:itemID="{A50EC660-24D0-43A0-AE5E-E274115E726B}">
   <ds:schemaRefs>
     <ds:schemaRef ds:uri="http://purl.org/dc/elements/1.1/"/>
@@ -14000,7 +13992,7 @@
 </ds:datastoreItem>
 </file>
 
-<file path=customXml/itemProps3.xml><?xml version="1.0" encoding="utf-8"?>
+<file path=customXml/itemProps2.xml><?xml version="1.0" encoding="utf-8"?>
 <ds:datastoreItem xmlns:ds="http://schemas.openxmlformats.org/officeDocument/2006/customXml" ds:itemID="{E8DB7DEB-074E-4EE8-9B6E-FD277323109C}">
   <ds:schemaRefs>
     <ds:schemaRef ds:uri="http://schemas.microsoft.com/office/2006/metadata/contentType"/>
@@ -14013,4 +14005,12 @@
     <ds:schemaRef ds:uri="http://schemas.microsoft.com/office/internal/2005/internalDocumentation"/>
   </ds:schemaRefs>
 </ds:datastoreItem>
+</file>
+
+<file path=customXml/itemProps3.xml><?xml version="1.0" encoding="utf-8"?>
+<ds:datastoreItem xmlns:ds="http://schemas.openxmlformats.org/officeDocument/2006/customXml" ds:itemID="{19E20559-B232-4371-8690-E3D8007EDB82}">
+  <ds:schemaRefs>
+    <ds:schemaRef ds:uri="http://schemas.microsoft.com/sharepoint/v3/contenttype/forms"/>
+  </ds:schemaRefs>
+</ds:datastoreItem>
 </file>